--- a/materials/slides/ch05-vim-and-linux-system-programming.pptx
+++ b/materials/slides/ch05-vim-and-linux-system-programming.pptx
@@ -25,15 +25,15 @@
     <p:sldId id="266" r:id="rId13"/>
     <p:sldId id="282" r:id="rId14"/>
     <p:sldId id="283" r:id="rId15"/>
-    <p:sldId id="284" r:id="rId16"/>
-    <p:sldId id="291" r:id="rId17"/>
-    <p:sldId id="265" r:id="rId18"/>
-    <p:sldId id="294" r:id="rId19"/>
-    <p:sldId id="278" r:id="rId20"/>
-    <p:sldId id="287" r:id="rId21"/>
-    <p:sldId id="288" r:id="rId22"/>
-    <p:sldId id="289" r:id="rId23"/>
-    <p:sldId id="290" r:id="rId24"/>
+    <p:sldId id="291" r:id="rId16"/>
+    <p:sldId id="265" r:id="rId17"/>
+    <p:sldId id="294" r:id="rId18"/>
+    <p:sldId id="278" r:id="rId19"/>
+    <p:sldId id="287" r:id="rId20"/>
+    <p:sldId id="288" r:id="rId21"/>
+    <p:sldId id="289" r:id="rId22"/>
+    <p:sldId id="290" r:id="rId23"/>
+    <p:sldId id="295" r:id="rId24"/>
     <p:sldId id="293" r:id="rId25"/>
   </p:sldIdLst>
   <p:sldSz cx="12192000" cy="6858000"/>
@@ -238,7 +238,7 @@
           <a:p>
             <a:fld id="{E923E828-953C-4D4A-9B10-11E7329F433D}" type="datetimeFigureOut">
               <a:rPr lang="zh-CN" altLang="en-US" smtClean="0"/>
-              <a:t>2018/2/25</a:t>
+              <a:t>2018/2/27</a:t>
             </a:fld>
             <a:endParaRPr lang="zh-CN" altLang="en-US"/>
           </a:p>
@@ -419,7 +419,7 @@
           <a:p>
             <a:fld id="{867C5346-22E5-4085-8130-851344A84DFF}" type="datetimeFigureOut">
               <a:rPr lang="zh-CN" altLang="en-US" smtClean="0"/>
-              <a:t>2018/2/25</a:t>
+              <a:t>2018/2/27</a:t>
             </a:fld>
             <a:endParaRPr lang="zh-CN" altLang="en-US"/>
           </a:p>
@@ -845,7 +845,7 @@
     </p:spTree>
     <p:extLst>
       <p:ext uri="{BB962C8B-B14F-4D97-AF65-F5344CB8AC3E}">
-        <p14:creationId xmlns:p14="http://schemas.microsoft.com/office/powerpoint/2010/main" val="3666486841"/>
+        <p14:creationId xmlns:p14="http://schemas.microsoft.com/office/powerpoint/2010/main" val="1861712240"/>
       </p:ext>
     </p:extLst>
   </p:cSld>
@@ -929,7 +929,7 @@
     </p:spTree>
     <p:extLst>
       <p:ext uri="{BB962C8B-B14F-4D97-AF65-F5344CB8AC3E}">
-        <p14:creationId xmlns:p14="http://schemas.microsoft.com/office/powerpoint/2010/main" val="1861712240"/>
+        <p14:creationId xmlns:p14="http://schemas.microsoft.com/office/powerpoint/2010/main" val="2951509800"/>
       </p:ext>
     </p:extLst>
   </p:cSld>
@@ -1265,7 +1265,7 @@
     </p:spTree>
     <p:extLst>
       <p:ext uri="{BB962C8B-B14F-4D97-AF65-F5344CB8AC3E}">
-        <p14:creationId xmlns:p14="http://schemas.microsoft.com/office/powerpoint/2010/main" val="1200008047"/>
+        <p14:creationId xmlns:p14="http://schemas.microsoft.com/office/powerpoint/2010/main" val="56292322"/>
       </p:ext>
     </p:extLst>
   </p:cSld>
@@ -1340,7 +1340,7 @@
           <a:p>
             <a:fld id="{9FB975F3-1C40-4D40-A7FE-36EEB7CAFC85}" type="slidenum">
               <a:rPr lang="zh-CN" altLang="en-US" smtClean="0"/>
-              <a:t>16</a:t>
+              <a:t>17</a:t>
             </a:fld>
             <a:endParaRPr lang="zh-CN" altLang="en-US"/>
           </a:p>
@@ -1349,7 +1349,7 @@
     </p:spTree>
     <p:extLst>
       <p:ext uri="{BB962C8B-B14F-4D97-AF65-F5344CB8AC3E}">
-        <p14:creationId xmlns:p14="http://schemas.microsoft.com/office/powerpoint/2010/main" val="56292322"/>
+        <p14:creationId xmlns:p14="http://schemas.microsoft.com/office/powerpoint/2010/main" val="4261783980"/>
       </p:ext>
     </p:extLst>
   </p:cSld>
@@ -1433,7 +1433,7 @@
     </p:spTree>
     <p:extLst>
       <p:ext uri="{BB962C8B-B14F-4D97-AF65-F5344CB8AC3E}">
-        <p14:creationId xmlns:p14="http://schemas.microsoft.com/office/powerpoint/2010/main" val="4261783980"/>
+        <p14:creationId xmlns:p14="http://schemas.microsoft.com/office/powerpoint/2010/main" val="1846764752"/>
       </p:ext>
     </p:extLst>
   </p:cSld>
@@ -1517,7 +1517,7 @@
     </p:spTree>
     <p:extLst>
       <p:ext uri="{BB962C8B-B14F-4D97-AF65-F5344CB8AC3E}">
-        <p14:creationId xmlns:p14="http://schemas.microsoft.com/office/powerpoint/2010/main" val="1846764752"/>
+        <p14:creationId xmlns:p14="http://schemas.microsoft.com/office/powerpoint/2010/main" val="1750881673"/>
       </p:ext>
     </p:extLst>
   </p:cSld>
@@ -1601,7 +1601,7 @@
     </p:spTree>
     <p:extLst>
       <p:ext uri="{BB962C8B-B14F-4D97-AF65-F5344CB8AC3E}">
-        <p14:creationId xmlns:p14="http://schemas.microsoft.com/office/powerpoint/2010/main" val="1750881673"/>
+        <p14:creationId xmlns:p14="http://schemas.microsoft.com/office/powerpoint/2010/main" val="1973094544"/>
       </p:ext>
     </p:extLst>
   </p:cSld>
@@ -1685,7 +1685,7 @@
     </p:spTree>
     <p:extLst>
       <p:ext uri="{BB962C8B-B14F-4D97-AF65-F5344CB8AC3E}">
-        <p14:creationId xmlns:p14="http://schemas.microsoft.com/office/powerpoint/2010/main" val="1973094544"/>
+        <p14:creationId xmlns:p14="http://schemas.microsoft.com/office/powerpoint/2010/main" val="3666486841"/>
       </p:ext>
     </p:extLst>
   </p:cSld>
@@ -1853,7 +1853,7 @@
           <a:p>
             <a:fld id="{A5E21016-498F-4141-B0CA-D95A38CA7D62}" type="datetimeFigureOut">
               <a:rPr lang="zh-CN" altLang="en-US" smtClean="0"/>
-              <a:t>2018/2/25</a:t>
+              <a:t>2018/2/27</a:t>
             </a:fld>
             <a:endParaRPr lang="zh-CN" altLang="en-US"/>
           </a:p>
@@ -2083,7 +2083,7 @@
           <a:p>
             <a:fld id="{A5E21016-498F-4141-B0CA-D95A38CA7D62}" type="datetimeFigureOut">
               <a:rPr lang="zh-CN" altLang="en-US" smtClean="0"/>
-              <a:t>2018/2/25</a:t>
+              <a:t>2018/2/27</a:t>
             </a:fld>
             <a:endParaRPr lang="zh-CN" altLang="en-US"/>
           </a:p>
@@ -2318,7 +2318,7 @@
           <a:p>
             <a:fld id="{A5E21016-498F-4141-B0CA-D95A38CA7D62}" type="datetimeFigureOut">
               <a:rPr lang="zh-CN" altLang="en-US" smtClean="0"/>
-              <a:t>2018/2/25</a:t>
+              <a:t>2018/2/27</a:t>
             </a:fld>
             <a:endParaRPr lang="zh-CN" altLang="en-US"/>
           </a:p>
@@ -2880,7 +2880,7 @@
           <a:p>
             <a:fld id="{A5E21016-498F-4141-B0CA-D95A38CA7D62}" type="datetimeFigureOut">
               <a:rPr lang="zh-CN" altLang="en-US" smtClean="0"/>
-              <a:t>2018/2/25</a:t>
+              <a:t>2018/2/27</a:t>
             </a:fld>
             <a:endParaRPr lang="zh-CN" altLang="en-US"/>
           </a:p>
@@ -3177,7 +3177,7 @@
           <a:p>
             <a:fld id="{A5E21016-498F-4141-B0CA-D95A38CA7D62}" type="datetimeFigureOut">
               <a:rPr lang="zh-CN" altLang="en-US" smtClean="0"/>
-              <a:t>2018/2/25</a:t>
+              <a:t>2018/2/27</a:t>
             </a:fld>
             <a:endParaRPr lang="zh-CN" altLang="en-US"/>
           </a:p>
@@ -3616,7 +3616,7 @@
           <a:p>
             <a:fld id="{A5E21016-498F-4141-B0CA-D95A38CA7D62}" type="datetimeFigureOut">
               <a:rPr lang="zh-CN" altLang="en-US" smtClean="0"/>
-              <a:t>2018/2/25</a:t>
+              <a:t>2018/2/27</a:t>
             </a:fld>
             <a:endParaRPr lang="zh-CN" altLang="en-US"/>
           </a:p>
@@ -3789,7 +3789,7 @@
           <a:p>
             <a:fld id="{A5E21016-498F-4141-B0CA-D95A38CA7D62}" type="datetimeFigureOut">
               <a:rPr lang="zh-CN" altLang="en-US" smtClean="0"/>
-              <a:t>2018/2/25</a:t>
+              <a:t>2018/2/27</a:t>
             </a:fld>
             <a:endParaRPr lang="zh-CN" altLang="en-US"/>
           </a:p>
@@ -3926,7 +3926,7 @@
           <a:p>
             <a:fld id="{A5E21016-498F-4141-B0CA-D95A38CA7D62}" type="datetimeFigureOut">
               <a:rPr lang="zh-CN" altLang="en-US" smtClean="0"/>
-              <a:t>2018/2/25</a:t>
+              <a:t>2018/2/27</a:t>
             </a:fld>
             <a:endParaRPr lang="zh-CN" altLang="en-US"/>
           </a:p>
@@ -4264,7 +4264,7 @@
           <a:p>
             <a:fld id="{A5E21016-498F-4141-B0CA-D95A38CA7D62}" type="datetimeFigureOut">
               <a:rPr lang="zh-CN" altLang="en-US" smtClean="0"/>
-              <a:t>2018/2/25</a:t>
+              <a:t>2018/2/27</a:t>
             </a:fld>
             <a:endParaRPr lang="zh-CN" altLang="en-US"/>
           </a:p>
@@ -4579,7 +4579,7 @@
           <a:p>
             <a:fld id="{A5E21016-498F-4141-B0CA-D95A38CA7D62}" type="datetimeFigureOut">
               <a:rPr lang="zh-CN" altLang="en-US" smtClean="0"/>
-              <a:t>2018/2/25</a:t>
+              <a:t>2018/2/27</a:t>
             </a:fld>
             <a:endParaRPr lang="zh-CN" altLang="en-US"/>
           </a:p>
@@ -6465,8 +6465,12 @@
           <a:lstStyle/>
           <a:p>
             <a:r>
+              <a:rPr lang="en-US" altLang="zh-CN" dirty="0"/>
+              <a:t>PHP</a:t>
+            </a:r>
+            <a:r>
               <a:rPr lang="zh-CN" altLang="en-US" dirty="0"/>
-              <a:t>进程与终端</a:t>
+              <a:t>命令行</a:t>
             </a:r>
           </a:p>
         </p:txBody>
@@ -6506,7 +6510,7 @@
     </p:spTree>
     <p:extLst>
       <p:ext uri="{BB962C8B-B14F-4D97-AF65-F5344CB8AC3E}">
-        <p14:creationId xmlns:p14="http://schemas.microsoft.com/office/powerpoint/2010/main" val="2174621622"/>
+        <p14:creationId xmlns:p14="http://schemas.microsoft.com/office/powerpoint/2010/main" val="3357021957"/>
       </p:ext>
     </p:extLst>
   </p:cSld>
@@ -6561,21 +6565,18 @@
           <a:p>
             <a:r>
               <a:rPr lang="en-US" altLang="zh-CN" dirty="0"/>
-              <a:t>PHP</a:t>
-            </a:r>
-            <a:r>
-              <a:rPr lang="zh-CN" altLang="en-US" dirty="0"/>
-              <a:t>命令行</a:t>
-            </a:r>
-          </a:p>
-        </p:txBody>
-      </p:sp>
-      <p:sp>
-        <p:nvSpPr>
-          <p:cNvPr id="6" name="内容占位符 5">
-            <a:extLst>
-              <a:ext uri="{FF2B5EF4-FFF2-40B4-BE49-F238E27FC236}">
-                <a16:creationId xmlns:a16="http://schemas.microsoft.com/office/drawing/2014/main" id="{B83E9AD4-C606-4679-B884-01F71CC97E44}"/>
+              <a:t>3</a:t>
+            </a:r>
+            <a:endParaRPr lang="zh-CN" altLang="en-US" dirty="0"/>
+          </a:p>
+        </p:txBody>
+      </p:sp>
+      <p:sp>
+        <p:nvSpPr>
+          <p:cNvPr id="3" name="内容占位符 2">
+            <a:extLst>
+              <a:ext uri="{FF2B5EF4-FFF2-40B4-BE49-F238E27FC236}">
+                <a16:creationId xmlns:a16="http://schemas.microsoft.com/office/drawing/2014/main" id="{ED7249CC-3D11-4FF8-8CF2-30C36502BA8B}"/>
               </a:ext>
             </a:extLst>
           </p:cNvPr>
@@ -6586,26 +6587,89 @@
             <p:ph idx="1"/>
           </p:nvPr>
         </p:nvSpPr>
-        <p:spPr>
-          <a:xfrm>
-            <a:off x="838200" y="1656500"/>
-            <a:ext cx="10515600" cy="4850832"/>
-          </a:xfrm>
-        </p:spPr>
-        <p:txBody>
-          <a:bodyPr>
-            <a:normAutofit/>
-          </a:bodyPr>
-          <a:lstStyle/>
-          <a:p>
-            <a:endParaRPr lang="en-US" altLang="zh-CN" sz="2000" dirty="0"/>
+        <p:spPr/>
+        <p:txBody>
+          <a:bodyPr/>
+          <a:lstStyle/>
+          <a:p>
+            <a:pPr marL="0" indent="0" algn="ctr">
+              <a:buNone/>
+            </a:pPr>
+            <a:endParaRPr lang="en-US" altLang="zh-CN" dirty="0">
+              <a:solidFill>
+                <a:schemeClr val="accent1">
+                  <a:lumMod val="75000"/>
+                </a:schemeClr>
+              </a:solidFill>
+            </a:endParaRPr>
+          </a:p>
+          <a:p>
+            <a:pPr marL="0" indent="0" algn="ctr">
+              <a:buNone/>
+            </a:pPr>
+            <a:endParaRPr lang="en-US" altLang="zh-CN" dirty="0">
+              <a:solidFill>
+                <a:schemeClr val="accent1">
+                  <a:lumMod val="75000"/>
+                </a:schemeClr>
+              </a:solidFill>
+            </a:endParaRPr>
+          </a:p>
+          <a:p>
+            <a:pPr marL="0" indent="0" algn="ctr">
+              <a:buNone/>
+            </a:pPr>
+            <a:endParaRPr lang="en-US" altLang="zh-CN" dirty="0">
+              <a:solidFill>
+                <a:schemeClr val="accent1">
+                  <a:lumMod val="75000"/>
+                </a:schemeClr>
+              </a:solidFill>
+            </a:endParaRPr>
+          </a:p>
+          <a:p>
+            <a:pPr marL="0" indent="0" algn="ctr">
+              <a:buNone/>
+            </a:pPr>
+            <a:endParaRPr lang="en-US" altLang="zh-CN" dirty="0">
+              <a:solidFill>
+                <a:schemeClr val="accent1">
+                  <a:lumMod val="75000"/>
+                </a:schemeClr>
+              </a:solidFill>
+            </a:endParaRPr>
+          </a:p>
+          <a:p>
+            <a:pPr marL="0" indent="0" algn="ctr">
+              <a:buNone/>
+            </a:pPr>
+            <a:r>
+              <a:rPr lang="en-US" altLang="zh-CN" sz="3200" dirty="0">
+                <a:solidFill>
+                  <a:schemeClr val="accent1">
+                    <a:lumMod val="75000"/>
+                  </a:schemeClr>
+                </a:solidFill>
+              </a:rPr>
+              <a:t>Linux</a:t>
+            </a:r>
+            <a:r>
+              <a:rPr lang="zh-CN" altLang="en-US" sz="3200" dirty="0">
+                <a:solidFill>
+                  <a:schemeClr val="accent1">
+                    <a:lumMod val="75000"/>
+                  </a:schemeClr>
+                </a:solidFill>
+              </a:rPr>
+              <a:t>系统编程基础</a:t>
+            </a:r>
           </a:p>
         </p:txBody>
       </p:sp>
     </p:spTree>
     <p:extLst>
       <p:ext uri="{BB962C8B-B14F-4D97-AF65-F5344CB8AC3E}">
-        <p14:creationId xmlns:p14="http://schemas.microsoft.com/office/powerpoint/2010/main" val="3357021957"/>
+        <p14:creationId xmlns:p14="http://schemas.microsoft.com/office/powerpoint/2010/main" val="1908713046"/>
       </p:ext>
     </p:extLst>
   </p:cSld>
@@ -6659,19 +6723,18 @@
           <a:lstStyle/>
           <a:p>
             <a:r>
-              <a:rPr lang="en-US" altLang="zh-CN" dirty="0"/>
-              <a:t>3</a:t>
-            </a:r>
-            <a:endParaRPr lang="zh-CN" altLang="en-US" dirty="0"/>
-          </a:p>
-        </p:txBody>
-      </p:sp>
-      <p:sp>
-        <p:nvSpPr>
-          <p:cNvPr id="3" name="内容占位符 2">
-            <a:extLst>
-              <a:ext uri="{FF2B5EF4-FFF2-40B4-BE49-F238E27FC236}">
-                <a16:creationId xmlns:a16="http://schemas.microsoft.com/office/drawing/2014/main" id="{ED7249CC-3D11-4FF8-8CF2-30C36502BA8B}"/>
+              <a:rPr lang="zh-CN" altLang="en-US" dirty="0"/>
+              <a:t>系统编程简介</a:t>
+            </a:r>
+          </a:p>
+        </p:txBody>
+      </p:sp>
+      <p:sp>
+        <p:nvSpPr>
+          <p:cNvPr id="6" name="内容占位符 5">
+            <a:extLst>
+              <a:ext uri="{FF2B5EF4-FFF2-40B4-BE49-F238E27FC236}">
+                <a16:creationId xmlns:a16="http://schemas.microsoft.com/office/drawing/2014/main" id="{B83E9AD4-C606-4679-B884-01F71CC97E44}"/>
               </a:ext>
             </a:extLst>
           </p:cNvPr>
@@ -6682,89 +6745,111 @@
             <p:ph idx="1"/>
           </p:nvPr>
         </p:nvSpPr>
-        <p:spPr/>
-        <p:txBody>
-          <a:bodyPr/>
-          <a:lstStyle/>
-          <a:p>
-            <a:pPr marL="0" indent="0" algn="ctr">
-              <a:buNone/>
-            </a:pPr>
-            <a:endParaRPr lang="en-US" altLang="zh-CN" dirty="0">
-              <a:solidFill>
-                <a:schemeClr val="accent1">
-                  <a:lumMod val="75000"/>
-                </a:schemeClr>
-              </a:solidFill>
-            </a:endParaRPr>
-          </a:p>
-          <a:p>
-            <a:pPr marL="0" indent="0" algn="ctr">
-              <a:buNone/>
-            </a:pPr>
-            <a:endParaRPr lang="en-US" altLang="zh-CN" dirty="0">
-              <a:solidFill>
-                <a:schemeClr val="accent1">
-                  <a:lumMod val="75000"/>
-                </a:schemeClr>
-              </a:solidFill>
-            </a:endParaRPr>
-          </a:p>
-          <a:p>
-            <a:pPr marL="0" indent="0" algn="ctr">
-              <a:buNone/>
-            </a:pPr>
-            <a:endParaRPr lang="en-US" altLang="zh-CN" dirty="0">
-              <a:solidFill>
-                <a:schemeClr val="accent1">
-                  <a:lumMod val="75000"/>
-                </a:schemeClr>
-              </a:solidFill>
-            </a:endParaRPr>
-          </a:p>
-          <a:p>
-            <a:pPr marL="0" indent="0" algn="ctr">
-              <a:buNone/>
-            </a:pPr>
-            <a:endParaRPr lang="en-US" altLang="zh-CN" dirty="0">
-              <a:solidFill>
-                <a:schemeClr val="accent1">
-                  <a:lumMod val="75000"/>
-                </a:schemeClr>
-              </a:solidFill>
-            </a:endParaRPr>
-          </a:p>
-          <a:p>
-            <a:pPr marL="0" indent="0" algn="ctr">
-              <a:buNone/>
-            </a:pPr>
-            <a:r>
-              <a:rPr lang="en-US" altLang="zh-CN" sz="3200" dirty="0">
-                <a:solidFill>
-                  <a:schemeClr val="accent1">
-                    <a:lumMod val="75000"/>
-                  </a:schemeClr>
-                </a:solidFill>
-              </a:rPr>
+        <p:spPr>
+          <a:xfrm>
+            <a:off x="838200" y="1656500"/>
+            <a:ext cx="10515600" cy="4850832"/>
+          </a:xfrm>
+        </p:spPr>
+        <p:txBody>
+          <a:bodyPr>
+            <a:normAutofit/>
+          </a:bodyPr>
+          <a:lstStyle/>
+          <a:p>
+            <a:r>
+              <a:rPr lang="zh-CN" altLang="en-US" sz="2000" dirty="0"/>
+              <a:t>系统编程就是调用</a:t>
+            </a:r>
+            <a:r>
+              <a:rPr lang="en-US" altLang="zh-CN" sz="2000" dirty="0"/>
               <a:t>Linux</a:t>
             </a:r>
             <a:r>
-              <a:rPr lang="zh-CN" altLang="en-US" sz="3200" dirty="0">
-                <a:solidFill>
-                  <a:schemeClr val="accent1">
-                    <a:lumMod val="75000"/>
-                  </a:schemeClr>
-                </a:solidFill>
-              </a:rPr>
-              <a:t>系统编程基础</a:t>
-            </a:r>
+              <a:rPr lang="zh-CN" altLang="en-US" sz="2000" dirty="0"/>
+              <a:t>系统提供的</a:t>
+            </a:r>
+            <a:r>
+              <a:rPr lang="en-US" altLang="zh-CN" sz="2000" dirty="0"/>
+              <a:t>API</a:t>
+            </a:r>
+            <a:r>
+              <a:rPr lang="zh-CN" altLang="en-US" sz="2000" dirty="0"/>
+              <a:t>完成需要的任务。</a:t>
+            </a:r>
+            <a:endParaRPr lang="en-US" altLang="zh-CN" sz="2000" dirty="0"/>
+          </a:p>
+          <a:p>
+            <a:endParaRPr lang="en-US" altLang="zh-CN" sz="2000" dirty="0"/>
+          </a:p>
+          <a:p>
+            <a:r>
+              <a:rPr lang="en-US" altLang="zh-CN" sz="2000" dirty="0"/>
+              <a:t>Linux</a:t>
+            </a:r>
+            <a:r>
+              <a:rPr lang="zh-CN" altLang="en-US" sz="2000" dirty="0"/>
+              <a:t>上的大多数命令都是编写的，多数都需要用到系统调用。</a:t>
+            </a:r>
+            <a:endParaRPr lang="en-US" altLang="zh-CN" sz="2000" dirty="0"/>
+          </a:p>
+          <a:p>
+            <a:endParaRPr lang="en-US" altLang="zh-CN" sz="2000" dirty="0"/>
+          </a:p>
+          <a:p>
+            <a:r>
+              <a:rPr lang="en-US" altLang="zh-CN" sz="2000" dirty="0"/>
+              <a:t>man 2 [system call name]</a:t>
+            </a:r>
+            <a:r>
+              <a:rPr lang="zh-CN" altLang="en-US" sz="2000" dirty="0"/>
+              <a:t>查看系统接口文档，</a:t>
+            </a:r>
+            <a:r>
+              <a:rPr lang="en-US" altLang="zh-CN" sz="2000" dirty="0"/>
+              <a:t>man  3  [lib function] </a:t>
+            </a:r>
+            <a:r>
+              <a:rPr lang="zh-CN" altLang="en-US" sz="2000" dirty="0"/>
+              <a:t>查看程序库的函数文档。文档开头都会说明需要引入的头文件，函数声明等信息。</a:t>
+            </a:r>
+            <a:endParaRPr lang="en-US" altLang="zh-CN" sz="2000" dirty="0"/>
+          </a:p>
+          <a:p>
+            <a:endParaRPr lang="en-US" altLang="zh-CN" sz="2000" dirty="0"/>
+          </a:p>
+          <a:p>
+            <a:endParaRPr lang="en-US" altLang="zh-CN" sz="2000" dirty="0"/>
+          </a:p>
+          <a:p>
+            <a:r>
+              <a:rPr lang="en-US" altLang="zh-CN" sz="2000" dirty="0"/>
+              <a:t>man  </a:t>
+            </a:r>
+            <a:r>
+              <a:rPr lang="en-US" altLang="zh-CN" sz="2000" dirty="0" err="1"/>
+              <a:t>syscalls</a:t>
+            </a:r>
+            <a:r>
+              <a:rPr lang="zh-CN" altLang="en-US" sz="2000" dirty="0"/>
+              <a:t>查看所有系统调用（</a:t>
+            </a:r>
+            <a:r>
+              <a:rPr lang="en-US" altLang="zh-CN" sz="2000" dirty="0"/>
+              <a:t>API</a:t>
+            </a:r>
+            <a:r>
+              <a:rPr lang="zh-CN" altLang="en-US" sz="2000" dirty="0"/>
+              <a:t>）。</a:t>
+            </a:r>
+            <a:endParaRPr lang="en-US" altLang="zh-CN" sz="2000" dirty="0"/>
           </a:p>
         </p:txBody>
       </p:sp>
     </p:spTree>
     <p:extLst>
       <p:ext uri="{BB962C8B-B14F-4D97-AF65-F5344CB8AC3E}">
-        <p14:creationId xmlns:p14="http://schemas.microsoft.com/office/powerpoint/2010/main" val="1908713046"/>
+        <p14:creationId xmlns:p14="http://schemas.microsoft.com/office/powerpoint/2010/main" val="83696498"/>
       </p:ext>
     </p:extLst>
   </p:cSld>
@@ -6819,8 +6904,13 @@
           <a:p>
             <a:r>
               <a:rPr lang="zh-CN" altLang="en-US" dirty="0"/>
-              <a:t>系统编程简介</a:t>
-            </a:r>
+              <a:t>获取自己的</a:t>
+            </a:r>
+            <a:r>
+              <a:rPr lang="en-US" altLang="zh-CN" dirty="0"/>
+              <a:t>PID</a:t>
+            </a:r>
+            <a:endParaRPr lang="zh-CN" altLang="en-US" dirty="0"/>
           </a:p>
         </p:txBody>
       </p:sp>
@@ -6854,105 +6944,175 @@
           <a:p>
             <a:r>
               <a:rPr lang="zh-CN" altLang="en-US" sz="2000" dirty="0"/>
-              <a:t>系统编程就是调用</a:t>
+              <a:t>系统调用：</a:t>
+            </a:r>
+            <a:r>
+              <a:rPr lang="en-US" altLang="zh-CN" sz="2000" dirty="0" err="1"/>
+              <a:t>pid_t</a:t>
             </a:r>
             <a:r>
               <a:rPr lang="en-US" altLang="zh-CN" sz="2000" dirty="0"/>
-              <a:t>Linux</a:t>
-            </a:r>
+              <a:t>  </a:t>
+            </a:r>
+            <a:r>
+              <a:rPr lang="en-US" altLang="zh-CN" sz="2000" dirty="0" err="1"/>
+              <a:t>getpid</a:t>
+            </a:r>
+            <a:r>
+              <a:rPr lang="en-US" altLang="zh-CN" sz="2000" dirty="0"/>
+              <a:t>();</a:t>
+            </a:r>
+          </a:p>
+          <a:p>
             <a:r>
               <a:rPr lang="zh-CN" altLang="en-US" sz="2000" dirty="0"/>
-              <a:t>系统提供的</a:t>
-            </a:r>
-            <a:r>
-              <a:rPr lang="en-US" altLang="zh-CN" sz="2000" dirty="0"/>
-              <a:t>API</a:t>
-            </a:r>
-            <a:r>
-              <a:rPr lang="zh-CN" altLang="en-US" sz="2000" dirty="0"/>
-              <a:t>完成需要的任务。</a:t>
+              <a:t>示例：</a:t>
             </a:r>
             <a:endParaRPr lang="en-US" altLang="zh-CN" sz="2000" dirty="0"/>
           </a:p>
           <a:p>
-            <a:endParaRPr lang="en-US" altLang="zh-CN" sz="2000" dirty="0"/>
-          </a:p>
-          <a:p>
-            <a:r>
-              <a:rPr lang="en-US" altLang="zh-CN" sz="2000" dirty="0"/>
-              <a:t>Linux</a:t>
-            </a:r>
-            <a:r>
-              <a:rPr lang="zh-CN" altLang="en-US" sz="2000" dirty="0"/>
-              <a:t>上的大多数命令都是编写的，多数都需要用到系统调用。</a:t>
-            </a:r>
-            <a:endParaRPr lang="en-US" altLang="zh-CN" sz="2000" dirty="0"/>
-          </a:p>
-          <a:p>
-            <a:endParaRPr lang="en-US" altLang="zh-CN" sz="2000" dirty="0"/>
-          </a:p>
-          <a:p>
-            <a:r>
-              <a:rPr lang="en-US" altLang="zh-CN" sz="2000" dirty="0"/>
-              <a:t>man 2 [system call name]</a:t>
-            </a:r>
-            <a:r>
-              <a:rPr lang="zh-CN" altLang="en-US" sz="2000" dirty="0"/>
-              <a:t>查看系统接口文档，</a:t>
-            </a:r>
-            <a:r>
-              <a:rPr lang="en-US" altLang="zh-CN" sz="2000" dirty="0"/>
-              <a:t>man  3  [c function name] </a:t>
-            </a:r>
-            <a:r>
-              <a:rPr lang="zh-CN" altLang="en-US" sz="2000" dirty="0"/>
-              <a:t>查看标准</a:t>
-            </a:r>
-            <a:r>
-              <a:rPr lang="en-US" altLang="zh-CN" sz="2000" dirty="0"/>
-              <a:t>C</a:t>
-            </a:r>
-            <a:r>
-              <a:rPr lang="zh-CN" altLang="en-US" sz="2000" dirty="0"/>
-              <a:t>函数的文档。文档开头都会说明需要引入的头文件，函数声明等信息。</a:t>
-            </a:r>
-            <a:endParaRPr lang="en-US" altLang="zh-CN" sz="2000"/>
-          </a:p>
-          <a:p>
-            <a:endParaRPr lang="en-US" altLang="zh-CN" sz="2000" dirty="0"/>
-          </a:p>
-          <a:p>
-            <a:endParaRPr lang="en-US" altLang="zh-CN" sz="2000" dirty="0"/>
-          </a:p>
-          <a:p>
-            <a:r>
-              <a:rPr lang="en-US" altLang="zh-CN" sz="2000" dirty="0"/>
-              <a:t>man  </a:t>
-            </a:r>
-            <a:r>
-              <a:rPr lang="en-US" altLang="zh-CN" sz="2000" dirty="0" err="1"/>
-              <a:t>syscalls</a:t>
-            </a:r>
-            <a:r>
-              <a:rPr lang="zh-CN" altLang="en-US" sz="2000" dirty="0"/>
-              <a:t>查看所有系统调用（</a:t>
-            </a:r>
-            <a:r>
-              <a:rPr lang="en-US" altLang="zh-CN" sz="2000" dirty="0"/>
-              <a:t>API</a:t>
-            </a:r>
-            <a:r>
-              <a:rPr lang="zh-CN" altLang="en-US" sz="2000" dirty="0"/>
-              <a:t>）。</a:t>
-            </a:r>
-            <a:endParaRPr lang="en-US" altLang="zh-CN" sz="2000" dirty="0"/>
+            <a:pPr marL="457200" lvl="1" indent="0">
+              <a:buNone/>
+            </a:pPr>
+            <a:r>
+              <a:rPr lang="en-US" altLang="zh-CN" sz="1600" dirty="0"/>
+              <a:t>#include &lt;</a:t>
+            </a:r>
+            <a:r>
+              <a:rPr lang="en-US" altLang="zh-CN" sz="1600" dirty="0" err="1"/>
+              <a:t>stdio.h</a:t>
+            </a:r>
+            <a:r>
+              <a:rPr lang="en-US" altLang="zh-CN" sz="1600" dirty="0"/>
+              <a:t>&gt;</a:t>
+            </a:r>
+          </a:p>
+          <a:p>
+            <a:pPr marL="457200" lvl="1" indent="0">
+              <a:buNone/>
+            </a:pPr>
+            <a:r>
+              <a:rPr lang="en-US" altLang="zh-CN" sz="1600" dirty="0"/>
+              <a:t>#include &lt;sys/</a:t>
+            </a:r>
+            <a:r>
+              <a:rPr lang="en-US" altLang="zh-CN" sz="1600" dirty="0" err="1"/>
+              <a:t>types.h</a:t>
+            </a:r>
+            <a:r>
+              <a:rPr lang="en-US" altLang="zh-CN" sz="1600" dirty="0"/>
+              <a:t>&gt;</a:t>
+            </a:r>
+          </a:p>
+          <a:p>
+            <a:pPr marL="457200" lvl="1" indent="0">
+              <a:buNone/>
+            </a:pPr>
+            <a:r>
+              <a:rPr lang="en-US" altLang="zh-CN" sz="1600" dirty="0"/>
+              <a:t>#include &lt;</a:t>
+            </a:r>
+            <a:r>
+              <a:rPr lang="en-US" altLang="zh-CN" sz="1600" dirty="0" err="1"/>
+              <a:t>unistd.h</a:t>
+            </a:r>
+            <a:r>
+              <a:rPr lang="en-US" altLang="zh-CN" sz="1600" dirty="0"/>
+              <a:t>&gt;</a:t>
+            </a:r>
+          </a:p>
+          <a:p>
+            <a:pPr marL="457200" lvl="1" indent="0">
+              <a:buNone/>
+            </a:pPr>
+            <a:endParaRPr lang="en-US" altLang="zh-CN" sz="1600" dirty="0"/>
+          </a:p>
+          <a:p>
+            <a:pPr marL="457200" lvl="1" indent="0">
+              <a:buNone/>
+            </a:pPr>
+            <a:r>
+              <a:rPr lang="en-US" altLang="zh-CN" sz="1600" dirty="0" err="1"/>
+              <a:t>int</a:t>
+            </a:r>
+            <a:r>
+              <a:rPr lang="en-US" altLang="zh-CN" sz="1600" dirty="0"/>
+              <a:t> main(</a:t>
+            </a:r>
+            <a:r>
+              <a:rPr lang="en-US" altLang="zh-CN" sz="1600" dirty="0" err="1"/>
+              <a:t>int</a:t>
+            </a:r>
+            <a:r>
+              <a:rPr lang="en-US" altLang="zh-CN" sz="1600" dirty="0"/>
+              <a:t> </a:t>
+            </a:r>
+            <a:r>
+              <a:rPr lang="en-US" altLang="zh-CN" sz="1600" dirty="0" err="1"/>
+              <a:t>argc</a:t>
+            </a:r>
+            <a:r>
+              <a:rPr lang="en-US" altLang="zh-CN" sz="1600" dirty="0"/>
+              <a:t>, char *</a:t>
+            </a:r>
+            <a:r>
+              <a:rPr lang="en-US" altLang="zh-CN" sz="1600" dirty="0" err="1"/>
+              <a:t>argv</a:t>
+            </a:r>
+            <a:r>
+              <a:rPr lang="en-US" altLang="zh-CN" sz="1600" dirty="0"/>
+              <a:t>[]) {</a:t>
+            </a:r>
+          </a:p>
+          <a:p>
+            <a:pPr marL="457200" lvl="1" indent="0">
+              <a:buNone/>
+            </a:pPr>
+            <a:r>
+              <a:rPr lang="en-US" altLang="zh-CN" sz="1600" dirty="0"/>
+              <a:t>	</a:t>
+            </a:r>
+            <a:r>
+              <a:rPr lang="en-US" altLang="zh-CN" sz="1600" dirty="0" err="1"/>
+              <a:t>printf</a:t>
+            </a:r>
+            <a:r>
+              <a:rPr lang="en-US" altLang="zh-CN" sz="1600" dirty="0"/>
+              <a:t>(“%d\n”, </a:t>
+            </a:r>
+            <a:r>
+              <a:rPr lang="en-US" altLang="zh-CN" sz="1600" dirty="0" err="1"/>
+              <a:t>getpid</a:t>
+            </a:r>
+            <a:r>
+              <a:rPr lang="en-US" altLang="zh-CN" sz="1600" dirty="0"/>
+              <a:t>() );</a:t>
+            </a:r>
+          </a:p>
+          <a:p>
+            <a:pPr marL="457200" lvl="1" indent="0">
+              <a:buNone/>
+            </a:pPr>
+            <a:r>
+              <a:rPr lang="en-US" altLang="zh-CN" sz="1600" dirty="0"/>
+              <a:t>	return 0;</a:t>
+            </a:r>
+          </a:p>
+          <a:p>
+            <a:pPr marL="457200" lvl="1" indent="0">
+              <a:buNone/>
+            </a:pPr>
+            <a:r>
+              <a:rPr lang="en-US" altLang="zh-CN" sz="1600" dirty="0"/>
+              <a:t>}</a:t>
+            </a:r>
           </a:p>
         </p:txBody>
       </p:sp>
     </p:spTree>
     <p:extLst>
       <p:ext uri="{BB962C8B-B14F-4D97-AF65-F5344CB8AC3E}">
-        <p14:creationId xmlns:p14="http://schemas.microsoft.com/office/powerpoint/2010/main" val="83696498"/>
+        <p14:creationId xmlns:p14="http://schemas.microsoft.com/office/powerpoint/2010/main" val="220644065"/>
       </p:ext>
     </p:extLst>
   </p:cSld>
@@ -7007,13 +7167,16 @@
           <a:p>
             <a:r>
               <a:rPr lang="zh-CN" altLang="en-US" dirty="0"/>
-              <a:t>获取自己的</a:t>
+              <a:t>用</a:t>
             </a:r>
             <a:r>
               <a:rPr lang="en-US" altLang="zh-CN" dirty="0"/>
-              <a:t>PID</a:t>
-            </a:r>
-            <a:endParaRPr lang="zh-CN" altLang="en-US" dirty="0"/>
+              <a:t>fork</a:t>
+            </a:r>
+            <a:r>
+              <a:rPr lang="zh-CN" altLang="en-US" dirty="0"/>
+              <a:t>创建子进程</a:t>
+            </a:r>
           </a:p>
         </p:txBody>
       </p:sp>
@@ -7055,167 +7218,93 @@
             </a:r>
             <a:r>
               <a:rPr lang="en-US" altLang="zh-CN" sz="2000" dirty="0"/>
-              <a:t>  </a:t>
-            </a:r>
-            <a:r>
-              <a:rPr lang="en-US" altLang="zh-CN" sz="2000" dirty="0" err="1"/>
-              <a:t>getpid</a:t>
-            </a:r>
+              <a:t>  fork();</a:t>
+            </a:r>
+          </a:p>
+          <a:p>
+            <a:endParaRPr lang="en-US" altLang="zh-CN" sz="2000" dirty="0"/>
+          </a:p>
+          <a:p>
             <a:r>
               <a:rPr lang="en-US" altLang="zh-CN" sz="2000" dirty="0"/>
-              <a:t>();</a:t>
-            </a:r>
-          </a:p>
-          <a:p>
+              <a:t>fork</a:t>
+            </a:r>
             <a:r>
               <a:rPr lang="zh-CN" altLang="en-US" sz="2000" dirty="0"/>
-              <a:t>示例：</a:t>
+              <a:t>会创建子进程，调用</a:t>
+            </a:r>
+            <a:r>
+              <a:rPr lang="en-US" altLang="zh-CN" sz="2000" dirty="0"/>
+              <a:t>fork</a:t>
+            </a:r>
+            <a:r>
+              <a:rPr lang="zh-CN" altLang="en-US" sz="2000" dirty="0"/>
+              <a:t>，内核会分配内存，分配新的进程描述符。并标记父进程为创建它的进程。子进程创建后就开始运行。</a:t>
             </a:r>
             <a:endParaRPr lang="en-US" altLang="zh-CN" sz="2000" dirty="0"/>
           </a:p>
           <a:p>
-            <a:pPr marL="457200" lvl="1" indent="0">
-              <a:buNone/>
-            </a:pPr>
-            <a:r>
-              <a:rPr lang="en-US" altLang="zh-CN" sz="1600" dirty="0"/>
-              <a:t>#include &lt;</a:t>
-            </a:r>
-            <a:r>
-              <a:rPr lang="en-US" altLang="zh-CN" sz="1600" dirty="0" err="1"/>
-              <a:t>stdio.h</a:t>
-            </a:r>
-            <a:r>
-              <a:rPr lang="en-US" altLang="zh-CN" sz="1600" dirty="0"/>
-              <a:t>&gt;</a:t>
-            </a:r>
-          </a:p>
-          <a:p>
-            <a:pPr marL="457200" lvl="1" indent="0">
-              <a:buNone/>
-            </a:pPr>
-            <a:r>
-              <a:rPr lang="en-US" altLang="zh-CN" sz="1600" dirty="0"/>
-              <a:t>#include &lt;sys/</a:t>
-            </a:r>
-            <a:r>
-              <a:rPr lang="en-US" altLang="zh-CN" sz="1600" dirty="0" err="1"/>
-              <a:t>types.h</a:t>
-            </a:r>
-            <a:r>
-              <a:rPr lang="en-US" altLang="zh-CN" sz="1600" dirty="0"/>
-              <a:t>&gt;</a:t>
-            </a:r>
-          </a:p>
-          <a:p>
-            <a:pPr marL="457200" lvl="1" indent="0">
-              <a:buNone/>
-            </a:pPr>
-            <a:r>
-              <a:rPr lang="en-US" altLang="zh-CN" sz="1600" dirty="0"/>
-              <a:t>#include &lt;</a:t>
-            </a:r>
-            <a:r>
-              <a:rPr lang="en-US" altLang="zh-CN" sz="1600" dirty="0" err="1"/>
-              <a:t>unistd.h</a:t>
-            </a:r>
-            <a:r>
-              <a:rPr lang="en-US" altLang="zh-CN" sz="1600" dirty="0"/>
-              <a:t>&gt;</a:t>
-            </a:r>
-          </a:p>
-          <a:p>
-            <a:pPr marL="457200" lvl="1" indent="0">
-              <a:buNone/>
-            </a:pPr>
-            <a:endParaRPr lang="en-US" altLang="zh-CN" sz="1600" dirty="0"/>
-          </a:p>
-          <a:p>
-            <a:pPr marL="457200" lvl="1" indent="0">
-              <a:buNone/>
-            </a:pPr>
-            <a:r>
-              <a:rPr lang="en-US" altLang="zh-CN" sz="1600" dirty="0" err="1"/>
-              <a:t>int</a:t>
-            </a:r>
-            <a:r>
-              <a:rPr lang="en-US" altLang="zh-CN" sz="1600" dirty="0"/>
-              <a:t> main(</a:t>
-            </a:r>
-            <a:r>
-              <a:rPr lang="en-US" altLang="zh-CN" sz="1600" dirty="0" err="1"/>
-              <a:t>int</a:t>
-            </a:r>
-            <a:r>
-              <a:rPr lang="en-US" altLang="zh-CN" sz="1600" dirty="0"/>
-              <a:t> </a:t>
-            </a:r>
-            <a:r>
-              <a:rPr lang="en-US" altLang="zh-CN" sz="1600" dirty="0" err="1"/>
-              <a:t>argc</a:t>
-            </a:r>
-            <a:r>
-              <a:rPr lang="en-US" altLang="zh-CN" sz="1600" dirty="0"/>
-              <a:t>, char *</a:t>
-            </a:r>
-            <a:r>
-              <a:rPr lang="en-US" altLang="zh-CN" sz="1600" dirty="0" err="1"/>
-              <a:t>argv</a:t>
-            </a:r>
-            <a:r>
-              <a:rPr lang="en-US" altLang="zh-CN" sz="1600" dirty="0"/>
-              <a:t>[]) {</a:t>
-            </a:r>
-          </a:p>
-          <a:p>
-            <a:pPr marL="457200" lvl="1" indent="0">
-              <a:buNone/>
-            </a:pPr>
-            <a:r>
-              <a:rPr lang="en-US" altLang="zh-CN" sz="1600" dirty="0"/>
-              <a:t>	</a:t>
-            </a:r>
-            <a:r>
-              <a:rPr lang="en-US" altLang="zh-CN" sz="1600" dirty="0" err="1"/>
-              <a:t>printf</a:t>
-            </a:r>
-            <a:r>
-              <a:rPr lang="en-US" altLang="zh-CN" sz="1600" dirty="0"/>
-              <a:t>(“%d\n”, </a:t>
-            </a:r>
-            <a:r>
-              <a:rPr lang="en-US" altLang="zh-CN" sz="1600" dirty="0" err="1"/>
-              <a:t>getpid</a:t>
-            </a:r>
-            <a:r>
-              <a:rPr lang="en-US" altLang="zh-CN" sz="1600" dirty="0"/>
-              <a:t>() );</a:t>
-            </a:r>
-          </a:p>
-          <a:p>
-            <a:pPr marL="457200" lvl="1" indent="0">
-              <a:buNone/>
-            </a:pPr>
-            <a:r>
-              <a:rPr lang="en-US" altLang="zh-CN" sz="1600" dirty="0"/>
-              <a:t>	return 0;</a:t>
-            </a:r>
-          </a:p>
-          <a:p>
-            <a:pPr marL="457200" lvl="1" indent="0">
-              <a:buNone/>
-            </a:pPr>
-            <a:r>
-              <a:rPr lang="en-US" altLang="zh-CN" sz="1600" dirty="0"/>
-              <a:t>}</a:t>
-            </a:r>
+            <a:endParaRPr lang="en-US" altLang="zh-CN" sz="2000" dirty="0"/>
+          </a:p>
+          <a:p>
+            <a:r>
+              <a:rPr lang="en-US" altLang="zh-CN" sz="2000" dirty="0"/>
+              <a:t>fork</a:t>
+            </a:r>
+            <a:r>
+              <a:rPr lang="zh-CN" altLang="en-US" sz="2000" dirty="0"/>
+              <a:t>出错返回</a:t>
+            </a:r>
+            <a:r>
+              <a:rPr lang="en-US" altLang="zh-CN" sz="2000" dirty="0"/>
+              <a:t>-1</a:t>
+            </a:r>
+            <a:r>
+              <a:rPr lang="zh-CN" altLang="en-US" sz="2000" dirty="0"/>
+              <a:t>并且不会创建新的进程；正确则在父进程返回创建子进程的</a:t>
+            </a:r>
+            <a:r>
+              <a:rPr lang="en-US" altLang="zh-CN" sz="2000" dirty="0"/>
+              <a:t>PID</a:t>
+            </a:r>
+            <a:r>
+              <a:rPr lang="zh-CN" altLang="en-US" sz="2000" dirty="0"/>
+              <a:t>，在子进程返回</a:t>
+            </a:r>
+            <a:r>
+              <a:rPr lang="en-US" altLang="zh-CN" sz="2000" dirty="0"/>
+              <a:t>0</a:t>
+            </a:r>
+            <a:r>
+              <a:rPr lang="zh-CN" altLang="en-US" sz="2000" dirty="0"/>
+              <a:t>。</a:t>
+            </a:r>
+            <a:endParaRPr lang="en-US" altLang="zh-CN" sz="2000" dirty="0"/>
+          </a:p>
+          <a:p>
+            <a:endParaRPr lang="en-US" altLang="zh-CN" sz="2000" dirty="0"/>
+          </a:p>
+          <a:p>
+            <a:r>
+              <a:rPr lang="zh-CN" altLang="en-US" sz="2000" dirty="0"/>
+              <a:t>子进程会在</a:t>
+            </a:r>
+            <a:r>
+              <a:rPr lang="en-US" altLang="zh-CN" sz="2000" dirty="0"/>
+              <a:t>fork</a:t>
+            </a:r>
+            <a:r>
+              <a:rPr lang="zh-CN" altLang="en-US" sz="2000" dirty="0"/>
+              <a:t>调用后继续执行后面的代码，由于父进程和子进程不同的返回值。可以通过返回值判断控制父进程和子进程执行不同的代码。</a:t>
+            </a:r>
+            <a:endParaRPr lang="en-US" altLang="zh-CN" sz="2000" dirty="0"/>
           </a:p>
         </p:txBody>
       </p:sp>
     </p:spTree>
     <p:extLst>
       <p:ext uri="{BB962C8B-B14F-4D97-AF65-F5344CB8AC3E}">
-        <p14:creationId xmlns:p14="http://schemas.microsoft.com/office/powerpoint/2010/main" val="220644065"/>
+        <p14:creationId xmlns:p14="http://schemas.microsoft.com/office/powerpoint/2010/main" val="2364192601"/>
       </p:ext>
     </p:extLst>
   </p:cSld>
@@ -7558,198 +7647,6 @@
           <a:p>
             <a:r>
               <a:rPr lang="zh-CN" altLang="en-US" dirty="0"/>
-              <a:t>用</a:t>
-            </a:r>
-            <a:r>
-              <a:rPr lang="en-US" altLang="zh-CN" dirty="0"/>
-              <a:t>fork</a:t>
-            </a:r>
-            <a:r>
-              <a:rPr lang="zh-CN" altLang="en-US" dirty="0"/>
-              <a:t>创建子进程</a:t>
-            </a:r>
-          </a:p>
-        </p:txBody>
-      </p:sp>
-      <p:sp>
-        <p:nvSpPr>
-          <p:cNvPr id="6" name="内容占位符 5">
-            <a:extLst>
-              <a:ext uri="{FF2B5EF4-FFF2-40B4-BE49-F238E27FC236}">
-                <a16:creationId xmlns:a16="http://schemas.microsoft.com/office/drawing/2014/main" id="{B83E9AD4-C606-4679-B884-01F71CC97E44}"/>
-              </a:ext>
-            </a:extLst>
-          </p:cNvPr>
-          <p:cNvSpPr>
-            <a:spLocks noGrp="1"/>
-          </p:cNvSpPr>
-          <p:nvPr>
-            <p:ph idx="1"/>
-          </p:nvPr>
-        </p:nvSpPr>
-        <p:spPr>
-          <a:xfrm>
-            <a:off x="838200" y="1656500"/>
-            <a:ext cx="10515600" cy="4850832"/>
-          </a:xfrm>
-        </p:spPr>
-        <p:txBody>
-          <a:bodyPr>
-            <a:normAutofit/>
-          </a:bodyPr>
-          <a:lstStyle/>
-          <a:p>
-            <a:r>
-              <a:rPr lang="zh-CN" altLang="en-US" sz="2000" dirty="0"/>
-              <a:t>系统调用：</a:t>
-            </a:r>
-            <a:r>
-              <a:rPr lang="en-US" altLang="zh-CN" sz="2000" dirty="0" err="1"/>
-              <a:t>pid_t</a:t>
-            </a:r>
-            <a:r>
-              <a:rPr lang="en-US" altLang="zh-CN" sz="2000" dirty="0"/>
-              <a:t>  fork();</a:t>
-            </a:r>
-          </a:p>
-          <a:p>
-            <a:endParaRPr lang="en-US" altLang="zh-CN" sz="2000" dirty="0"/>
-          </a:p>
-          <a:p>
-            <a:r>
-              <a:rPr lang="en-US" altLang="zh-CN" sz="2000" dirty="0"/>
-              <a:t>fork</a:t>
-            </a:r>
-            <a:r>
-              <a:rPr lang="zh-CN" altLang="en-US" sz="2000" dirty="0"/>
-              <a:t>会创建子进程，调用</a:t>
-            </a:r>
-            <a:r>
-              <a:rPr lang="en-US" altLang="zh-CN" sz="2000" dirty="0"/>
-              <a:t>fork</a:t>
-            </a:r>
-            <a:r>
-              <a:rPr lang="zh-CN" altLang="en-US" sz="2000" dirty="0"/>
-              <a:t>，内核会分配内存，分配新的进程描述符。并标记父进程为创建它的进程。子进程创建后就开始运行。</a:t>
-            </a:r>
-            <a:endParaRPr lang="en-US" altLang="zh-CN" sz="2000" dirty="0"/>
-          </a:p>
-          <a:p>
-            <a:endParaRPr lang="en-US" altLang="zh-CN" sz="2000" dirty="0"/>
-          </a:p>
-          <a:p>
-            <a:r>
-              <a:rPr lang="en-US" altLang="zh-CN" sz="2000" dirty="0"/>
-              <a:t>fork</a:t>
-            </a:r>
-            <a:r>
-              <a:rPr lang="zh-CN" altLang="en-US" sz="2000" dirty="0"/>
-              <a:t>出错返回</a:t>
-            </a:r>
-            <a:r>
-              <a:rPr lang="en-US" altLang="zh-CN" sz="2000" dirty="0"/>
-              <a:t>-1</a:t>
-            </a:r>
-            <a:r>
-              <a:rPr lang="zh-CN" altLang="en-US" sz="2000" dirty="0"/>
-              <a:t>并且不会创建新的进程；正确则在父进程返回创建子进程的</a:t>
-            </a:r>
-            <a:r>
-              <a:rPr lang="en-US" altLang="zh-CN" sz="2000" dirty="0"/>
-              <a:t>PID</a:t>
-            </a:r>
-            <a:r>
-              <a:rPr lang="zh-CN" altLang="en-US" sz="2000" dirty="0"/>
-              <a:t>，在子进程返回</a:t>
-            </a:r>
-            <a:r>
-              <a:rPr lang="en-US" altLang="zh-CN" sz="2000" dirty="0"/>
-              <a:t>0</a:t>
-            </a:r>
-            <a:r>
-              <a:rPr lang="zh-CN" altLang="en-US" sz="2000" dirty="0"/>
-              <a:t>。</a:t>
-            </a:r>
-            <a:endParaRPr lang="en-US" altLang="zh-CN" sz="2000" dirty="0"/>
-          </a:p>
-          <a:p>
-            <a:endParaRPr lang="en-US" altLang="zh-CN" sz="2000" dirty="0"/>
-          </a:p>
-          <a:p>
-            <a:r>
-              <a:rPr lang="zh-CN" altLang="en-US" sz="2000" dirty="0"/>
-              <a:t>子进程会在</a:t>
-            </a:r>
-            <a:r>
-              <a:rPr lang="en-US" altLang="zh-CN" sz="2000" dirty="0"/>
-              <a:t>fork</a:t>
-            </a:r>
-            <a:r>
-              <a:rPr lang="zh-CN" altLang="en-US" sz="2000" dirty="0"/>
-              <a:t>调用后继续执行后面的代码，由于父进程和子进程不同的返回值。可以通过返回值判断控制父进程和子进程执行不同的代码。</a:t>
-            </a:r>
-            <a:endParaRPr lang="en-US" altLang="zh-CN" sz="2000" dirty="0"/>
-          </a:p>
-        </p:txBody>
-      </p:sp>
-    </p:spTree>
-    <p:extLst>
-      <p:ext uri="{BB962C8B-B14F-4D97-AF65-F5344CB8AC3E}">
-        <p14:creationId xmlns:p14="http://schemas.microsoft.com/office/powerpoint/2010/main" val="2364192601"/>
-      </p:ext>
-    </p:extLst>
-  </p:cSld>
-  <p:clrMapOvr>
-    <a:masterClrMapping/>
-  </p:clrMapOvr>
-</p:sld>
-</file>
-
-<file path=ppt/slides/slide21.xml><?xml version="1.0" encoding="utf-8"?>
-<p:sld xmlns:a="http://schemas.openxmlformats.org/drawingml/2006/main" xmlns:r="http://schemas.openxmlformats.org/officeDocument/2006/relationships" xmlns:p="http://schemas.openxmlformats.org/presentationml/2006/main">
-  <p:cSld>
-    <p:spTree>
-      <p:nvGrpSpPr>
-        <p:cNvPr id="1" name=""/>
-        <p:cNvGrpSpPr/>
-        <p:nvPr/>
-      </p:nvGrpSpPr>
-      <p:grpSpPr>
-        <a:xfrm>
-          <a:off x="0" y="0"/>
-          <a:ext cx="0" cy="0"/>
-          <a:chOff x="0" y="0"/>
-          <a:chExt cx="0" cy="0"/>
-        </a:xfrm>
-      </p:grpSpPr>
-      <p:sp>
-        <p:nvSpPr>
-          <p:cNvPr id="4" name="标题 3">
-            <a:extLst>
-              <a:ext uri="{FF2B5EF4-FFF2-40B4-BE49-F238E27FC236}">
-                <a16:creationId xmlns:a16="http://schemas.microsoft.com/office/drawing/2014/main" id="{2729939D-814A-4BD2-9922-3F8EA865938B}"/>
-              </a:ext>
-            </a:extLst>
-          </p:cNvPr>
-          <p:cNvSpPr>
-            <a:spLocks noGrp="1"/>
-          </p:cNvSpPr>
-          <p:nvPr>
-            <p:ph type="title"/>
-          </p:nvPr>
-        </p:nvSpPr>
-        <p:spPr>
-          <a:xfrm>
-            <a:off x="838200" y="683581"/>
-            <a:ext cx="10515600" cy="736846"/>
-          </a:xfrm>
-        </p:spPr>
-        <p:txBody>
-          <a:bodyPr/>
-          <a:lstStyle/>
-          <a:p>
-            <a:r>
-              <a:rPr lang="zh-CN" altLang="en-US" dirty="0"/>
               <a:t>等待子进程退出</a:t>
             </a:r>
           </a:p>
@@ -7936,7 +7833,7 @@
 </p:sld>
 </file>
 
-<file path=ppt/slides/slide22.xml><?xml version="1.0" encoding="utf-8"?>
+<file path=ppt/slides/slide21.xml><?xml version="1.0" encoding="utf-8"?>
 <p:sld xmlns:a="http://schemas.openxmlformats.org/drawingml/2006/main" xmlns:r="http://schemas.openxmlformats.org/officeDocument/2006/relationships" xmlns:p="http://schemas.openxmlformats.org/presentationml/2006/main">
   <p:cSld>
     <p:spTree>
@@ -8288,6 +8185,211 @@
 </p:sld>
 </file>
 
+<file path=ppt/slides/slide22.xml><?xml version="1.0" encoding="utf-8"?>
+<p:sld xmlns:a="http://schemas.openxmlformats.org/drawingml/2006/main" xmlns:r="http://schemas.openxmlformats.org/officeDocument/2006/relationships" xmlns:p="http://schemas.openxmlformats.org/presentationml/2006/main">
+  <p:cSld>
+    <p:spTree>
+      <p:nvGrpSpPr>
+        <p:cNvPr id="1" name=""/>
+        <p:cNvGrpSpPr/>
+        <p:nvPr/>
+      </p:nvGrpSpPr>
+      <p:grpSpPr>
+        <a:xfrm>
+          <a:off x="0" y="0"/>
+          <a:ext cx="0" cy="0"/>
+          <a:chOff x="0" y="0"/>
+          <a:chExt cx="0" cy="0"/>
+        </a:xfrm>
+      </p:grpSpPr>
+      <p:sp>
+        <p:nvSpPr>
+          <p:cNvPr id="4" name="标题 3">
+            <a:extLst>
+              <a:ext uri="{FF2B5EF4-FFF2-40B4-BE49-F238E27FC236}">
+                <a16:creationId xmlns:a16="http://schemas.microsoft.com/office/drawing/2014/main" id="{2729939D-814A-4BD2-9922-3F8EA865938B}"/>
+              </a:ext>
+            </a:extLst>
+          </p:cNvPr>
+          <p:cNvSpPr>
+            <a:spLocks noGrp="1"/>
+          </p:cNvSpPr>
+          <p:nvPr>
+            <p:ph type="title"/>
+          </p:nvPr>
+        </p:nvSpPr>
+        <p:spPr>
+          <a:xfrm>
+            <a:off x="838200" y="683581"/>
+            <a:ext cx="10515600" cy="736846"/>
+          </a:xfrm>
+        </p:spPr>
+        <p:txBody>
+          <a:bodyPr/>
+          <a:lstStyle/>
+          <a:p>
+            <a:r>
+              <a:rPr lang="en-US" altLang="zh-CN" dirty="0"/>
+              <a:t>IO</a:t>
+            </a:r>
+            <a:r>
+              <a:rPr lang="zh-CN" altLang="en-US" dirty="0"/>
+              <a:t>重定向</a:t>
+            </a:r>
+          </a:p>
+        </p:txBody>
+      </p:sp>
+      <p:sp>
+        <p:nvSpPr>
+          <p:cNvPr id="6" name="内容占位符 5">
+            <a:extLst>
+              <a:ext uri="{FF2B5EF4-FFF2-40B4-BE49-F238E27FC236}">
+                <a16:creationId xmlns:a16="http://schemas.microsoft.com/office/drawing/2014/main" id="{B83E9AD4-C606-4679-B884-01F71CC97E44}"/>
+              </a:ext>
+            </a:extLst>
+          </p:cNvPr>
+          <p:cNvSpPr>
+            <a:spLocks noGrp="1"/>
+          </p:cNvSpPr>
+          <p:nvPr>
+            <p:ph idx="1"/>
+          </p:nvPr>
+        </p:nvSpPr>
+        <p:spPr>
+          <a:xfrm>
+            <a:off x="838200" y="1656500"/>
+            <a:ext cx="10515600" cy="4850832"/>
+          </a:xfrm>
+        </p:spPr>
+        <p:txBody>
+          <a:bodyPr>
+            <a:normAutofit/>
+          </a:bodyPr>
+          <a:lstStyle/>
+          <a:p>
+            <a:r>
+              <a:rPr lang="en-US" altLang="zh-CN" sz="2000" dirty="0"/>
+              <a:t>IO</a:t>
+            </a:r>
+            <a:r>
+              <a:rPr lang="zh-CN" altLang="en-US" sz="2000" dirty="0"/>
+              <a:t>重定向基于这样一个设计原则：最低可用文件描述符（</a:t>
+            </a:r>
+            <a:r>
+              <a:rPr lang="en-US" altLang="zh-CN" sz="2000" dirty="0"/>
+              <a:t>Lowest Available </a:t>
+            </a:r>
+            <a:r>
+              <a:rPr lang="en-US" altLang="zh-CN" sz="2000" dirty="0" err="1"/>
+              <a:t>fd</a:t>
+            </a:r>
+            <a:r>
+              <a:rPr lang="zh-CN" altLang="en-US" sz="2000" dirty="0"/>
+              <a:t>）原则。</a:t>
+            </a:r>
+            <a:endParaRPr lang="en-US" altLang="zh-CN" sz="2000" dirty="0"/>
+          </a:p>
+          <a:p>
+            <a:endParaRPr lang="en-US" altLang="zh-CN" sz="2000" dirty="0"/>
+          </a:p>
+          <a:p>
+            <a:r>
+              <a:rPr lang="zh-CN" altLang="en-US" sz="2000" dirty="0"/>
+              <a:t>文件描述符是一个数组索引号，每个进程都有一组打开的文件，这些打开的文件信息保存在一个数组中，文件描述符就是数组的索引号。</a:t>
+            </a:r>
+            <a:endParaRPr lang="en-US" altLang="zh-CN" sz="2000" dirty="0"/>
+          </a:p>
+          <a:p>
+            <a:endParaRPr lang="en-US" altLang="zh-CN" sz="2000" dirty="0"/>
+          </a:p>
+          <a:p>
+            <a:r>
+              <a:rPr lang="zh-CN" altLang="en-US" sz="2000" dirty="0"/>
+              <a:t>在打开文件时，分配的描述符总是数组中最低可用的索引位置（索引数字最小的位置）。</a:t>
+            </a:r>
+            <a:endParaRPr lang="en-US" altLang="zh-CN" sz="2000" dirty="0"/>
+          </a:p>
+          <a:p>
+            <a:endParaRPr lang="en-US" altLang="zh-CN" sz="2000" dirty="0"/>
+          </a:p>
+          <a:p>
+            <a:r>
+              <a:rPr lang="zh-CN" altLang="en-US" sz="2000" dirty="0"/>
+              <a:t>在</a:t>
+            </a:r>
+            <a:r>
+              <a:rPr lang="en-US" altLang="zh-CN" sz="2000" dirty="0"/>
+              <a:t>Linux</a:t>
+            </a:r>
+            <a:r>
+              <a:rPr lang="zh-CN" altLang="en-US" sz="2000" dirty="0"/>
+              <a:t>上，使用</a:t>
+            </a:r>
+            <a:r>
+              <a:rPr lang="en-US" altLang="zh-CN" sz="2000" dirty="0"/>
+              <a:t>0</a:t>
+            </a:r>
+            <a:r>
+              <a:rPr lang="zh-CN" altLang="en-US" sz="2000" dirty="0"/>
+              <a:t>，</a:t>
+            </a:r>
+            <a:r>
+              <a:rPr lang="en-US" altLang="zh-CN" sz="2000" dirty="0"/>
+              <a:t>1</a:t>
+            </a:r>
+            <a:r>
+              <a:rPr lang="zh-CN" altLang="en-US" sz="2000" dirty="0"/>
+              <a:t>，</a:t>
+            </a:r>
+            <a:r>
+              <a:rPr lang="en-US" altLang="zh-CN" sz="2000" dirty="0"/>
+              <a:t>2</a:t>
+            </a:r>
+            <a:r>
+              <a:rPr lang="zh-CN" altLang="en-US" sz="2000" dirty="0"/>
+              <a:t>作为程序的标准输入，标准输出，标准错误输出。而如果关闭描述符</a:t>
+            </a:r>
+            <a:r>
+              <a:rPr lang="en-US" altLang="zh-CN" sz="2000" dirty="0"/>
+              <a:t>1</a:t>
+            </a:r>
+            <a:r>
+              <a:rPr lang="zh-CN" altLang="en-US" sz="2000" dirty="0"/>
+              <a:t>，然后打开其他文件，这样文件就被分配了文件描述符</a:t>
+            </a:r>
+            <a:r>
+              <a:rPr lang="en-US" altLang="zh-CN" sz="2000" dirty="0"/>
+              <a:t>1</a:t>
+            </a:r>
+            <a:r>
+              <a:rPr lang="zh-CN" altLang="en-US" sz="2000" dirty="0"/>
+              <a:t>，于是标准输出就会写入到新打开的文件。这就是</a:t>
+            </a:r>
+            <a:r>
+              <a:rPr lang="en-US" altLang="zh-CN" sz="2000" dirty="0"/>
+              <a:t>IO</a:t>
+            </a:r>
+            <a:r>
+              <a:rPr lang="zh-CN" altLang="en-US" sz="2000" dirty="0"/>
+              <a:t>重定向。</a:t>
+            </a:r>
+            <a:endParaRPr lang="en-US" altLang="zh-CN" sz="1800" dirty="0"/>
+          </a:p>
+        </p:txBody>
+      </p:sp>
+    </p:spTree>
+    <p:extLst>
+      <p:ext uri="{BB962C8B-B14F-4D97-AF65-F5344CB8AC3E}">
+        <p14:creationId xmlns:p14="http://schemas.microsoft.com/office/powerpoint/2010/main" val="776438022"/>
+      </p:ext>
+    </p:extLst>
+  </p:cSld>
+  <p:clrMapOvr>
+    <a:masterClrMapping/>
+  </p:clrMapOvr>
+</p:sld>
+</file>
+
 <file path=ppt/slides/slide23.xml><?xml version="1.0" encoding="utf-8"?>
 <p:sld xmlns:a="http://schemas.openxmlformats.org/drawingml/2006/main" xmlns:r="http://schemas.openxmlformats.org/officeDocument/2006/relationships" xmlns:p="http://schemas.openxmlformats.org/presentationml/2006/main">
   <p:cSld>
@@ -8337,7 +8439,7 @@
             </a:r>
             <a:r>
               <a:rPr lang="zh-CN" altLang="en-US" dirty="0"/>
-              <a:t>重定向</a:t>
+              <a:t>重定向实现方式</a:t>
             </a:r>
           </a:p>
         </p:txBody>
@@ -8371,61 +8473,8 @@
           <a:lstStyle/>
           <a:p>
             <a:r>
-              <a:rPr lang="en-US" altLang="zh-CN" sz="2000" dirty="0"/>
-              <a:t>IO</a:t>
-            </a:r>
-            <a:r>
               <a:rPr lang="zh-CN" altLang="en-US" sz="2000" dirty="0"/>
-              <a:t>重定向基于这样一个设计原则：最低可用文件描述符（</a:t>
-            </a:r>
-            <a:r>
-              <a:rPr lang="en-US" altLang="zh-CN" sz="2000" dirty="0"/>
-              <a:t>Lowest Available </a:t>
-            </a:r>
-            <a:r>
-              <a:rPr lang="en-US" altLang="zh-CN" sz="2000" dirty="0" err="1"/>
-              <a:t>fd</a:t>
-            </a:r>
-            <a:r>
-              <a:rPr lang="zh-CN" altLang="en-US" sz="2000" dirty="0"/>
-              <a:t>）原则。</a:t>
-            </a:r>
-            <a:endParaRPr lang="en-US" altLang="zh-CN" sz="2000" dirty="0"/>
-          </a:p>
-          <a:p>
-            <a:r>
-              <a:rPr lang="zh-CN" altLang="en-US" sz="2000" dirty="0"/>
-              <a:t>文件描述符是一个数组索引号，每个进程都有一组打开的文件，这些打开的文件信息保存在一个数组中，文件描述符就是数组的索引号。</a:t>
-            </a:r>
-            <a:endParaRPr lang="en-US" altLang="zh-CN" sz="2000" dirty="0"/>
-          </a:p>
-          <a:p>
-            <a:r>
-              <a:rPr lang="zh-CN" altLang="en-US" sz="2000" dirty="0"/>
-              <a:t>在打开文件时，分配的描述符总是数组中最低可用的索引位置（索引数字最小的位置）。</a:t>
-            </a:r>
-            <a:endParaRPr lang="en-US" altLang="zh-CN" sz="2000" dirty="0"/>
-          </a:p>
-          <a:p>
-            <a:r>
-              <a:rPr lang="zh-CN" altLang="en-US" sz="2000" dirty="0"/>
-              <a:t>在</a:t>
-            </a:r>
-            <a:r>
-              <a:rPr lang="en-US" altLang="zh-CN" sz="2000" dirty="0"/>
-              <a:t>Linux</a:t>
-            </a:r>
-            <a:r>
-              <a:rPr lang="zh-CN" altLang="en-US" sz="2000" dirty="0"/>
-              <a:t>上，使用</a:t>
-            </a:r>
-            <a:r>
-              <a:rPr lang="en-US" altLang="zh-CN" sz="2000" dirty="0"/>
-              <a:t>0</a:t>
-            </a:r>
-            <a:r>
-              <a:rPr lang="zh-CN" altLang="en-US" sz="2000" dirty="0"/>
-              <a:t>，</a:t>
+              <a:t>编程实现的方式（以文件描述符</a:t>
             </a:r>
             <a:r>
               <a:rPr lang="en-US" altLang="zh-CN" sz="2000" dirty="0"/>
@@ -8433,53 +8482,6 @@
             </a:r>
             <a:r>
               <a:rPr lang="zh-CN" altLang="en-US" sz="2000" dirty="0"/>
-              <a:t>，</a:t>
-            </a:r>
-            <a:r>
-              <a:rPr lang="en-US" altLang="zh-CN" sz="2000" dirty="0"/>
-              <a:t>2</a:t>
-            </a:r>
-            <a:r>
-              <a:rPr lang="zh-CN" altLang="en-US" sz="2000" dirty="0"/>
-              <a:t>作为程序的标准输入，标准输出，标准错误输出。而如果关闭描述符</a:t>
-            </a:r>
-            <a:r>
-              <a:rPr lang="en-US" altLang="zh-CN" sz="2000" dirty="0"/>
-              <a:t>1</a:t>
-            </a:r>
-            <a:r>
-              <a:rPr lang="zh-CN" altLang="en-US" sz="2000" dirty="0"/>
-              <a:t>，然后打开其他文件，这样文件就被分配了文件描述符</a:t>
-            </a:r>
-            <a:r>
-              <a:rPr lang="en-US" altLang="zh-CN" sz="2000" dirty="0"/>
-              <a:t>1</a:t>
-            </a:r>
-            <a:r>
-              <a:rPr lang="zh-CN" altLang="en-US" sz="2000" dirty="0"/>
-              <a:t>，于是标准输出就会写入到新打开的文件。这就是</a:t>
-            </a:r>
-            <a:r>
-              <a:rPr lang="en-US" altLang="zh-CN" sz="2000" dirty="0"/>
-              <a:t>IO</a:t>
-            </a:r>
-            <a:r>
-              <a:rPr lang="zh-CN" altLang="en-US" sz="2000" dirty="0"/>
-              <a:t>重定向。</a:t>
-            </a:r>
-            <a:endParaRPr lang="en-US" altLang="zh-CN" sz="2000" dirty="0"/>
-          </a:p>
-          <a:p>
-            <a:r>
-              <a:rPr lang="zh-CN" altLang="en-US" sz="2000" dirty="0"/>
-              <a:t>编程实现的方式（以文件描述符</a:t>
-            </a:r>
-            <a:r>
-              <a:rPr lang="en-US" altLang="zh-CN" sz="2000" dirty="0"/>
-              <a:t>1</a:t>
-            </a:r>
-            <a:r>
-              <a:rPr lang="zh-CN" altLang="en-US" sz="2000" dirty="0"/>
               <a:t>为例）：</a:t>
             </a:r>
             <a:endParaRPr lang="en-US" altLang="zh-CN" sz="2000" dirty="0"/>
@@ -8522,6 +8524,10 @@
           </a:p>
           <a:p>
             <a:pPr lvl="1"/>
+            <a:endParaRPr lang="en-US" altLang="zh-CN" sz="1800" dirty="0"/>
+          </a:p>
+          <a:p>
+            <a:pPr lvl="1"/>
             <a:r>
               <a:rPr lang="en-US" altLang="zh-CN" sz="1800" dirty="0"/>
               <a:t>open-close-dup-close</a:t>
@@ -8602,6 +8608,10 @@
               <a:rPr lang="zh-CN" altLang="en-US" sz="1800" dirty="0"/>
               <a:t>关闭新打开的文件。</a:t>
             </a:r>
+            <a:endParaRPr lang="en-US" altLang="zh-CN" sz="1800" dirty="0"/>
+          </a:p>
+          <a:p>
+            <a:pPr lvl="1"/>
             <a:endParaRPr lang="en-US" altLang="zh-CN" sz="1800" dirty="0"/>
           </a:p>
           <a:p>
@@ -8677,7 +8687,7 @@
     </p:spTree>
     <p:extLst>
       <p:ext uri="{BB962C8B-B14F-4D97-AF65-F5344CB8AC3E}">
-        <p14:creationId xmlns:p14="http://schemas.microsoft.com/office/powerpoint/2010/main" val="776438022"/>
+        <p14:creationId xmlns:p14="http://schemas.microsoft.com/office/powerpoint/2010/main" val="302101281"/>
       </p:ext>
     </p:extLst>
   </p:cSld>

--- a/materials/slides/ch05-vim-and-linux-system-programming.pptx
+++ b/materials/slides/ch05-vim-and-linux-system-programming.pptx
@@ -5,10 +5,10 @@
     <p:sldMasterId id="2147483648" r:id="rId1"/>
   </p:sldMasterIdLst>
   <p:notesMasterIdLst>
-    <p:notesMasterId r:id="rId26"/>
+    <p:notesMasterId r:id="rId25"/>
   </p:notesMasterIdLst>
   <p:handoutMasterIdLst>
-    <p:handoutMasterId r:id="rId27"/>
+    <p:handoutMasterId r:id="rId26"/>
   </p:handoutMasterIdLst>
   <p:sldIdLst>
     <p:sldId id="257" r:id="rId2"/>
@@ -34,7 +34,6 @@
     <p:sldId id="289" r:id="rId22"/>
     <p:sldId id="290" r:id="rId23"/>
     <p:sldId id="295" r:id="rId24"/>
-    <p:sldId id="293" r:id="rId25"/>
   </p:sldIdLst>
   <p:sldSz cx="12192000" cy="6858000"/>
   <p:notesSz cx="6858000" cy="9144000"/>
@@ -238,7 +237,7 @@
           <a:p>
             <a:fld id="{E923E828-953C-4D4A-9B10-11E7329F433D}" type="datetimeFigureOut">
               <a:rPr lang="zh-CN" altLang="en-US" smtClean="0"/>
-              <a:t>2018/2/27</a:t>
+              <a:t>2018/2/28</a:t>
             </a:fld>
             <a:endParaRPr lang="zh-CN" altLang="en-US"/>
           </a:p>
@@ -419,7 +418,7 @@
           <a:p>
             <a:fld id="{867C5346-22E5-4085-8130-851344A84DFF}" type="datetimeFigureOut">
               <a:rPr lang="zh-CN" altLang="en-US" smtClean="0"/>
-              <a:t>2018/2/27</a:t>
+              <a:t>2018/2/28</a:t>
             </a:fld>
             <a:endParaRPr lang="zh-CN" altLang="en-US"/>
           </a:p>
@@ -939,90 +938,6 @@
 </p:notes>
 </file>
 
-<file path=ppt/notesSlides/notesSlide12.xml><?xml version="1.0" encoding="utf-8"?>
-<p:notes xmlns:a="http://schemas.openxmlformats.org/drawingml/2006/main" xmlns:r="http://schemas.openxmlformats.org/officeDocument/2006/relationships" xmlns:p="http://schemas.openxmlformats.org/presentationml/2006/main">
-  <p:cSld>
-    <p:spTree>
-      <p:nvGrpSpPr>
-        <p:cNvPr id="1" name=""/>
-        <p:cNvGrpSpPr/>
-        <p:nvPr/>
-      </p:nvGrpSpPr>
-      <p:grpSpPr>
-        <a:xfrm>
-          <a:off x="0" y="0"/>
-          <a:ext cx="0" cy="0"/>
-          <a:chOff x="0" y="0"/>
-          <a:chExt cx="0" cy="0"/>
-        </a:xfrm>
-      </p:grpSpPr>
-      <p:sp>
-        <p:nvSpPr>
-          <p:cNvPr id="2" name="幻灯片图像占位符 1"/>
-          <p:cNvSpPr>
-            <a:spLocks noGrp="1" noRot="1" noChangeAspect="1"/>
-          </p:cNvSpPr>
-          <p:nvPr>
-            <p:ph type="sldImg"/>
-          </p:nvPr>
-        </p:nvSpPr>
-        <p:spPr/>
-      </p:sp>
-      <p:sp>
-        <p:nvSpPr>
-          <p:cNvPr id="3" name="备注占位符 2"/>
-          <p:cNvSpPr>
-            <a:spLocks noGrp="1"/>
-          </p:cNvSpPr>
-          <p:nvPr>
-            <p:ph type="body" idx="1"/>
-          </p:nvPr>
-        </p:nvSpPr>
-        <p:spPr/>
-        <p:txBody>
-          <a:bodyPr/>
-          <a:lstStyle/>
-          <a:p>
-            <a:endParaRPr lang="zh-CN" altLang="en-US" dirty="0"/>
-          </a:p>
-        </p:txBody>
-      </p:sp>
-      <p:sp>
-        <p:nvSpPr>
-          <p:cNvPr id="4" name="灯片编号占位符 3"/>
-          <p:cNvSpPr>
-            <a:spLocks noGrp="1"/>
-          </p:cNvSpPr>
-          <p:nvPr>
-            <p:ph type="sldNum" sz="quarter" idx="10"/>
-          </p:nvPr>
-        </p:nvSpPr>
-        <p:spPr/>
-        <p:txBody>
-          <a:bodyPr/>
-          <a:lstStyle/>
-          <a:p>
-            <a:fld id="{9FB975F3-1C40-4D40-A7FE-36EEB7CAFC85}" type="slidenum">
-              <a:rPr lang="zh-CN" altLang="en-US" smtClean="0"/>
-              <a:t>24</a:t>
-            </a:fld>
-            <a:endParaRPr lang="zh-CN" altLang="en-US"/>
-          </a:p>
-        </p:txBody>
-      </p:sp>
-    </p:spTree>
-    <p:extLst>
-      <p:ext uri="{BB962C8B-B14F-4D97-AF65-F5344CB8AC3E}">
-        <p14:creationId xmlns:p14="http://schemas.microsoft.com/office/powerpoint/2010/main" val="1685992671"/>
-      </p:ext>
-    </p:extLst>
-  </p:cSld>
-  <p:clrMapOvr>
-    <a:masterClrMapping/>
-  </p:clrMapOvr>
-</p:notes>
-</file>
-
 <file path=ppt/notesSlides/notesSlide2.xml><?xml version="1.0" encoding="utf-8"?>
 <p:notes xmlns:a="http://schemas.openxmlformats.org/drawingml/2006/main" xmlns:r="http://schemas.openxmlformats.org/officeDocument/2006/relationships" xmlns:p="http://schemas.openxmlformats.org/presentationml/2006/main">
   <p:cSld>
@@ -1853,7 +1768,7 @@
           <a:p>
             <a:fld id="{A5E21016-498F-4141-B0CA-D95A38CA7D62}" type="datetimeFigureOut">
               <a:rPr lang="zh-CN" altLang="en-US" smtClean="0"/>
-              <a:t>2018/2/27</a:t>
+              <a:t>2018/2/28</a:t>
             </a:fld>
             <a:endParaRPr lang="zh-CN" altLang="en-US"/>
           </a:p>
@@ -2083,7 +1998,7 @@
           <a:p>
             <a:fld id="{A5E21016-498F-4141-B0CA-D95A38CA7D62}" type="datetimeFigureOut">
               <a:rPr lang="zh-CN" altLang="en-US" smtClean="0"/>
-              <a:t>2018/2/27</a:t>
+              <a:t>2018/2/28</a:t>
             </a:fld>
             <a:endParaRPr lang="zh-CN" altLang="en-US"/>
           </a:p>
@@ -2318,7 +2233,7 @@
           <a:p>
             <a:fld id="{A5E21016-498F-4141-B0CA-D95A38CA7D62}" type="datetimeFigureOut">
               <a:rPr lang="zh-CN" altLang="en-US" smtClean="0"/>
-              <a:t>2018/2/27</a:t>
+              <a:t>2018/2/28</a:t>
             </a:fld>
             <a:endParaRPr lang="zh-CN" altLang="en-US"/>
           </a:p>
@@ -2880,7 +2795,7 @@
           <a:p>
             <a:fld id="{A5E21016-498F-4141-B0CA-D95A38CA7D62}" type="datetimeFigureOut">
               <a:rPr lang="zh-CN" altLang="en-US" smtClean="0"/>
-              <a:t>2018/2/27</a:t>
+              <a:t>2018/2/28</a:t>
             </a:fld>
             <a:endParaRPr lang="zh-CN" altLang="en-US"/>
           </a:p>
@@ -3177,7 +3092,7 @@
           <a:p>
             <a:fld id="{A5E21016-498F-4141-B0CA-D95A38CA7D62}" type="datetimeFigureOut">
               <a:rPr lang="zh-CN" altLang="en-US" smtClean="0"/>
-              <a:t>2018/2/27</a:t>
+              <a:t>2018/2/28</a:t>
             </a:fld>
             <a:endParaRPr lang="zh-CN" altLang="en-US"/>
           </a:p>
@@ -3616,7 +3531,7 @@
           <a:p>
             <a:fld id="{A5E21016-498F-4141-B0CA-D95A38CA7D62}" type="datetimeFigureOut">
               <a:rPr lang="zh-CN" altLang="en-US" smtClean="0"/>
-              <a:t>2018/2/27</a:t>
+              <a:t>2018/2/28</a:t>
             </a:fld>
             <a:endParaRPr lang="zh-CN" altLang="en-US"/>
           </a:p>
@@ -3789,7 +3704,7 @@
           <a:p>
             <a:fld id="{A5E21016-498F-4141-B0CA-D95A38CA7D62}" type="datetimeFigureOut">
               <a:rPr lang="zh-CN" altLang="en-US" smtClean="0"/>
-              <a:t>2018/2/27</a:t>
+              <a:t>2018/2/28</a:t>
             </a:fld>
             <a:endParaRPr lang="zh-CN" altLang="en-US"/>
           </a:p>
@@ -3926,7 +3841,7 @@
           <a:p>
             <a:fld id="{A5E21016-498F-4141-B0CA-D95A38CA7D62}" type="datetimeFigureOut">
               <a:rPr lang="zh-CN" altLang="en-US" smtClean="0"/>
-              <a:t>2018/2/27</a:t>
+              <a:t>2018/2/28</a:t>
             </a:fld>
             <a:endParaRPr lang="zh-CN" altLang="en-US"/>
           </a:p>
@@ -4264,7 +4179,7 @@
           <a:p>
             <a:fld id="{A5E21016-498F-4141-B0CA-D95A38CA7D62}" type="datetimeFigureOut">
               <a:rPr lang="zh-CN" altLang="en-US" smtClean="0"/>
-              <a:t>2018/2/27</a:t>
+              <a:t>2018/2/28</a:t>
             </a:fld>
             <a:endParaRPr lang="zh-CN" altLang="en-US"/>
           </a:p>
@@ -4579,7 +4494,7 @@
           <a:p>
             <a:fld id="{A5E21016-498F-4141-B0CA-D95A38CA7D62}" type="datetimeFigureOut">
               <a:rPr lang="zh-CN" altLang="en-US" smtClean="0"/>
-              <a:t>2018/2/27</a:t>
+              <a:t>2018/2/28</a:t>
             </a:fld>
             <a:endParaRPr lang="zh-CN" altLang="en-US"/>
           </a:p>
@@ -5178,7 +5093,7 @@
         <p:spPr>
           <a:xfrm>
             <a:off x="672483" y="1012055"/>
-            <a:ext cx="10847034" cy="5170646"/>
+            <a:ext cx="10847034" cy="4616648"/>
           </a:xfrm>
           <a:prstGeom prst="rect">
             <a:avLst/>
@@ -5193,11 +5108,19 @@
           <a:p>
             <a:r>
               <a:rPr lang="en-US" altLang="zh-CN" sz="3200" dirty="0"/>
+              <a:t>Linux</a:t>
+            </a:r>
+            <a:r>
+              <a:rPr lang="zh-CN" altLang="en-US" sz="3200" dirty="0"/>
+              <a:t>平台</a:t>
+            </a:r>
+            <a:r>
+              <a:rPr lang="en-US" altLang="zh-CN" sz="3200" dirty="0"/>
               <a:t>PHP</a:t>
             </a:r>
             <a:r>
               <a:rPr lang="zh-CN" altLang="en-US" sz="3200" dirty="0"/>
-              <a:t>底层开发 </a:t>
+              <a:t>服务端开发</a:t>
             </a:r>
             <a:r>
               <a:rPr lang="en-US" altLang="zh-CN" sz="3200" dirty="0"/>
@@ -5211,90 +5134,62 @@
             <a:endParaRPr lang="en-US" altLang="zh-CN" dirty="0"/>
           </a:p>
           <a:p>
-            <a:endParaRPr lang="en-US" altLang="zh-CN" dirty="0"/>
-          </a:p>
-          <a:p>
-            <a:endParaRPr lang="en-US" altLang="zh-CN" dirty="0"/>
-          </a:p>
-          <a:p>
-            <a:pPr algn="ctr"/>
-            <a:r>
-              <a:rPr lang="en-US" altLang="zh-CN" dirty="0">
-                <a:solidFill>
-                  <a:schemeClr val="tx1">
-                    <a:lumMod val="50000"/>
-                    <a:lumOff val="50000"/>
-                  </a:schemeClr>
-                </a:solidFill>
-              </a:rPr>
-              <a:t>1  0  0  1</a:t>
-            </a:r>
-          </a:p>
-          <a:p>
-            <a:pPr algn="ctr"/>
-            <a:r>
-              <a:rPr lang="en-US" altLang="zh-CN" dirty="0">
-                <a:solidFill>
-                  <a:schemeClr val="tx1">
-                    <a:lumMod val="50000"/>
-                    <a:lumOff val="50000"/>
-                  </a:schemeClr>
-                </a:solidFill>
-              </a:rPr>
-              <a:t>0  1  1  0</a:t>
-            </a:r>
-          </a:p>
-          <a:p>
-            <a:pPr algn="ctr"/>
-            <a:r>
-              <a:rPr lang="en-US" altLang="zh-CN" dirty="0">
-                <a:solidFill>
-                  <a:schemeClr val="tx1">
-                    <a:lumMod val="50000"/>
-                    <a:lumOff val="50000"/>
-                  </a:schemeClr>
-                </a:solidFill>
-              </a:rPr>
-              <a:t>1  0  0  1</a:t>
-            </a:r>
-          </a:p>
-          <a:p>
-            <a:pPr algn="ctr"/>
-            <a:r>
-              <a:rPr lang="en-US" altLang="zh-CN" dirty="0">
-                <a:solidFill>
-                  <a:schemeClr val="tx1">
-                    <a:lumMod val="50000"/>
-                    <a:lumOff val="50000"/>
-                  </a:schemeClr>
-                </a:solidFill>
-              </a:rPr>
-              <a:t>0  1  1  0</a:t>
-            </a:r>
-          </a:p>
-          <a:p>
-            <a:pPr algn="ctr"/>
-            <a:r>
-              <a:rPr lang="en-US" altLang="zh-CN" dirty="0">
-                <a:solidFill>
-                  <a:schemeClr val="tx1">
-                    <a:lumMod val="50000"/>
-                    <a:lumOff val="50000"/>
-                  </a:schemeClr>
-                </a:solidFill>
-              </a:rPr>
-              <a:t>1  0  0  1</a:t>
-            </a:r>
-          </a:p>
-          <a:p>
             <a:pPr algn="ctr"/>
             <a:endParaRPr lang="en-US" altLang="zh-CN" dirty="0"/>
           </a:p>
           <a:p>
             <a:pPr algn="ctr"/>
-            <a:r>
-              <a:rPr lang="zh-CN" altLang="en-US" sz="2800" dirty="0"/>
-              <a:t>第三讲 </a:t>
+            <a:endParaRPr lang="en-US" altLang="zh-CN" dirty="0">
+              <a:solidFill>
+                <a:schemeClr val="tx1">
+                  <a:lumMod val="50000"/>
+                  <a:lumOff val="50000"/>
+                </a:schemeClr>
+              </a:solidFill>
+            </a:endParaRPr>
+          </a:p>
+          <a:p>
+            <a:pPr algn="ctr"/>
+            <a:endParaRPr lang="en-US" altLang="zh-CN" dirty="0">
+              <a:solidFill>
+                <a:schemeClr val="tx1">
+                  <a:lumMod val="50000"/>
+                  <a:lumOff val="50000"/>
+                </a:schemeClr>
+              </a:solidFill>
+            </a:endParaRPr>
+          </a:p>
+          <a:p>
+            <a:pPr algn="ctr"/>
+            <a:endParaRPr lang="en-US" altLang="zh-CN" dirty="0">
+              <a:solidFill>
+                <a:schemeClr val="tx1">
+                  <a:lumMod val="50000"/>
+                  <a:lumOff val="50000"/>
+                </a:schemeClr>
+              </a:solidFill>
+            </a:endParaRPr>
+          </a:p>
+          <a:p>
+            <a:pPr algn="ctr"/>
+            <a:endParaRPr lang="en-US" altLang="zh-CN" dirty="0">
+              <a:solidFill>
+                <a:schemeClr val="tx1">
+                  <a:lumMod val="50000"/>
+                  <a:lumOff val="50000"/>
+                </a:schemeClr>
+              </a:solidFill>
+            </a:endParaRPr>
+          </a:p>
+          <a:p>
+            <a:pPr algn="ctr"/>
+            <a:endParaRPr lang="en-US" altLang="zh-CN" dirty="0"/>
+          </a:p>
+          <a:p>
+            <a:pPr algn="ctr"/>
+            <a:r>
+              <a:rPr lang="zh-CN" altLang="en-US" sz="2800"/>
+              <a:t>第五讲 </a:t>
             </a:r>
             <a:r>
               <a:rPr lang="en-US" altLang="zh-CN" sz="2800" dirty="0"/>
@@ -5328,61 +5223,6 @@
           </a:p>
           <a:p>
             <a:endParaRPr lang="en-US" altLang="zh-CN" dirty="0"/>
-          </a:p>
-        </p:txBody>
-      </p:sp>
-      <p:sp>
-        <p:nvSpPr>
-          <p:cNvPr id="4" name="云形 3">
-            <a:extLst>
-              <a:ext uri="{FF2B5EF4-FFF2-40B4-BE49-F238E27FC236}">
-                <a16:creationId xmlns:a16="http://schemas.microsoft.com/office/drawing/2014/main" id="{FB93CA04-9A10-4FDC-B520-5825D0C2A77A}"/>
-              </a:ext>
-            </a:extLst>
-          </p:cNvPr>
-          <p:cNvSpPr/>
-          <p:nvPr/>
-        </p:nvSpPr>
-        <p:spPr>
-          <a:xfrm>
-            <a:off x="4685710" y="1632582"/>
-            <a:ext cx="2521259" cy="1020932"/>
-          </a:xfrm>
-          <a:prstGeom prst="cloud">
-            <a:avLst/>
-          </a:prstGeom>
-          <a:noFill/>
-          <a:ln>
-            <a:solidFill>
-              <a:schemeClr val="tx1">
-                <a:lumMod val="65000"/>
-                <a:lumOff val="35000"/>
-              </a:schemeClr>
-            </a:solidFill>
-          </a:ln>
-        </p:spPr>
-        <p:style>
-          <a:lnRef idx="2">
-            <a:schemeClr val="accent1">
-              <a:shade val="50000"/>
-            </a:schemeClr>
-          </a:lnRef>
-          <a:fillRef idx="1">
-            <a:schemeClr val="accent1"/>
-          </a:fillRef>
-          <a:effectRef idx="0">
-            <a:schemeClr val="accent1"/>
-          </a:effectRef>
-          <a:fontRef idx="minor">
-            <a:schemeClr val="lt1"/>
-          </a:fontRef>
-        </p:style>
-        <p:txBody>
-          <a:bodyPr rtlCol="0" anchor="ctr"/>
-          <a:lstStyle/>
-          <a:p>
-            <a:pPr algn="ctr"/>
-            <a:endParaRPr lang="zh-CN" altLang="en-US"/>
           </a:p>
         </p:txBody>
       </p:sp>
@@ -8688,101 +8528,6 @@
     <p:extLst>
       <p:ext uri="{BB962C8B-B14F-4D97-AF65-F5344CB8AC3E}">
         <p14:creationId xmlns:p14="http://schemas.microsoft.com/office/powerpoint/2010/main" val="302101281"/>
-      </p:ext>
-    </p:extLst>
-  </p:cSld>
-  <p:clrMapOvr>
-    <a:masterClrMapping/>
-  </p:clrMapOvr>
-</p:sld>
-</file>
-
-<file path=ppt/slides/slide24.xml><?xml version="1.0" encoding="utf-8"?>
-<p:sld xmlns:a="http://schemas.openxmlformats.org/drawingml/2006/main" xmlns:r="http://schemas.openxmlformats.org/officeDocument/2006/relationships" xmlns:p="http://schemas.openxmlformats.org/presentationml/2006/main">
-  <p:cSld>
-    <p:spTree>
-      <p:nvGrpSpPr>
-        <p:cNvPr id="1" name=""/>
-        <p:cNvGrpSpPr/>
-        <p:nvPr/>
-      </p:nvGrpSpPr>
-      <p:grpSpPr>
-        <a:xfrm>
-          <a:off x="0" y="0"/>
-          <a:ext cx="0" cy="0"/>
-          <a:chOff x="0" y="0"/>
-          <a:chExt cx="0" cy="0"/>
-        </a:xfrm>
-      </p:grpSpPr>
-      <p:sp>
-        <p:nvSpPr>
-          <p:cNvPr id="4" name="标题 3">
-            <a:extLst>
-              <a:ext uri="{FF2B5EF4-FFF2-40B4-BE49-F238E27FC236}">
-                <a16:creationId xmlns:a16="http://schemas.microsoft.com/office/drawing/2014/main" id="{2729939D-814A-4BD2-9922-3F8EA865938B}"/>
-              </a:ext>
-            </a:extLst>
-          </p:cNvPr>
-          <p:cNvSpPr>
-            <a:spLocks noGrp="1"/>
-          </p:cNvSpPr>
-          <p:nvPr>
-            <p:ph type="title"/>
-          </p:nvPr>
-        </p:nvSpPr>
-        <p:spPr>
-          <a:xfrm>
-            <a:off x="838200" y="683581"/>
-            <a:ext cx="10515600" cy="736846"/>
-          </a:xfrm>
-        </p:spPr>
-        <p:txBody>
-          <a:bodyPr/>
-          <a:lstStyle/>
-          <a:p>
-            <a:r>
-              <a:rPr lang="zh-CN" altLang="en-US" dirty="0"/>
-              <a:t>管道</a:t>
-            </a:r>
-          </a:p>
-        </p:txBody>
-      </p:sp>
-      <p:sp>
-        <p:nvSpPr>
-          <p:cNvPr id="6" name="内容占位符 5">
-            <a:extLst>
-              <a:ext uri="{FF2B5EF4-FFF2-40B4-BE49-F238E27FC236}">
-                <a16:creationId xmlns:a16="http://schemas.microsoft.com/office/drawing/2014/main" id="{B83E9AD4-C606-4679-B884-01F71CC97E44}"/>
-              </a:ext>
-            </a:extLst>
-          </p:cNvPr>
-          <p:cNvSpPr>
-            <a:spLocks noGrp="1"/>
-          </p:cNvSpPr>
-          <p:nvPr>
-            <p:ph idx="1"/>
-          </p:nvPr>
-        </p:nvSpPr>
-        <p:spPr>
-          <a:xfrm>
-            <a:off x="838200" y="1656500"/>
-            <a:ext cx="10515600" cy="4850832"/>
-          </a:xfrm>
-        </p:spPr>
-        <p:txBody>
-          <a:bodyPr>
-            <a:normAutofit/>
-          </a:bodyPr>
-          <a:lstStyle/>
-          <a:p>
-            <a:endParaRPr lang="en-US" altLang="zh-CN" sz="2000" dirty="0"/>
-          </a:p>
-        </p:txBody>
-      </p:sp>
-    </p:spTree>
-    <p:extLst>
-      <p:ext uri="{BB962C8B-B14F-4D97-AF65-F5344CB8AC3E}">
-        <p14:creationId xmlns:p14="http://schemas.microsoft.com/office/powerpoint/2010/main" val="1387860980"/>
       </p:ext>
     </p:extLst>
   </p:cSld>

--- a/materials/slides/ch05-vim-and-linux-system-programming.pptx
+++ b/materials/slides/ch05-vim-and-linux-system-programming.pptx
@@ -237,7 +237,7 @@
           <a:p>
             <a:fld id="{E923E828-953C-4D4A-9B10-11E7329F433D}" type="datetimeFigureOut">
               <a:rPr lang="zh-CN" altLang="en-US" smtClean="0"/>
-              <a:t>2018/2/28</a:t>
+              <a:t>2018/3/1</a:t>
             </a:fld>
             <a:endParaRPr lang="zh-CN" altLang="en-US"/>
           </a:p>
@@ -418,7 +418,7 @@
           <a:p>
             <a:fld id="{867C5346-22E5-4085-8130-851344A84DFF}" type="datetimeFigureOut">
               <a:rPr lang="zh-CN" altLang="en-US" smtClean="0"/>
-              <a:t>2018/2/28</a:t>
+              <a:t>2018/3/1</a:t>
             </a:fld>
             <a:endParaRPr lang="zh-CN" altLang="en-US"/>
           </a:p>
@@ -1768,7 +1768,7 @@
           <a:p>
             <a:fld id="{A5E21016-498F-4141-B0CA-D95A38CA7D62}" type="datetimeFigureOut">
               <a:rPr lang="zh-CN" altLang="en-US" smtClean="0"/>
-              <a:t>2018/2/28</a:t>
+              <a:t>2018/3/1</a:t>
             </a:fld>
             <a:endParaRPr lang="zh-CN" altLang="en-US"/>
           </a:p>
@@ -1998,7 +1998,7 @@
           <a:p>
             <a:fld id="{A5E21016-498F-4141-B0CA-D95A38CA7D62}" type="datetimeFigureOut">
               <a:rPr lang="zh-CN" altLang="en-US" smtClean="0"/>
-              <a:t>2018/2/28</a:t>
+              <a:t>2018/3/1</a:t>
             </a:fld>
             <a:endParaRPr lang="zh-CN" altLang="en-US"/>
           </a:p>
@@ -2233,7 +2233,7 @@
           <a:p>
             <a:fld id="{A5E21016-498F-4141-B0CA-D95A38CA7D62}" type="datetimeFigureOut">
               <a:rPr lang="zh-CN" altLang="en-US" smtClean="0"/>
-              <a:t>2018/2/28</a:t>
+              <a:t>2018/3/1</a:t>
             </a:fld>
             <a:endParaRPr lang="zh-CN" altLang="en-US"/>
           </a:p>
@@ -2795,7 +2795,7 @@
           <a:p>
             <a:fld id="{A5E21016-498F-4141-B0CA-D95A38CA7D62}" type="datetimeFigureOut">
               <a:rPr lang="zh-CN" altLang="en-US" smtClean="0"/>
-              <a:t>2018/2/28</a:t>
+              <a:t>2018/3/1</a:t>
             </a:fld>
             <a:endParaRPr lang="zh-CN" altLang="en-US"/>
           </a:p>
@@ -3092,7 +3092,7 @@
           <a:p>
             <a:fld id="{A5E21016-498F-4141-B0CA-D95A38CA7D62}" type="datetimeFigureOut">
               <a:rPr lang="zh-CN" altLang="en-US" smtClean="0"/>
-              <a:t>2018/2/28</a:t>
+              <a:t>2018/3/1</a:t>
             </a:fld>
             <a:endParaRPr lang="zh-CN" altLang="en-US"/>
           </a:p>
@@ -3531,7 +3531,7 @@
           <a:p>
             <a:fld id="{A5E21016-498F-4141-B0CA-D95A38CA7D62}" type="datetimeFigureOut">
               <a:rPr lang="zh-CN" altLang="en-US" smtClean="0"/>
-              <a:t>2018/2/28</a:t>
+              <a:t>2018/3/1</a:t>
             </a:fld>
             <a:endParaRPr lang="zh-CN" altLang="en-US"/>
           </a:p>
@@ -3704,7 +3704,7 @@
           <a:p>
             <a:fld id="{A5E21016-498F-4141-B0CA-D95A38CA7D62}" type="datetimeFigureOut">
               <a:rPr lang="zh-CN" altLang="en-US" smtClean="0"/>
-              <a:t>2018/2/28</a:t>
+              <a:t>2018/3/1</a:t>
             </a:fld>
             <a:endParaRPr lang="zh-CN" altLang="en-US"/>
           </a:p>
@@ -3841,7 +3841,7 @@
           <a:p>
             <a:fld id="{A5E21016-498F-4141-B0CA-D95A38CA7D62}" type="datetimeFigureOut">
               <a:rPr lang="zh-CN" altLang="en-US" smtClean="0"/>
-              <a:t>2018/2/28</a:t>
+              <a:t>2018/3/1</a:t>
             </a:fld>
             <a:endParaRPr lang="zh-CN" altLang="en-US"/>
           </a:p>
@@ -4179,7 +4179,7 @@
           <a:p>
             <a:fld id="{A5E21016-498F-4141-B0CA-D95A38CA7D62}" type="datetimeFigureOut">
               <a:rPr lang="zh-CN" altLang="en-US" smtClean="0"/>
-              <a:t>2018/2/28</a:t>
+              <a:t>2018/3/1</a:t>
             </a:fld>
             <a:endParaRPr lang="zh-CN" altLang="en-US"/>
           </a:p>
@@ -4494,7 +4494,7 @@
           <a:p>
             <a:fld id="{A5E21016-498F-4141-B0CA-D95A38CA7D62}" type="datetimeFigureOut">
               <a:rPr lang="zh-CN" altLang="en-US" smtClean="0"/>
-              <a:t>2018/2/28</a:t>
+              <a:t>2018/3/1</a:t>
             </a:fld>
             <a:endParaRPr lang="zh-CN" altLang="en-US"/>
           </a:p>
@@ -8329,8 +8329,8 @@
           <a:p>
             <a:pPr lvl="1"/>
             <a:r>
-              <a:rPr lang="en-US" altLang="zh-CN" sz="1800" dirty="0"/>
-              <a:t>close-open-close</a:t>
+              <a:rPr lang="en-US" altLang="zh-CN" sz="1800"/>
+              <a:t>close-then-open</a:t>
             </a:r>
             <a:r>
               <a:rPr lang="zh-CN" altLang="en-US" sz="1800" dirty="0"/>
@@ -8350,15 +8350,7 @@
             </a:r>
             <a:r>
               <a:rPr lang="zh-CN" altLang="en-US" sz="1800" dirty="0"/>
-              <a:t>操作完成，</a:t>
-            </a:r>
-            <a:r>
-              <a:rPr lang="en-US" altLang="zh-CN" sz="1800" dirty="0"/>
-              <a:t>close</a:t>
-            </a:r>
-            <a:r>
-              <a:rPr lang="zh-CN" altLang="en-US" sz="1800" dirty="0"/>
-              <a:t>关闭新打开的文件。</a:t>
+              <a:t>操作完成。</a:t>
             </a:r>
             <a:endParaRPr lang="en-US" altLang="zh-CN" sz="1800" dirty="0"/>
           </a:p>

--- a/materials/slides/ch05-vim-and-linux-system-programming.pptx
+++ b/materials/slides/ch05-vim-and-linux-system-programming.pptx
@@ -5,10 +5,10 @@
     <p:sldMasterId id="2147483648" r:id="rId1"/>
   </p:sldMasterIdLst>
   <p:notesMasterIdLst>
-    <p:notesMasterId r:id="rId25"/>
+    <p:notesMasterId r:id="rId20"/>
   </p:notesMasterIdLst>
   <p:handoutMasterIdLst>
-    <p:handoutMasterId r:id="rId26"/>
+    <p:handoutMasterId r:id="rId21"/>
   </p:handoutMasterIdLst>
   <p:sldIdLst>
     <p:sldId id="257" r:id="rId2"/>
@@ -21,19 +21,14 @@
     <p:sldId id="281" r:id="rId9"/>
     <p:sldId id="285" r:id="rId10"/>
     <p:sldId id="286" r:id="rId11"/>
-    <p:sldId id="264" r:id="rId12"/>
-    <p:sldId id="266" r:id="rId13"/>
-    <p:sldId id="282" r:id="rId14"/>
-    <p:sldId id="283" r:id="rId15"/>
-    <p:sldId id="291" r:id="rId16"/>
-    <p:sldId id="265" r:id="rId17"/>
-    <p:sldId id="294" r:id="rId18"/>
-    <p:sldId id="278" r:id="rId19"/>
-    <p:sldId id="287" r:id="rId20"/>
-    <p:sldId id="288" r:id="rId21"/>
-    <p:sldId id="289" r:id="rId22"/>
-    <p:sldId id="290" r:id="rId23"/>
-    <p:sldId id="295" r:id="rId24"/>
+    <p:sldId id="265" r:id="rId12"/>
+    <p:sldId id="294" r:id="rId13"/>
+    <p:sldId id="278" r:id="rId14"/>
+    <p:sldId id="287" r:id="rId15"/>
+    <p:sldId id="288" r:id="rId16"/>
+    <p:sldId id="289" r:id="rId17"/>
+    <p:sldId id="290" r:id="rId18"/>
+    <p:sldId id="295" r:id="rId19"/>
   </p:sldIdLst>
   <p:sldSz cx="12192000" cy="6858000"/>
   <p:notesSz cx="6858000" cy="9144000"/>
@@ -237,7 +232,7 @@
           <a:p>
             <a:fld id="{E923E828-953C-4D4A-9B10-11E7329F433D}" type="datetimeFigureOut">
               <a:rPr lang="zh-CN" altLang="en-US" smtClean="0"/>
-              <a:t>2018/3/1</a:t>
+              <a:t>2018/3/18</a:t>
             </a:fld>
             <a:endParaRPr lang="zh-CN" altLang="en-US"/>
           </a:p>
@@ -418,7 +413,7 @@
           <a:p>
             <a:fld id="{867C5346-22E5-4085-8130-851344A84DFF}" type="datetimeFigureOut">
               <a:rPr lang="zh-CN" altLang="en-US" smtClean="0"/>
-              <a:t>2018/3/1</a:t>
+              <a:t>2018/3/18</a:t>
             </a:fld>
             <a:endParaRPr lang="zh-CN" altLang="en-US"/>
           </a:p>
@@ -760,175 +755,7 @@
     </p:spTree>
     <p:extLst>
       <p:ext uri="{BB962C8B-B14F-4D97-AF65-F5344CB8AC3E}">
-        <p14:creationId xmlns:p14="http://schemas.microsoft.com/office/powerpoint/2010/main" val="368805351"/>
-      </p:ext>
-    </p:extLst>
-  </p:cSld>
-  <p:clrMapOvr>
-    <a:masterClrMapping/>
-  </p:clrMapOvr>
-</p:notes>
-</file>
-
-<file path=ppt/notesSlides/notesSlide10.xml><?xml version="1.0" encoding="utf-8"?>
-<p:notes xmlns:a="http://schemas.openxmlformats.org/drawingml/2006/main" xmlns:r="http://schemas.openxmlformats.org/officeDocument/2006/relationships" xmlns:p="http://schemas.openxmlformats.org/presentationml/2006/main">
-  <p:cSld>
-    <p:spTree>
-      <p:nvGrpSpPr>
-        <p:cNvPr id="1" name=""/>
-        <p:cNvGrpSpPr/>
-        <p:nvPr/>
-      </p:nvGrpSpPr>
-      <p:grpSpPr>
-        <a:xfrm>
-          <a:off x="0" y="0"/>
-          <a:ext cx="0" cy="0"/>
-          <a:chOff x="0" y="0"/>
-          <a:chExt cx="0" cy="0"/>
-        </a:xfrm>
-      </p:grpSpPr>
-      <p:sp>
-        <p:nvSpPr>
-          <p:cNvPr id="2" name="幻灯片图像占位符 1"/>
-          <p:cNvSpPr>
-            <a:spLocks noGrp="1" noRot="1" noChangeAspect="1"/>
-          </p:cNvSpPr>
-          <p:nvPr>
-            <p:ph type="sldImg"/>
-          </p:nvPr>
-        </p:nvSpPr>
-        <p:spPr/>
-      </p:sp>
-      <p:sp>
-        <p:nvSpPr>
-          <p:cNvPr id="3" name="备注占位符 2"/>
-          <p:cNvSpPr>
-            <a:spLocks noGrp="1"/>
-          </p:cNvSpPr>
-          <p:nvPr>
-            <p:ph type="body" idx="1"/>
-          </p:nvPr>
-        </p:nvSpPr>
-        <p:spPr/>
-        <p:txBody>
-          <a:bodyPr/>
-          <a:lstStyle/>
-          <a:p>
-            <a:endParaRPr lang="zh-CN" altLang="en-US" dirty="0"/>
-          </a:p>
-        </p:txBody>
-      </p:sp>
-      <p:sp>
-        <p:nvSpPr>
-          <p:cNvPr id="4" name="灯片编号占位符 3"/>
-          <p:cNvSpPr>
-            <a:spLocks noGrp="1"/>
-          </p:cNvSpPr>
-          <p:nvPr>
-            <p:ph type="sldNum" sz="quarter" idx="10"/>
-          </p:nvPr>
-        </p:nvSpPr>
-        <p:spPr/>
-        <p:txBody>
-          <a:bodyPr/>
-          <a:lstStyle/>
-          <a:p>
-            <a:fld id="{9FB975F3-1C40-4D40-A7FE-36EEB7CAFC85}" type="slidenum">
-              <a:rPr lang="zh-CN" altLang="en-US" smtClean="0"/>
-              <a:t>22</a:t>
-            </a:fld>
-            <a:endParaRPr lang="zh-CN" altLang="en-US"/>
-          </a:p>
-        </p:txBody>
-      </p:sp>
-    </p:spTree>
-    <p:extLst>
-      <p:ext uri="{BB962C8B-B14F-4D97-AF65-F5344CB8AC3E}">
-        <p14:creationId xmlns:p14="http://schemas.microsoft.com/office/powerpoint/2010/main" val="1861712240"/>
-      </p:ext>
-    </p:extLst>
-  </p:cSld>
-  <p:clrMapOvr>
-    <a:masterClrMapping/>
-  </p:clrMapOvr>
-</p:notes>
-</file>
-
-<file path=ppt/notesSlides/notesSlide11.xml><?xml version="1.0" encoding="utf-8"?>
-<p:notes xmlns:a="http://schemas.openxmlformats.org/drawingml/2006/main" xmlns:r="http://schemas.openxmlformats.org/officeDocument/2006/relationships" xmlns:p="http://schemas.openxmlformats.org/presentationml/2006/main">
-  <p:cSld>
-    <p:spTree>
-      <p:nvGrpSpPr>
-        <p:cNvPr id="1" name=""/>
-        <p:cNvGrpSpPr/>
-        <p:nvPr/>
-      </p:nvGrpSpPr>
-      <p:grpSpPr>
-        <a:xfrm>
-          <a:off x="0" y="0"/>
-          <a:ext cx="0" cy="0"/>
-          <a:chOff x="0" y="0"/>
-          <a:chExt cx="0" cy="0"/>
-        </a:xfrm>
-      </p:grpSpPr>
-      <p:sp>
-        <p:nvSpPr>
-          <p:cNvPr id="2" name="幻灯片图像占位符 1"/>
-          <p:cNvSpPr>
-            <a:spLocks noGrp="1" noRot="1" noChangeAspect="1"/>
-          </p:cNvSpPr>
-          <p:nvPr>
-            <p:ph type="sldImg"/>
-          </p:nvPr>
-        </p:nvSpPr>
-        <p:spPr/>
-      </p:sp>
-      <p:sp>
-        <p:nvSpPr>
-          <p:cNvPr id="3" name="备注占位符 2"/>
-          <p:cNvSpPr>
-            <a:spLocks noGrp="1"/>
-          </p:cNvSpPr>
-          <p:nvPr>
-            <p:ph type="body" idx="1"/>
-          </p:nvPr>
-        </p:nvSpPr>
-        <p:spPr/>
-        <p:txBody>
-          <a:bodyPr/>
-          <a:lstStyle/>
-          <a:p>
-            <a:endParaRPr lang="zh-CN" altLang="en-US" dirty="0"/>
-          </a:p>
-        </p:txBody>
-      </p:sp>
-      <p:sp>
-        <p:nvSpPr>
-          <p:cNvPr id="4" name="灯片编号占位符 3"/>
-          <p:cNvSpPr>
-            <a:spLocks noGrp="1"/>
-          </p:cNvSpPr>
-          <p:nvPr>
-            <p:ph type="sldNum" sz="quarter" idx="10"/>
-          </p:nvPr>
-        </p:nvSpPr>
-        <p:spPr/>
-        <p:txBody>
-          <a:bodyPr/>
-          <a:lstStyle/>
-          <a:p>
-            <a:fld id="{9FB975F3-1C40-4D40-A7FE-36EEB7CAFC85}" type="slidenum">
-              <a:rPr lang="zh-CN" altLang="en-US" smtClean="0"/>
-              <a:t>23</a:t>
-            </a:fld>
-            <a:endParaRPr lang="zh-CN" altLang="en-US"/>
-          </a:p>
-        </p:txBody>
-      </p:sp>
-    </p:spTree>
-    <p:extLst>
-      <p:ext uri="{BB962C8B-B14F-4D97-AF65-F5344CB8AC3E}">
-        <p14:creationId xmlns:p14="http://schemas.microsoft.com/office/powerpoint/2010/main" val="2951509800"/>
+        <p14:creationId xmlns:p14="http://schemas.microsoft.com/office/powerpoint/2010/main" val="4261783980"/>
       </p:ext>
     </p:extLst>
   </p:cSld>
@@ -1012,7 +839,7 @@
     </p:spTree>
     <p:extLst>
       <p:ext uri="{BB962C8B-B14F-4D97-AF65-F5344CB8AC3E}">
-        <p14:creationId xmlns:p14="http://schemas.microsoft.com/office/powerpoint/2010/main" val="343925412"/>
+        <p14:creationId xmlns:p14="http://schemas.microsoft.com/office/powerpoint/2010/main" val="1846764752"/>
       </p:ext>
     </p:extLst>
   </p:cSld>
@@ -1096,7 +923,7 @@
     </p:spTree>
     <p:extLst>
       <p:ext uri="{BB962C8B-B14F-4D97-AF65-F5344CB8AC3E}">
-        <p14:creationId xmlns:p14="http://schemas.microsoft.com/office/powerpoint/2010/main" val="1524850600"/>
+        <p14:creationId xmlns:p14="http://schemas.microsoft.com/office/powerpoint/2010/main" val="1750881673"/>
       </p:ext>
     </p:extLst>
   </p:cSld>
@@ -1180,7 +1007,7 @@
     </p:spTree>
     <p:extLst>
       <p:ext uri="{BB962C8B-B14F-4D97-AF65-F5344CB8AC3E}">
-        <p14:creationId xmlns:p14="http://schemas.microsoft.com/office/powerpoint/2010/main" val="56292322"/>
+        <p14:creationId xmlns:p14="http://schemas.microsoft.com/office/powerpoint/2010/main" val="1973094544"/>
       </p:ext>
     </p:extLst>
   </p:cSld>
@@ -1255,7 +1082,7 @@
           <a:p>
             <a:fld id="{9FB975F3-1C40-4D40-A7FE-36EEB7CAFC85}" type="slidenum">
               <a:rPr lang="zh-CN" altLang="en-US" smtClean="0"/>
-              <a:t>17</a:t>
+              <a:t>16</a:t>
             </a:fld>
             <a:endParaRPr lang="zh-CN" altLang="en-US"/>
           </a:p>
@@ -1264,7 +1091,7 @@
     </p:spTree>
     <p:extLst>
       <p:ext uri="{BB962C8B-B14F-4D97-AF65-F5344CB8AC3E}">
-        <p14:creationId xmlns:p14="http://schemas.microsoft.com/office/powerpoint/2010/main" val="4261783980"/>
+        <p14:creationId xmlns:p14="http://schemas.microsoft.com/office/powerpoint/2010/main" val="3666486841"/>
       </p:ext>
     </p:extLst>
   </p:cSld>
@@ -1339,7 +1166,7 @@
           <a:p>
             <a:fld id="{9FB975F3-1C40-4D40-A7FE-36EEB7CAFC85}" type="slidenum">
               <a:rPr lang="zh-CN" altLang="en-US" smtClean="0"/>
-              <a:t>18</a:t>
+              <a:t>17</a:t>
             </a:fld>
             <a:endParaRPr lang="zh-CN" altLang="en-US"/>
           </a:p>
@@ -1348,7 +1175,7 @@
     </p:spTree>
     <p:extLst>
       <p:ext uri="{BB962C8B-B14F-4D97-AF65-F5344CB8AC3E}">
-        <p14:creationId xmlns:p14="http://schemas.microsoft.com/office/powerpoint/2010/main" val="1846764752"/>
+        <p14:creationId xmlns:p14="http://schemas.microsoft.com/office/powerpoint/2010/main" val="1861712240"/>
       </p:ext>
     </p:extLst>
   </p:cSld>
@@ -1423,7 +1250,7 @@
           <a:p>
             <a:fld id="{9FB975F3-1C40-4D40-A7FE-36EEB7CAFC85}" type="slidenum">
               <a:rPr lang="zh-CN" altLang="en-US" smtClean="0"/>
-              <a:t>19</a:t>
+              <a:t>18</a:t>
             </a:fld>
             <a:endParaRPr lang="zh-CN" altLang="en-US"/>
           </a:p>
@@ -1432,175 +1259,7 @@
     </p:spTree>
     <p:extLst>
       <p:ext uri="{BB962C8B-B14F-4D97-AF65-F5344CB8AC3E}">
-        <p14:creationId xmlns:p14="http://schemas.microsoft.com/office/powerpoint/2010/main" val="1750881673"/>
-      </p:ext>
-    </p:extLst>
-  </p:cSld>
-  <p:clrMapOvr>
-    <a:masterClrMapping/>
-  </p:clrMapOvr>
-</p:notes>
-</file>
-
-<file path=ppt/notesSlides/notesSlide8.xml><?xml version="1.0" encoding="utf-8"?>
-<p:notes xmlns:a="http://schemas.openxmlformats.org/drawingml/2006/main" xmlns:r="http://schemas.openxmlformats.org/officeDocument/2006/relationships" xmlns:p="http://schemas.openxmlformats.org/presentationml/2006/main">
-  <p:cSld>
-    <p:spTree>
-      <p:nvGrpSpPr>
-        <p:cNvPr id="1" name=""/>
-        <p:cNvGrpSpPr/>
-        <p:nvPr/>
-      </p:nvGrpSpPr>
-      <p:grpSpPr>
-        <a:xfrm>
-          <a:off x="0" y="0"/>
-          <a:ext cx="0" cy="0"/>
-          <a:chOff x="0" y="0"/>
-          <a:chExt cx="0" cy="0"/>
-        </a:xfrm>
-      </p:grpSpPr>
-      <p:sp>
-        <p:nvSpPr>
-          <p:cNvPr id="2" name="幻灯片图像占位符 1"/>
-          <p:cNvSpPr>
-            <a:spLocks noGrp="1" noRot="1" noChangeAspect="1"/>
-          </p:cNvSpPr>
-          <p:nvPr>
-            <p:ph type="sldImg"/>
-          </p:nvPr>
-        </p:nvSpPr>
-        <p:spPr/>
-      </p:sp>
-      <p:sp>
-        <p:nvSpPr>
-          <p:cNvPr id="3" name="备注占位符 2"/>
-          <p:cNvSpPr>
-            <a:spLocks noGrp="1"/>
-          </p:cNvSpPr>
-          <p:nvPr>
-            <p:ph type="body" idx="1"/>
-          </p:nvPr>
-        </p:nvSpPr>
-        <p:spPr/>
-        <p:txBody>
-          <a:bodyPr/>
-          <a:lstStyle/>
-          <a:p>
-            <a:endParaRPr lang="zh-CN" altLang="en-US" dirty="0"/>
-          </a:p>
-        </p:txBody>
-      </p:sp>
-      <p:sp>
-        <p:nvSpPr>
-          <p:cNvPr id="4" name="灯片编号占位符 3"/>
-          <p:cNvSpPr>
-            <a:spLocks noGrp="1"/>
-          </p:cNvSpPr>
-          <p:nvPr>
-            <p:ph type="sldNum" sz="quarter" idx="10"/>
-          </p:nvPr>
-        </p:nvSpPr>
-        <p:spPr/>
-        <p:txBody>
-          <a:bodyPr/>
-          <a:lstStyle/>
-          <a:p>
-            <a:fld id="{9FB975F3-1C40-4D40-A7FE-36EEB7CAFC85}" type="slidenum">
-              <a:rPr lang="zh-CN" altLang="en-US" smtClean="0"/>
-              <a:t>20</a:t>
-            </a:fld>
-            <a:endParaRPr lang="zh-CN" altLang="en-US"/>
-          </a:p>
-        </p:txBody>
-      </p:sp>
-    </p:spTree>
-    <p:extLst>
-      <p:ext uri="{BB962C8B-B14F-4D97-AF65-F5344CB8AC3E}">
-        <p14:creationId xmlns:p14="http://schemas.microsoft.com/office/powerpoint/2010/main" val="1973094544"/>
-      </p:ext>
-    </p:extLst>
-  </p:cSld>
-  <p:clrMapOvr>
-    <a:masterClrMapping/>
-  </p:clrMapOvr>
-</p:notes>
-</file>
-
-<file path=ppt/notesSlides/notesSlide9.xml><?xml version="1.0" encoding="utf-8"?>
-<p:notes xmlns:a="http://schemas.openxmlformats.org/drawingml/2006/main" xmlns:r="http://schemas.openxmlformats.org/officeDocument/2006/relationships" xmlns:p="http://schemas.openxmlformats.org/presentationml/2006/main">
-  <p:cSld>
-    <p:spTree>
-      <p:nvGrpSpPr>
-        <p:cNvPr id="1" name=""/>
-        <p:cNvGrpSpPr/>
-        <p:nvPr/>
-      </p:nvGrpSpPr>
-      <p:grpSpPr>
-        <a:xfrm>
-          <a:off x="0" y="0"/>
-          <a:ext cx="0" cy="0"/>
-          <a:chOff x="0" y="0"/>
-          <a:chExt cx="0" cy="0"/>
-        </a:xfrm>
-      </p:grpSpPr>
-      <p:sp>
-        <p:nvSpPr>
-          <p:cNvPr id="2" name="幻灯片图像占位符 1"/>
-          <p:cNvSpPr>
-            <a:spLocks noGrp="1" noRot="1" noChangeAspect="1"/>
-          </p:cNvSpPr>
-          <p:nvPr>
-            <p:ph type="sldImg"/>
-          </p:nvPr>
-        </p:nvSpPr>
-        <p:spPr/>
-      </p:sp>
-      <p:sp>
-        <p:nvSpPr>
-          <p:cNvPr id="3" name="备注占位符 2"/>
-          <p:cNvSpPr>
-            <a:spLocks noGrp="1"/>
-          </p:cNvSpPr>
-          <p:nvPr>
-            <p:ph type="body" idx="1"/>
-          </p:nvPr>
-        </p:nvSpPr>
-        <p:spPr/>
-        <p:txBody>
-          <a:bodyPr/>
-          <a:lstStyle/>
-          <a:p>
-            <a:endParaRPr lang="zh-CN" altLang="en-US" dirty="0"/>
-          </a:p>
-        </p:txBody>
-      </p:sp>
-      <p:sp>
-        <p:nvSpPr>
-          <p:cNvPr id="4" name="灯片编号占位符 3"/>
-          <p:cNvSpPr>
-            <a:spLocks noGrp="1"/>
-          </p:cNvSpPr>
-          <p:nvPr>
-            <p:ph type="sldNum" sz="quarter" idx="10"/>
-          </p:nvPr>
-        </p:nvSpPr>
-        <p:spPr/>
-        <p:txBody>
-          <a:bodyPr/>
-          <a:lstStyle/>
-          <a:p>
-            <a:fld id="{9FB975F3-1C40-4D40-A7FE-36EEB7CAFC85}" type="slidenum">
-              <a:rPr lang="zh-CN" altLang="en-US" smtClean="0"/>
-              <a:t>21</a:t>
-            </a:fld>
-            <a:endParaRPr lang="zh-CN" altLang="en-US"/>
-          </a:p>
-        </p:txBody>
-      </p:sp>
-    </p:spTree>
-    <p:extLst>
-      <p:ext uri="{BB962C8B-B14F-4D97-AF65-F5344CB8AC3E}">
-        <p14:creationId xmlns:p14="http://schemas.microsoft.com/office/powerpoint/2010/main" val="3666486841"/>
+        <p14:creationId xmlns:p14="http://schemas.microsoft.com/office/powerpoint/2010/main" val="2951509800"/>
       </p:ext>
     </p:extLst>
   </p:cSld>
@@ -1768,7 +1427,7 @@
           <a:p>
             <a:fld id="{A5E21016-498F-4141-B0CA-D95A38CA7D62}" type="datetimeFigureOut">
               <a:rPr lang="zh-CN" altLang="en-US" smtClean="0"/>
-              <a:t>2018/3/1</a:t>
+              <a:t>2018/3/18</a:t>
             </a:fld>
             <a:endParaRPr lang="zh-CN" altLang="en-US"/>
           </a:p>
@@ -1998,7 +1657,7 @@
           <a:p>
             <a:fld id="{A5E21016-498F-4141-B0CA-D95A38CA7D62}" type="datetimeFigureOut">
               <a:rPr lang="zh-CN" altLang="en-US" smtClean="0"/>
-              <a:t>2018/3/1</a:t>
+              <a:t>2018/3/18</a:t>
             </a:fld>
             <a:endParaRPr lang="zh-CN" altLang="en-US"/>
           </a:p>
@@ -2233,7 +1892,7 @@
           <a:p>
             <a:fld id="{A5E21016-498F-4141-B0CA-D95A38CA7D62}" type="datetimeFigureOut">
               <a:rPr lang="zh-CN" altLang="en-US" smtClean="0"/>
-              <a:t>2018/3/1</a:t>
+              <a:t>2018/3/18</a:t>
             </a:fld>
             <a:endParaRPr lang="zh-CN" altLang="en-US"/>
           </a:p>
@@ -2795,7 +2454,7 @@
           <a:p>
             <a:fld id="{A5E21016-498F-4141-B0CA-D95A38CA7D62}" type="datetimeFigureOut">
               <a:rPr lang="zh-CN" altLang="en-US" smtClean="0"/>
-              <a:t>2018/3/1</a:t>
+              <a:t>2018/3/18</a:t>
             </a:fld>
             <a:endParaRPr lang="zh-CN" altLang="en-US"/>
           </a:p>
@@ -3092,7 +2751,7 @@
           <a:p>
             <a:fld id="{A5E21016-498F-4141-B0CA-D95A38CA7D62}" type="datetimeFigureOut">
               <a:rPr lang="zh-CN" altLang="en-US" smtClean="0"/>
-              <a:t>2018/3/1</a:t>
+              <a:t>2018/3/18</a:t>
             </a:fld>
             <a:endParaRPr lang="zh-CN" altLang="en-US"/>
           </a:p>
@@ -3531,7 +3190,7 @@
           <a:p>
             <a:fld id="{A5E21016-498F-4141-B0CA-D95A38CA7D62}" type="datetimeFigureOut">
               <a:rPr lang="zh-CN" altLang="en-US" smtClean="0"/>
-              <a:t>2018/3/1</a:t>
+              <a:t>2018/3/18</a:t>
             </a:fld>
             <a:endParaRPr lang="zh-CN" altLang="en-US"/>
           </a:p>
@@ -3704,7 +3363,7 @@
           <a:p>
             <a:fld id="{A5E21016-498F-4141-B0CA-D95A38CA7D62}" type="datetimeFigureOut">
               <a:rPr lang="zh-CN" altLang="en-US" smtClean="0"/>
-              <a:t>2018/3/1</a:t>
+              <a:t>2018/3/18</a:t>
             </a:fld>
             <a:endParaRPr lang="zh-CN" altLang="en-US"/>
           </a:p>
@@ -3841,7 +3500,7 @@
           <a:p>
             <a:fld id="{A5E21016-498F-4141-B0CA-D95A38CA7D62}" type="datetimeFigureOut">
               <a:rPr lang="zh-CN" altLang="en-US" smtClean="0"/>
-              <a:t>2018/3/1</a:t>
+              <a:t>2018/3/18</a:t>
             </a:fld>
             <a:endParaRPr lang="zh-CN" altLang="en-US"/>
           </a:p>
@@ -4179,7 +3838,7 @@
           <a:p>
             <a:fld id="{A5E21016-498F-4141-B0CA-D95A38CA7D62}" type="datetimeFigureOut">
               <a:rPr lang="zh-CN" altLang="en-US" smtClean="0"/>
-              <a:t>2018/3/1</a:t>
+              <a:t>2018/3/18</a:t>
             </a:fld>
             <a:endParaRPr lang="zh-CN" altLang="en-US"/>
           </a:p>
@@ -4494,7 +4153,7 @@
           <a:p>
             <a:fld id="{A5E21016-498F-4141-B0CA-D95A38CA7D62}" type="datetimeFigureOut">
               <a:rPr lang="zh-CN" altLang="en-US" smtClean="0"/>
-              <a:t>2018/3/1</a:t>
+              <a:t>2018/3/18</a:t>
             </a:fld>
             <a:endParaRPr lang="zh-CN" altLang="en-US"/>
           </a:p>
@@ -5465,16 +5124,6 @@
               <a:buNone/>
             </a:pPr>
             <a:r>
-              <a:rPr lang="zh-CN" altLang="en-US" sz="3200" dirty="0">
-                <a:solidFill>
-                  <a:schemeClr val="accent1">
-                    <a:lumMod val="75000"/>
-                  </a:schemeClr>
-                </a:solidFill>
-              </a:rPr>
-              <a:t>深入理解</a:t>
-            </a:r>
-            <a:r>
               <a:rPr lang="en-US" altLang="zh-CN" sz="3200" dirty="0">
                 <a:solidFill>
                   <a:schemeClr val="accent1">
@@ -5492,7 +5141,7 @@
                   </a:schemeClr>
                 </a:solidFill>
               </a:rPr>
-              <a:t>的进程</a:t>
+              <a:t>系统编程基础</a:t>
             </a:r>
           </a:p>
         </p:txBody>
@@ -5500,7 +5149,7 @@
     </p:spTree>
     <p:extLst>
       <p:ext uri="{BB962C8B-B14F-4D97-AF65-F5344CB8AC3E}">
-        <p14:creationId xmlns:p14="http://schemas.microsoft.com/office/powerpoint/2010/main" val="678941122"/>
+        <p14:creationId xmlns:p14="http://schemas.microsoft.com/office/powerpoint/2010/main" val="1908713046"/>
       </p:ext>
     </p:extLst>
   </p:cSld>
@@ -5555,25 +5204,8 @@
           <a:p>
             <a:r>
               <a:rPr lang="zh-CN" altLang="en-US" dirty="0"/>
-              <a:t>开篇 </a:t>
-            </a:r>
-            <a:r>
-              <a:rPr lang="en-US" altLang="zh-CN" dirty="0"/>
-              <a:t>– </a:t>
-            </a:r>
-            <a:r>
-              <a:rPr lang="zh-CN" altLang="en-US" dirty="0"/>
-              <a:t>写给</a:t>
-            </a:r>
-            <a:r>
-              <a:rPr lang="en-US" altLang="zh-CN" dirty="0"/>
-              <a:t> </a:t>
-            </a:r>
-            <a:r>
-              <a:rPr lang="en-US" altLang="zh-CN" dirty="0" err="1"/>
-              <a:t>phper</a:t>
-            </a:r>
-            <a:endParaRPr lang="zh-CN" altLang="en-US" dirty="0"/>
+              <a:t>系统编程简介</a:t>
+            </a:r>
           </a:p>
         </p:txBody>
       </p:sp>
@@ -5607,7 +5239,7 @@
           <a:p>
             <a:r>
               <a:rPr lang="zh-CN" altLang="en-US" sz="2000" dirty="0"/>
-              <a:t>企图用这么短的篇幅事无巨细的把</a:t>
+              <a:t>系统编程就是调用</a:t>
             </a:r>
             <a:r>
               <a:rPr lang="en-US" altLang="zh-CN" sz="2000" dirty="0"/>
@@ -5615,99 +5247,80 @@
             </a:r>
             <a:r>
               <a:rPr lang="zh-CN" altLang="en-US" sz="2000" dirty="0"/>
-              <a:t>的进程相关的内容讲完是不可能的。这样做也偏离了课程主旨。</a:t>
+              <a:t>系统提供的</a:t>
+            </a:r>
+            <a:r>
+              <a:rPr lang="en-US" altLang="zh-CN" sz="2000" dirty="0"/>
+              <a:t>API</a:t>
+            </a:r>
+            <a:r>
+              <a:rPr lang="zh-CN" altLang="en-US" sz="2000" dirty="0"/>
+              <a:t>完成需要的任务。</a:t>
             </a:r>
             <a:endParaRPr lang="en-US" altLang="zh-CN" sz="2000" dirty="0"/>
           </a:p>
           <a:p>
-            <a:r>
-              <a:rPr lang="zh-CN" altLang="en-US" sz="2000" dirty="0"/>
-              <a:t>本节主要目的是针对编写</a:t>
-            </a:r>
-            <a:r>
-              <a:rPr lang="en-US" altLang="zh-CN" sz="2000" dirty="0"/>
-              <a:t>PHP</a:t>
-            </a:r>
-            <a:r>
-              <a:rPr lang="zh-CN" altLang="en-US" sz="2000" dirty="0"/>
-              <a:t>代码但不是很熟悉</a:t>
-            </a:r>
+            <a:endParaRPr lang="en-US" altLang="zh-CN" sz="2000" dirty="0"/>
+          </a:p>
+          <a:p>
             <a:r>
               <a:rPr lang="en-US" altLang="zh-CN" sz="2000" dirty="0"/>
               <a:t>Linux</a:t>
             </a:r>
             <a:r>
               <a:rPr lang="zh-CN" altLang="en-US" sz="2000" dirty="0"/>
-              <a:t>的程序员，目的在于说明</a:t>
-            </a:r>
+              <a:t>上的大多数命令都是编写的，多数都需要用到系统调用。</a:t>
+            </a:r>
+            <a:endParaRPr lang="en-US" altLang="zh-CN" sz="2000" dirty="0"/>
+          </a:p>
+          <a:p>
+            <a:endParaRPr lang="en-US" altLang="zh-CN" sz="2000" dirty="0"/>
+          </a:p>
+          <a:p>
             <a:r>
               <a:rPr lang="en-US" altLang="zh-CN" sz="2000" dirty="0"/>
-              <a:t>Linux</a:t>
+              <a:t>man 2 [system call name]</a:t>
             </a:r>
             <a:r>
               <a:rPr lang="zh-CN" altLang="en-US" sz="2000" dirty="0"/>
-              <a:t>进程的基本知识、进程相关的所属用户，权限等以及</a:t>
+              <a:t>查看系统接口文档，</a:t>
             </a:r>
             <a:r>
               <a:rPr lang="en-US" altLang="zh-CN" sz="2000" dirty="0"/>
-              <a:t>PHP</a:t>
+              <a:t>man  3  [lib function] </a:t>
             </a:r>
             <a:r>
               <a:rPr lang="zh-CN" altLang="en-US" sz="2000" dirty="0"/>
-              <a:t>程序要注意的问题。</a:t>
+              <a:t>查看程序库的函数文档。文档开头都会说明需要引入的头文件，函数声明等信息。</a:t>
             </a:r>
             <a:endParaRPr lang="en-US" altLang="zh-CN" sz="2000" dirty="0"/>
           </a:p>
           <a:p>
+            <a:endParaRPr lang="en-US" altLang="zh-CN" sz="2000" dirty="0"/>
+          </a:p>
+          <a:p>
+            <a:endParaRPr lang="en-US" altLang="zh-CN" sz="2000" dirty="0"/>
+          </a:p>
+          <a:p>
+            <a:r>
+              <a:rPr lang="en-US" altLang="zh-CN" sz="2000" dirty="0"/>
+              <a:t>man  </a:t>
+            </a:r>
+            <a:r>
+              <a:rPr lang="en-US" altLang="zh-CN" sz="2000" dirty="0" err="1"/>
+              <a:t>syscalls</a:t>
+            </a:r>
             <a:r>
               <a:rPr lang="zh-CN" altLang="en-US" sz="2000" dirty="0"/>
-              <a:t>并会适当给出一些简单易懂的</a:t>
+              <a:t>查看所有系统调用（</a:t>
             </a:r>
             <a:r>
               <a:rPr lang="en-US" altLang="zh-CN" sz="2000" dirty="0"/>
-              <a:t>C</a:t>
+              <a:t>API</a:t>
             </a:r>
             <a:r>
               <a:rPr lang="zh-CN" altLang="en-US" sz="2000" dirty="0"/>
-              <a:t>代码示例。在下一节会说一些</a:t>
-            </a:r>
-            <a:r>
-              <a:rPr lang="en-US" altLang="zh-CN" sz="2000" dirty="0"/>
-              <a:t>Linux</a:t>
-            </a:r>
-            <a:r>
-              <a:rPr lang="zh-CN" altLang="en-US" sz="2000" dirty="0"/>
-              <a:t>系统调用相关的内容，为以后的课程做准备。</a:t>
-            </a:r>
-            <a:endParaRPr lang="en-US" altLang="zh-CN" sz="2000" dirty="0"/>
-          </a:p>
-          <a:p>
-            <a:r>
-              <a:rPr lang="zh-CN" altLang="en-US" sz="2000" dirty="0"/>
-              <a:t>本节和下一节的内容不会直接对</a:t>
-            </a:r>
-            <a:r>
-              <a:rPr lang="en-US" altLang="zh-CN" sz="2000" dirty="0"/>
-              <a:t>PHP</a:t>
-            </a:r>
-            <a:r>
-              <a:rPr lang="zh-CN" altLang="en-US" sz="2000" dirty="0"/>
-              <a:t>编码水平有所提高，而是加深底层方面的理解，并能够处理更多的问题。</a:t>
-            </a:r>
-            <a:endParaRPr lang="en-US" altLang="zh-CN" sz="2000" dirty="0"/>
-          </a:p>
-          <a:p>
-            <a:r>
-              <a:rPr lang="zh-CN" altLang="en-US" sz="2000" dirty="0"/>
-              <a:t>在本课程之前，学生应已经学习过</a:t>
-            </a:r>
-            <a:r>
-              <a:rPr lang="en-US" altLang="zh-CN" sz="2000" dirty="0"/>
-              <a:t>Linux</a:t>
-            </a:r>
-            <a:r>
-              <a:rPr lang="zh-CN" altLang="en-US" sz="2000" dirty="0"/>
-              <a:t>基础知识以及操作系统的基础知识。</a:t>
+              <a:t>）。</a:t>
             </a:r>
             <a:endParaRPr lang="en-US" altLang="zh-CN" sz="2000" dirty="0"/>
           </a:p>
@@ -5716,7 +5329,7 @@
     </p:spTree>
     <p:extLst>
       <p:ext uri="{BB962C8B-B14F-4D97-AF65-F5344CB8AC3E}">
-        <p14:creationId xmlns:p14="http://schemas.microsoft.com/office/powerpoint/2010/main" val="2122933119"/>
+        <p14:creationId xmlns:p14="http://schemas.microsoft.com/office/powerpoint/2010/main" val="83696498"/>
       </p:ext>
     </p:extLst>
   </p:cSld>
@@ -5771,16 +5384,13 @@
           <a:p>
             <a:r>
               <a:rPr lang="zh-CN" altLang="en-US" dirty="0"/>
-              <a:t>进程所属用户与目录</a:t>
+              <a:t>获取自己的</a:t>
             </a:r>
             <a:r>
               <a:rPr lang="en-US" altLang="zh-CN" dirty="0"/>
-              <a:t>/</a:t>
-            </a:r>
-            <a:r>
-              <a:rPr lang="zh-CN" altLang="en-US" dirty="0"/>
-              <a:t>文件权限</a:t>
-            </a:r>
+              <a:t>PID</a:t>
+            </a:r>
+            <a:endParaRPr lang="zh-CN" altLang="en-US" dirty="0"/>
           </a:p>
         </p:txBody>
       </p:sp>
@@ -5814,167 +5424,175 @@
           <a:p>
             <a:r>
               <a:rPr lang="zh-CN" altLang="en-US" sz="2000" dirty="0"/>
-              <a:t>一个进程的是以某一用户的身份运行的，所以这个进程的访问系统资源的权限受限于这个用户的权限。</a:t>
+              <a:t>系统调用：</a:t>
+            </a:r>
+            <a:r>
+              <a:rPr lang="en-US" altLang="zh-CN" sz="2000" dirty="0" err="1"/>
+              <a:t>pid_t</a:t>
+            </a:r>
+            <a:r>
+              <a:rPr lang="en-US" altLang="zh-CN" sz="2000" dirty="0"/>
+              <a:t>  </a:t>
+            </a:r>
+            <a:r>
+              <a:rPr lang="en-US" altLang="zh-CN" sz="2000" dirty="0" err="1"/>
+              <a:t>getpid</a:t>
+            </a:r>
+            <a:r>
+              <a:rPr lang="en-US" altLang="zh-CN" sz="2000" dirty="0"/>
+              <a:t>();</a:t>
+            </a:r>
+          </a:p>
+          <a:p>
+            <a:r>
+              <a:rPr lang="zh-CN" altLang="en-US" sz="2000" dirty="0"/>
+              <a:t>示例：</a:t>
             </a:r>
             <a:endParaRPr lang="en-US" altLang="zh-CN" sz="2000" dirty="0"/>
           </a:p>
           <a:p>
-            <a:r>
-              <a:rPr lang="zh-CN" altLang="en-US" sz="2000" dirty="0"/>
-              <a:t>以指定的列查看进程： </a:t>
-            </a:r>
-            <a:r>
-              <a:rPr lang="en-US" altLang="zh-CN" sz="2000" dirty="0" err="1"/>
-              <a:t>ps</a:t>
-            </a:r>
-            <a:r>
-              <a:rPr lang="en-US" altLang="zh-CN" sz="2000" dirty="0"/>
-              <a:t> -o </a:t>
-            </a:r>
-            <a:r>
-              <a:rPr lang="en-US" altLang="zh-CN" sz="2000" dirty="0" err="1"/>
-              <a:t>user,pid,ppid,tty,comm,args</a:t>
-            </a:r>
-            <a:r>
-              <a:rPr lang="en-US" altLang="zh-CN" sz="2000" dirty="0"/>
-              <a:t> -e</a:t>
-            </a:r>
-          </a:p>
-          <a:p>
-            <a:r>
-              <a:rPr lang="zh-CN" altLang="en-US" sz="2000" dirty="0"/>
-              <a:t>输出的列依次为运行进程的用户，进程</a:t>
-            </a:r>
-            <a:r>
-              <a:rPr lang="en-US" altLang="zh-CN" sz="2000" dirty="0"/>
-              <a:t>ID</a:t>
-            </a:r>
-            <a:r>
-              <a:rPr lang="zh-CN" altLang="en-US" sz="2000" dirty="0"/>
-              <a:t>，父进程</a:t>
-            </a:r>
-            <a:r>
-              <a:rPr lang="en-US" altLang="zh-CN" sz="2000" dirty="0"/>
-              <a:t>ID</a:t>
-            </a:r>
-            <a:r>
-              <a:rPr lang="zh-CN" altLang="en-US" sz="2000" dirty="0"/>
-              <a:t>，所属终端，命令，命令参数。</a:t>
-            </a:r>
-            <a:endParaRPr lang="en-US" altLang="zh-CN" sz="2000" dirty="0"/>
-          </a:p>
-          <a:p>
-            <a:r>
-              <a:rPr lang="en-US" altLang="zh-CN" sz="2000" dirty="0" err="1"/>
-              <a:t>tty</a:t>
-            </a:r>
-            <a:r>
-              <a:rPr lang="zh-CN" altLang="en-US" sz="2000" dirty="0"/>
-              <a:t>列为</a:t>
-            </a:r>
-            <a:r>
-              <a:rPr lang="en-US" altLang="zh-CN" sz="2000" dirty="0"/>
-              <a:t>?</a:t>
-            </a:r>
-            <a:r>
-              <a:rPr lang="zh-CN" altLang="en-US" sz="2000" dirty="0"/>
-              <a:t>的是系统服务程序（守护进程），并不和终端相关联。</a:t>
-            </a:r>
-            <a:endParaRPr lang="en-US" altLang="zh-CN" sz="2000" dirty="0"/>
-          </a:p>
-          <a:p>
-            <a:r>
-              <a:rPr lang="zh-CN" altLang="en-US" sz="2000" dirty="0"/>
-              <a:t>查看目录权限：</a:t>
-            </a:r>
-            <a:r>
-              <a:rPr lang="en-US" altLang="zh-CN" sz="2000" dirty="0"/>
-              <a:t>ls -l</a:t>
-            </a:r>
-          </a:p>
-          <a:p>
-            <a:r>
-              <a:rPr lang="zh-CN" altLang="en-US" sz="2000" dirty="0"/>
-              <a:t>目录</a:t>
-            </a:r>
-            <a:r>
-              <a:rPr lang="en-US" altLang="zh-CN" sz="2000" dirty="0"/>
-              <a:t>/</a:t>
-            </a:r>
-            <a:r>
-              <a:rPr lang="zh-CN" altLang="en-US" sz="2000" dirty="0"/>
-              <a:t>文件的权限有可读，可写，可执行，针对用户，用户组内的其他用户，其他用户都有不同的权限，比如：</a:t>
-            </a:r>
-            <a:r>
-              <a:rPr lang="en-US" altLang="zh-CN" sz="2000" dirty="0" err="1"/>
-              <a:t>rwxr</a:t>
-            </a:r>
-            <a:r>
-              <a:rPr lang="en-US" altLang="zh-CN" sz="2000" dirty="0"/>
-              <a:t>-</a:t>
-            </a:r>
-            <a:r>
-              <a:rPr lang="en-US" altLang="zh-CN" sz="2000" dirty="0" err="1"/>
-              <a:t>xrw</a:t>
-            </a:r>
-            <a:r>
-              <a:rPr lang="en-US" altLang="zh-CN" sz="2000" dirty="0"/>
-              <a:t>-x</a:t>
-            </a:r>
-            <a:r>
-              <a:rPr lang="zh-CN" altLang="en-US" sz="2000" dirty="0"/>
-              <a:t>表示当前用户具有可读，可写，可执行的权限，而组内用户以及其他用户具有可读可执行的权限。</a:t>
-            </a:r>
-            <a:endParaRPr lang="en-US" altLang="zh-CN" sz="2000" dirty="0"/>
-          </a:p>
-          <a:p>
-            <a:r>
-              <a:rPr lang="zh-CN" altLang="en-US" sz="2000" dirty="0"/>
-              <a:t>注意：在</a:t>
-            </a:r>
-            <a:r>
-              <a:rPr lang="en-US" altLang="zh-CN" sz="2000" dirty="0"/>
-              <a:t>Linux</a:t>
-            </a:r>
-            <a:r>
-              <a:rPr lang="zh-CN" altLang="en-US" sz="2000" dirty="0"/>
-              <a:t>上，目录必须具有可执行的权限，否则</a:t>
-            </a:r>
-            <a:r>
-              <a:rPr lang="en-US" altLang="zh-CN" sz="2000" dirty="0"/>
-              <a:t>cd</a:t>
-            </a:r>
-            <a:r>
-              <a:rPr lang="zh-CN" altLang="en-US" sz="2000" dirty="0"/>
-              <a:t>切换目录会提示权限不允许的错误。</a:t>
-            </a:r>
-            <a:endParaRPr lang="en-US" altLang="zh-CN" sz="2000" dirty="0"/>
-          </a:p>
-          <a:p>
-            <a:r>
-              <a:rPr lang="en-US" altLang="zh-CN" sz="2000" dirty="0"/>
-              <a:t>PHP</a:t>
-            </a:r>
-            <a:r>
-              <a:rPr lang="zh-CN" altLang="en-US" sz="2000" dirty="0"/>
-              <a:t>程序在</a:t>
-            </a:r>
-            <a:r>
-              <a:rPr lang="en-US" altLang="zh-CN" sz="2000" dirty="0"/>
-              <a:t>Linux</a:t>
-            </a:r>
-            <a:r>
-              <a:rPr lang="zh-CN" altLang="en-US" sz="2000" dirty="0"/>
-              <a:t>上为何总是出现权限问题？</a:t>
-            </a:r>
-            <a:endParaRPr lang="en-US" altLang="zh-CN" sz="2000" dirty="0"/>
+            <a:pPr marL="457200" lvl="1" indent="0">
+              <a:buNone/>
+            </a:pPr>
+            <a:r>
+              <a:rPr lang="en-US" altLang="zh-CN" sz="1600" dirty="0"/>
+              <a:t>#include &lt;</a:t>
+            </a:r>
+            <a:r>
+              <a:rPr lang="en-US" altLang="zh-CN" sz="1600" dirty="0" err="1"/>
+              <a:t>stdio.h</a:t>
+            </a:r>
+            <a:r>
+              <a:rPr lang="en-US" altLang="zh-CN" sz="1600" dirty="0"/>
+              <a:t>&gt;</a:t>
+            </a:r>
+          </a:p>
+          <a:p>
+            <a:pPr marL="457200" lvl="1" indent="0">
+              <a:buNone/>
+            </a:pPr>
+            <a:r>
+              <a:rPr lang="en-US" altLang="zh-CN" sz="1600" dirty="0"/>
+              <a:t>#include &lt;sys/</a:t>
+            </a:r>
+            <a:r>
+              <a:rPr lang="en-US" altLang="zh-CN" sz="1600" dirty="0" err="1"/>
+              <a:t>types.h</a:t>
+            </a:r>
+            <a:r>
+              <a:rPr lang="en-US" altLang="zh-CN" sz="1600" dirty="0"/>
+              <a:t>&gt;</a:t>
+            </a:r>
+          </a:p>
+          <a:p>
+            <a:pPr marL="457200" lvl="1" indent="0">
+              <a:buNone/>
+            </a:pPr>
+            <a:r>
+              <a:rPr lang="en-US" altLang="zh-CN" sz="1600" dirty="0"/>
+              <a:t>#include &lt;</a:t>
+            </a:r>
+            <a:r>
+              <a:rPr lang="en-US" altLang="zh-CN" sz="1600" dirty="0" err="1"/>
+              <a:t>unistd.h</a:t>
+            </a:r>
+            <a:r>
+              <a:rPr lang="en-US" altLang="zh-CN" sz="1600" dirty="0"/>
+              <a:t>&gt;</a:t>
+            </a:r>
+          </a:p>
+          <a:p>
+            <a:pPr marL="457200" lvl="1" indent="0">
+              <a:buNone/>
+            </a:pPr>
+            <a:endParaRPr lang="en-US" altLang="zh-CN" sz="1600" dirty="0"/>
+          </a:p>
+          <a:p>
+            <a:pPr marL="457200" lvl="1" indent="0">
+              <a:buNone/>
+            </a:pPr>
+            <a:r>
+              <a:rPr lang="en-US" altLang="zh-CN" sz="1600" dirty="0" err="1"/>
+              <a:t>int</a:t>
+            </a:r>
+            <a:r>
+              <a:rPr lang="en-US" altLang="zh-CN" sz="1600" dirty="0"/>
+              <a:t> main(</a:t>
+            </a:r>
+            <a:r>
+              <a:rPr lang="en-US" altLang="zh-CN" sz="1600" dirty="0" err="1"/>
+              <a:t>int</a:t>
+            </a:r>
+            <a:r>
+              <a:rPr lang="en-US" altLang="zh-CN" sz="1600" dirty="0"/>
+              <a:t> </a:t>
+            </a:r>
+            <a:r>
+              <a:rPr lang="en-US" altLang="zh-CN" sz="1600" dirty="0" err="1"/>
+              <a:t>argc</a:t>
+            </a:r>
+            <a:r>
+              <a:rPr lang="en-US" altLang="zh-CN" sz="1600" dirty="0"/>
+              <a:t>, char *</a:t>
+            </a:r>
+            <a:r>
+              <a:rPr lang="en-US" altLang="zh-CN" sz="1600" dirty="0" err="1"/>
+              <a:t>argv</a:t>
+            </a:r>
+            <a:r>
+              <a:rPr lang="en-US" altLang="zh-CN" sz="1600" dirty="0"/>
+              <a:t>[]) {</a:t>
+            </a:r>
+          </a:p>
+          <a:p>
+            <a:pPr marL="457200" lvl="1" indent="0">
+              <a:buNone/>
+            </a:pPr>
+            <a:r>
+              <a:rPr lang="en-US" altLang="zh-CN" sz="1600" dirty="0"/>
+              <a:t>	</a:t>
+            </a:r>
+            <a:r>
+              <a:rPr lang="en-US" altLang="zh-CN" sz="1600" dirty="0" err="1"/>
+              <a:t>printf</a:t>
+            </a:r>
+            <a:r>
+              <a:rPr lang="en-US" altLang="zh-CN" sz="1600" dirty="0"/>
+              <a:t>(“%d\n”, </a:t>
+            </a:r>
+            <a:r>
+              <a:rPr lang="en-US" altLang="zh-CN" sz="1600" dirty="0" err="1"/>
+              <a:t>getpid</a:t>
+            </a:r>
+            <a:r>
+              <a:rPr lang="en-US" altLang="zh-CN" sz="1600" dirty="0"/>
+              <a:t>() );</a:t>
+            </a:r>
+          </a:p>
+          <a:p>
+            <a:pPr marL="457200" lvl="1" indent="0">
+              <a:buNone/>
+            </a:pPr>
+            <a:r>
+              <a:rPr lang="en-US" altLang="zh-CN" sz="1600" dirty="0"/>
+              <a:t>	return 0;</a:t>
+            </a:r>
+          </a:p>
+          <a:p>
+            <a:pPr marL="457200" lvl="1" indent="0">
+              <a:buNone/>
+            </a:pPr>
+            <a:r>
+              <a:rPr lang="en-US" altLang="zh-CN" sz="1600" dirty="0"/>
+              <a:t>}</a:t>
+            </a:r>
           </a:p>
         </p:txBody>
       </p:sp>
     </p:spTree>
     <p:extLst>
       <p:ext uri="{BB962C8B-B14F-4D97-AF65-F5344CB8AC3E}">
-        <p14:creationId xmlns:p14="http://schemas.microsoft.com/office/powerpoint/2010/main" val="3783361451"/>
+        <p14:creationId xmlns:p14="http://schemas.microsoft.com/office/powerpoint/2010/main" val="220644065"/>
       </p:ext>
     </p:extLst>
   </p:cSld>
@@ -6028,10 +5646,17 @@
           <a:lstStyle/>
           <a:p>
             <a:r>
+              <a:rPr lang="zh-CN" altLang="en-US" dirty="0"/>
+              <a:t>用</a:t>
+            </a:r>
+            <a:r>
               <a:rPr lang="en-US" altLang="zh-CN" dirty="0"/>
-              <a:t>PHP-FPM</a:t>
-            </a:r>
-            <a:endParaRPr lang="zh-CN" altLang="en-US" dirty="0"/>
+              <a:t>fork</a:t>
+            </a:r>
+            <a:r>
+              <a:rPr lang="zh-CN" altLang="en-US" dirty="0"/>
+              <a:t>创建子进程</a:t>
+            </a:r>
           </a:p>
         </p:txBody>
       </p:sp>
@@ -6065,88 +5690,70 @@
           <a:p>
             <a:r>
               <a:rPr lang="zh-CN" altLang="en-US" sz="2000" dirty="0"/>
-              <a:t>查看</a:t>
+              <a:t>系统调用：</a:t>
+            </a:r>
+            <a:r>
+              <a:rPr lang="en-US" altLang="zh-CN" sz="2000" dirty="0" err="1"/>
+              <a:t>pid_t</a:t>
             </a:r>
             <a:r>
               <a:rPr lang="en-US" altLang="zh-CN" sz="2000" dirty="0"/>
-              <a:t>PHP-FPM</a:t>
+              <a:t>  fork();</a:t>
+            </a:r>
+          </a:p>
+          <a:p>
+            <a:endParaRPr lang="en-US" altLang="zh-CN" sz="2000" dirty="0"/>
+          </a:p>
+          <a:p>
+            <a:r>
+              <a:rPr lang="en-US" altLang="zh-CN" sz="2000" dirty="0"/>
+              <a:t>fork</a:t>
             </a:r>
             <a:r>
               <a:rPr lang="zh-CN" altLang="en-US" sz="2000" dirty="0"/>
-              <a:t>的服务进程：</a:t>
-            </a:r>
-            <a:r>
-              <a:rPr lang="en-US" altLang="zh-CN" sz="2000" dirty="0" err="1"/>
-              <a:t>ps</a:t>
+              <a:t>会创建子进程，调用</a:t>
             </a:r>
             <a:r>
               <a:rPr lang="en-US" altLang="zh-CN" sz="2000" dirty="0"/>
-              <a:t> -o </a:t>
-            </a:r>
-            <a:r>
-              <a:rPr lang="en-US" altLang="zh-CN" sz="2000" dirty="0" err="1"/>
-              <a:t>user,pid,ppid,tty,args</a:t>
-            </a:r>
+              <a:t>fork</a:t>
+            </a:r>
+            <a:r>
+              <a:rPr lang="zh-CN" altLang="en-US" sz="2000" dirty="0"/>
+              <a:t>，内核会分配内存，分配新的进程描述符。并标记父进程为创建它的进程。子进程创建后就开始运行。</a:t>
+            </a:r>
+            <a:endParaRPr lang="en-US" altLang="zh-CN" sz="2000" dirty="0"/>
+          </a:p>
+          <a:p>
+            <a:endParaRPr lang="en-US" altLang="zh-CN" sz="2000" dirty="0"/>
+          </a:p>
+          <a:p>
             <a:r>
               <a:rPr lang="en-US" altLang="zh-CN" sz="2000" dirty="0"/>
-              <a:t> -e | grep ‘</a:t>
-            </a:r>
-            <a:r>
-              <a:rPr lang="en-US" altLang="zh-CN" sz="2000" dirty="0" err="1"/>
-              <a:t>php</a:t>
+              <a:t>fork</a:t>
+            </a:r>
+            <a:r>
+              <a:rPr lang="zh-CN" altLang="en-US" sz="2000" dirty="0"/>
+              <a:t>出错返回</a:t>
             </a:r>
             <a:r>
               <a:rPr lang="en-US" altLang="zh-CN" sz="2000" dirty="0"/>
-              <a:t>-fpm’</a:t>
-            </a:r>
-          </a:p>
-          <a:p>
+              <a:t>-1</a:t>
+            </a:r>
             <a:r>
               <a:rPr lang="zh-CN" altLang="en-US" sz="2000" dirty="0"/>
-              <a:t>从结果来看，</a:t>
+              <a:t>并且不会创建新的进程；正确则在父进程返回创建子进程的</a:t>
             </a:r>
             <a:r>
               <a:rPr lang="en-US" altLang="zh-CN" sz="2000" dirty="0"/>
-              <a:t>master process </a:t>
+              <a:t>PID</a:t>
             </a:r>
             <a:r>
               <a:rPr lang="zh-CN" altLang="en-US" sz="2000" dirty="0"/>
-              <a:t>进程以</a:t>
+              <a:t>，在子进程返回</a:t>
             </a:r>
             <a:r>
               <a:rPr lang="en-US" altLang="zh-CN" sz="2000" dirty="0"/>
-              <a:t>root</a:t>
-            </a:r>
-            <a:r>
-              <a:rPr lang="zh-CN" altLang="en-US" sz="2000" dirty="0"/>
-              <a:t>身份运行，但是作为管理进程，并不处理具体的请求，而是把请求分配给其中一个子进程。子进程是以</a:t>
-            </a:r>
-            <a:r>
-              <a:rPr lang="en-US" altLang="zh-CN" sz="2000" dirty="0"/>
-              <a:t>www-data</a:t>
-            </a:r>
-            <a:r>
-              <a:rPr lang="zh-CN" altLang="en-US" sz="2000" dirty="0"/>
-              <a:t>的用户身份运行的。</a:t>
-            </a:r>
-            <a:endParaRPr lang="en-US" altLang="zh-CN" sz="2000" dirty="0"/>
-          </a:p>
-          <a:p>
-            <a:r>
-              <a:rPr lang="zh-CN" altLang="en-US" sz="2000" dirty="0"/>
-              <a:t>因此在</a:t>
-            </a:r>
-            <a:r>
-              <a:rPr lang="en-US" altLang="zh-CN" sz="2000" dirty="0"/>
-              <a:t>PHP</a:t>
-            </a:r>
-            <a:r>
-              <a:rPr lang="zh-CN" altLang="en-US" sz="2000" dirty="0"/>
-              <a:t>系统上，部署的时候总是出现权限问题，因为目录所属用户不是</a:t>
-            </a:r>
-            <a:r>
-              <a:rPr lang="en-US" altLang="zh-CN" sz="2000" dirty="0"/>
-              <a:t>www-data</a:t>
+              <a:t>0</a:t>
             </a:r>
             <a:r>
               <a:rPr lang="zh-CN" altLang="en-US" sz="2000" dirty="0"/>
@@ -6155,103 +5762,29 @@
             <a:endParaRPr lang="en-US" altLang="zh-CN" sz="2000" dirty="0"/>
           </a:p>
           <a:p>
+            <a:endParaRPr lang="en-US" altLang="zh-CN" sz="2000" dirty="0"/>
+          </a:p>
+          <a:p>
             <a:r>
               <a:rPr lang="zh-CN" altLang="en-US" sz="2000" dirty="0"/>
-              <a:t>一些</a:t>
+              <a:t>子进程会在</a:t>
             </a:r>
             <a:r>
               <a:rPr lang="en-US" altLang="zh-CN" sz="2000" dirty="0"/>
-              <a:t>PHP</a:t>
+              <a:t>fork</a:t>
             </a:r>
             <a:r>
               <a:rPr lang="zh-CN" altLang="en-US" sz="2000" dirty="0"/>
-              <a:t>系统安装过程中要求某些目录权限为</a:t>
-            </a:r>
-            <a:r>
-              <a:rPr lang="en-US" altLang="zh-CN" sz="2000" dirty="0"/>
-              <a:t>777</a:t>
-            </a:r>
-            <a:r>
-              <a:rPr lang="zh-CN" altLang="en-US" sz="2000" dirty="0"/>
-              <a:t>就是要任何人都具有可读可写可执行的权限。</a:t>
+              <a:t>调用后继续执行后面的代码，由于父进程和子进程不同的返回值。可以通过返回值判断控制父进程和子进程执行不同的代码。</a:t>
             </a:r>
             <a:endParaRPr lang="en-US" altLang="zh-CN" sz="2000" dirty="0"/>
           </a:p>
-          <a:p>
-            <a:r>
-              <a:rPr lang="zh-CN" altLang="en-US" sz="2000" dirty="0"/>
-              <a:t>而</a:t>
-            </a:r>
-            <a:r>
-              <a:rPr lang="en-US" altLang="zh-CN" sz="2000" dirty="0"/>
-              <a:t>PHP</a:t>
-            </a:r>
-            <a:r>
-              <a:rPr lang="zh-CN" altLang="en-US" sz="2000" dirty="0"/>
-              <a:t>程序运行过程中创建的文件一般对其他用户来说也是不可写的。</a:t>
-            </a:r>
-            <a:endParaRPr lang="en-US" altLang="zh-CN" sz="2000" dirty="0"/>
-          </a:p>
-          <a:p>
-            <a:r>
-              <a:rPr lang="zh-CN" altLang="en-US" sz="2000" dirty="0"/>
-              <a:t>在</a:t>
-            </a:r>
-            <a:r>
-              <a:rPr lang="en-US" altLang="zh-CN" sz="2000" dirty="0"/>
-              <a:t>Linux</a:t>
-            </a:r>
-            <a:r>
-              <a:rPr lang="zh-CN" altLang="en-US" sz="2000" dirty="0"/>
-              <a:t>上权限问题虽然会带来一些麻烦，但是却更加安全。</a:t>
-            </a:r>
-            <a:endParaRPr lang="en-US" altLang="zh-CN" sz="2000" dirty="0"/>
-          </a:p>
-          <a:p>
-            <a:endParaRPr lang="en-US" altLang="zh-CN" sz="2000" dirty="0"/>
-          </a:p>
-        </p:txBody>
-      </p:sp>
-      <p:pic>
-        <p:nvPicPr>
-          <p:cNvPr id="7" name="图片 6">
-            <a:extLst>
-              <a:ext uri="{FF2B5EF4-FFF2-40B4-BE49-F238E27FC236}">
-                <a16:creationId xmlns:a16="http://schemas.microsoft.com/office/drawing/2014/main" id="{C9D23AB0-9A17-463B-A7CE-90E24D449E3A}"/>
-              </a:ext>
-            </a:extLst>
-          </p:cNvPr>
-          <p:cNvPicPr>
-            <a:picLocks noChangeAspect="1"/>
-          </p:cNvPicPr>
-          <p:nvPr/>
-        </p:nvPicPr>
-        <p:blipFill>
-          <a:blip r:embed="rId3">
-            <a:extLst>
-              <a:ext uri="{28A0092B-C50C-407E-A947-70E740481C1C}">
-                <a14:useLocalDpi xmlns:a14="http://schemas.microsoft.com/office/drawing/2010/main" val="0"/>
-              </a:ext>
-            </a:extLst>
-          </a:blip>
-          <a:stretch>
-            <a:fillRect/>
-          </a:stretch>
-        </p:blipFill>
-        <p:spPr>
-          <a:xfrm>
-            <a:off x="838200" y="4905542"/>
-            <a:ext cx="9548792" cy="1601790"/>
-          </a:xfrm>
-          <a:prstGeom prst="rect">
-            <a:avLst/>
-          </a:prstGeom>
-        </p:spPr>
-      </p:pic>
+        </p:txBody>
+      </p:sp>
     </p:spTree>
     <p:extLst>
       <p:ext uri="{BB962C8B-B14F-4D97-AF65-F5344CB8AC3E}">
-        <p14:creationId xmlns:p14="http://schemas.microsoft.com/office/powerpoint/2010/main" val="2775330218"/>
+        <p14:creationId xmlns:p14="http://schemas.microsoft.com/office/powerpoint/2010/main" val="2364192601"/>
       </p:ext>
     </p:extLst>
   </p:cSld>
@@ -6305,1187 +5838,6 @@
           <a:lstStyle/>
           <a:p>
             <a:r>
-              <a:rPr lang="en-US" altLang="zh-CN" dirty="0"/>
-              <a:t>PHP</a:t>
-            </a:r>
-            <a:r>
-              <a:rPr lang="zh-CN" altLang="en-US" dirty="0"/>
-              <a:t>命令行</a:t>
-            </a:r>
-          </a:p>
-        </p:txBody>
-      </p:sp>
-      <p:sp>
-        <p:nvSpPr>
-          <p:cNvPr id="6" name="内容占位符 5">
-            <a:extLst>
-              <a:ext uri="{FF2B5EF4-FFF2-40B4-BE49-F238E27FC236}">
-                <a16:creationId xmlns:a16="http://schemas.microsoft.com/office/drawing/2014/main" id="{B83E9AD4-C606-4679-B884-01F71CC97E44}"/>
-              </a:ext>
-            </a:extLst>
-          </p:cNvPr>
-          <p:cNvSpPr>
-            <a:spLocks noGrp="1"/>
-          </p:cNvSpPr>
-          <p:nvPr>
-            <p:ph idx="1"/>
-          </p:nvPr>
-        </p:nvSpPr>
-        <p:spPr>
-          <a:xfrm>
-            <a:off x="838200" y="1656500"/>
-            <a:ext cx="10515600" cy="4850832"/>
-          </a:xfrm>
-        </p:spPr>
-        <p:txBody>
-          <a:bodyPr>
-            <a:normAutofit/>
-          </a:bodyPr>
-          <a:lstStyle/>
-          <a:p>
-            <a:endParaRPr lang="en-US" altLang="zh-CN" sz="2000" dirty="0"/>
-          </a:p>
-        </p:txBody>
-      </p:sp>
-    </p:spTree>
-    <p:extLst>
-      <p:ext uri="{BB962C8B-B14F-4D97-AF65-F5344CB8AC3E}">
-        <p14:creationId xmlns:p14="http://schemas.microsoft.com/office/powerpoint/2010/main" val="3357021957"/>
-      </p:ext>
-    </p:extLst>
-  </p:cSld>
-  <p:clrMapOvr>
-    <a:masterClrMapping/>
-  </p:clrMapOvr>
-</p:sld>
-</file>
-
-<file path=ppt/slides/slide16.xml><?xml version="1.0" encoding="utf-8"?>
-<p:sld xmlns:a="http://schemas.openxmlformats.org/drawingml/2006/main" xmlns:r="http://schemas.openxmlformats.org/officeDocument/2006/relationships" xmlns:p="http://schemas.openxmlformats.org/presentationml/2006/main">
-  <p:cSld>
-    <p:spTree>
-      <p:nvGrpSpPr>
-        <p:cNvPr id="1" name=""/>
-        <p:cNvGrpSpPr/>
-        <p:nvPr/>
-      </p:nvGrpSpPr>
-      <p:grpSpPr>
-        <a:xfrm>
-          <a:off x="0" y="0"/>
-          <a:ext cx="0" cy="0"/>
-          <a:chOff x="0" y="0"/>
-          <a:chExt cx="0" cy="0"/>
-        </a:xfrm>
-      </p:grpSpPr>
-      <p:sp>
-        <p:nvSpPr>
-          <p:cNvPr id="4" name="标题 3">
-            <a:extLst>
-              <a:ext uri="{FF2B5EF4-FFF2-40B4-BE49-F238E27FC236}">
-                <a16:creationId xmlns:a16="http://schemas.microsoft.com/office/drawing/2014/main" id="{2729939D-814A-4BD2-9922-3F8EA865938B}"/>
-              </a:ext>
-            </a:extLst>
-          </p:cNvPr>
-          <p:cNvSpPr>
-            <a:spLocks noGrp="1"/>
-          </p:cNvSpPr>
-          <p:nvPr>
-            <p:ph type="title"/>
-          </p:nvPr>
-        </p:nvSpPr>
-        <p:spPr>
-          <a:xfrm>
-            <a:off x="838200" y="683581"/>
-            <a:ext cx="10515600" cy="736846"/>
-          </a:xfrm>
-        </p:spPr>
-        <p:txBody>
-          <a:bodyPr/>
-          <a:lstStyle/>
-          <a:p>
-            <a:r>
-              <a:rPr lang="en-US" altLang="zh-CN" dirty="0"/>
-              <a:t>3</a:t>
-            </a:r>
-            <a:endParaRPr lang="zh-CN" altLang="en-US" dirty="0"/>
-          </a:p>
-        </p:txBody>
-      </p:sp>
-      <p:sp>
-        <p:nvSpPr>
-          <p:cNvPr id="3" name="内容占位符 2">
-            <a:extLst>
-              <a:ext uri="{FF2B5EF4-FFF2-40B4-BE49-F238E27FC236}">
-                <a16:creationId xmlns:a16="http://schemas.microsoft.com/office/drawing/2014/main" id="{ED7249CC-3D11-4FF8-8CF2-30C36502BA8B}"/>
-              </a:ext>
-            </a:extLst>
-          </p:cNvPr>
-          <p:cNvSpPr>
-            <a:spLocks noGrp="1"/>
-          </p:cNvSpPr>
-          <p:nvPr>
-            <p:ph idx="1"/>
-          </p:nvPr>
-        </p:nvSpPr>
-        <p:spPr/>
-        <p:txBody>
-          <a:bodyPr/>
-          <a:lstStyle/>
-          <a:p>
-            <a:pPr marL="0" indent="0" algn="ctr">
-              <a:buNone/>
-            </a:pPr>
-            <a:endParaRPr lang="en-US" altLang="zh-CN" dirty="0">
-              <a:solidFill>
-                <a:schemeClr val="accent1">
-                  <a:lumMod val="75000"/>
-                </a:schemeClr>
-              </a:solidFill>
-            </a:endParaRPr>
-          </a:p>
-          <a:p>
-            <a:pPr marL="0" indent="0" algn="ctr">
-              <a:buNone/>
-            </a:pPr>
-            <a:endParaRPr lang="en-US" altLang="zh-CN" dirty="0">
-              <a:solidFill>
-                <a:schemeClr val="accent1">
-                  <a:lumMod val="75000"/>
-                </a:schemeClr>
-              </a:solidFill>
-            </a:endParaRPr>
-          </a:p>
-          <a:p>
-            <a:pPr marL="0" indent="0" algn="ctr">
-              <a:buNone/>
-            </a:pPr>
-            <a:endParaRPr lang="en-US" altLang="zh-CN" dirty="0">
-              <a:solidFill>
-                <a:schemeClr val="accent1">
-                  <a:lumMod val="75000"/>
-                </a:schemeClr>
-              </a:solidFill>
-            </a:endParaRPr>
-          </a:p>
-          <a:p>
-            <a:pPr marL="0" indent="0" algn="ctr">
-              <a:buNone/>
-            </a:pPr>
-            <a:endParaRPr lang="en-US" altLang="zh-CN" dirty="0">
-              <a:solidFill>
-                <a:schemeClr val="accent1">
-                  <a:lumMod val="75000"/>
-                </a:schemeClr>
-              </a:solidFill>
-            </a:endParaRPr>
-          </a:p>
-          <a:p>
-            <a:pPr marL="0" indent="0" algn="ctr">
-              <a:buNone/>
-            </a:pPr>
-            <a:r>
-              <a:rPr lang="en-US" altLang="zh-CN" sz="3200" dirty="0">
-                <a:solidFill>
-                  <a:schemeClr val="accent1">
-                    <a:lumMod val="75000"/>
-                  </a:schemeClr>
-                </a:solidFill>
-              </a:rPr>
-              <a:t>Linux</a:t>
-            </a:r>
-            <a:r>
-              <a:rPr lang="zh-CN" altLang="en-US" sz="3200" dirty="0">
-                <a:solidFill>
-                  <a:schemeClr val="accent1">
-                    <a:lumMod val="75000"/>
-                  </a:schemeClr>
-                </a:solidFill>
-              </a:rPr>
-              <a:t>系统编程基础</a:t>
-            </a:r>
-          </a:p>
-        </p:txBody>
-      </p:sp>
-    </p:spTree>
-    <p:extLst>
-      <p:ext uri="{BB962C8B-B14F-4D97-AF65-F5344CB8AC3E}">
-        <p14:creationId xmlns:p14="http://schemas.microsoft.com/office/powerpoint/2010/main" val="1908713046"/>
-      </p:ext>
-    </p:extLst>
-  </p:cSld>
-  <p:clrMapOvr>
-    <a:masterClrMapping/>
-  </p:clrMapOvr>
-</p:sld>
-</file>
-
-<file path=ppt/slides/slide17.xml><?xml version="1.0" encoding="utf-8"?>
-<p:sld xmlns:a="http://schemas.openxmlformats.org/drawingml/2006/main" xmlns:r="http://schemas.openxmlformats.org/officeDocument/2006/relationships" xmlns:p="http://schemas.openxmlformats.org/presentationml/2006/main">
-  <p:cSld>
-    <p:spTree>
-      <p:nvGrpSpPr>
-        <p:cNvPr id="1" name=""/>
-        <p:cNvGrpSpPr/>
-        <p:nvPr/>
-      </p:nvGrpSpPr>
-      <p:grpSpPr>
-        <a:xfrm>
-          <a:off x="0" y="0"/>
-          <a:ext cx="0" cy="0"/>
-          <a:chOff x="0" y="0"/>
-          <a:chExt cx="0" cy="0"/>
-        </a:xfrm>
-      </p:grpSpPr>
-      <p:sp>
-        <p:nvSpPr>
-          <p:cNvPr id="4" name="标题 3">
-            <a:extLst>
-              <a:ext uri="{FF2B5EF4-FFF2-40B4-BE49-F238E27FC236}">
-                <a16:creationId xmlns:a16="http://schemas.microsoft.com/office/drawing/2014/main" id="{2729939D-814A-4BD2-9922-3F8EA865938B}"/>
-              </a:ext>
-            </a:extLst>
-          </p:cNvPr>
-          <p:cNvSpPr>
-            <a:spLocks noGrp="1"/>
-          </p:cNvSpPr>
-          <p:nvPr>
-            <p:ph type="title"/>
-          </p:nvPr>
-        </p:nvSpPr>
-        <p:spPr>
-          <a:xfrm>
-            <a:off x="838200" y="683581"/>
-            <a:ext cx="10515600" cy="736846"/>
-          </a:xfrm>
-        </p:spPr>
-        <p:txBody>
-          <a:bodyPr/>
-          <a:lstStyle/>
-          <a:p>
-            <a:r>
-              <a:rPr lang="zh-CN" altLang="en-US" dirty="0"/>
-              <a:t>系统编程简介</a:t>
-            </a:r>
-          </a:p>
-        </p:txBody>
-      </p:sp>
-      <p:sp>
-        <p:nvSpPr>
-          <p:cNvPr id="6" name="内容占位符 5">
-            <a:extLst>
-              <a:ext uri="{FF2B5EF4-FFF2-40B4-BE49-F238E27FC236}">
-                <a16:creationId xmlns:a16="http://schemas.microsoft.com/office/drawing/2014/main" id="{B83E9AD4-C606-4679-B884-01F71CC97E44}"/>
-              </a:ext>
-            </a:extLst>
-          </p:cNvPr>
-          <p:cNvSpPr>
-            <a:spLocks noGrp="1"/>
-          </p:cNvSpPr>
-          <p:nvPr>
-            <p:ph idx="1"/>
-          </p:nvPr>
-        </p:nvSpPr>
-        <p:spPr>
-          <a:xfrm>
-            <a:off x="838200" y="1656500"/>
-            <a:ext cx="10515600" cy="4850832"/>
-          </a:xfrm>
-        </p:spPr>
-        <p:txBody>
-          <a:bodyPr>
-            <a:normAutofit/>
-          </a:bodyPr>
-          <a:lstStyle/>
-          <a:p>
-            <a:r>
-              <a:rPr lang="zh-CN" altLang="en-US" sz="2000" dirty="0"/>
-              <a:t>系统编程就是调用</a:t>
-            </a:r>
-            <a:r>
-              <a:rPr lang="en-US" altLang="zh-CN" sz="2000" dirty="0"/>
-              <a:t>Linux</a:t>
-            </a:r>
-            <a:r>
-              <a:rPr lang="zh-CN" altLang="en-US" sz="2000" dirty="0"/>
-              <a:t>系统提供的</a:t>
-            </a:r>
-            <a:r>
-              <a:rPr lang="en-US" altLang="zh-CN" sz="2000" dirty="0"/>
-              <a:t>API</a:t>
-            </a:r>
-            <a:r>
-              <a:rPr lang="zh-CN" altLang="en-US" sz="2000" dirty="0"/>
-              <a:t>完成需要的任务。</a:t>
-            </a:r>
-            <a:endParaRPr lang="en-US" altLang="zh-CN" sz="2000" dirty="0"/>
-          </a:p>
-          <a:p>
-            <a:endParaRPr lang="en-US" altLang="zh-CN" sz="2000" dirty="0"/>
-          </a:p>
-          <a:p>
-            <a:r>
-              <a:rPr lang="en-US" altLang="zh-CN" sz="2000" dirty="0"/>
-              <a:t>Linux</a:t>
-            </a:r>
-            <a:r>
-              <a:rPr lang="zh-CN" altLang="en-US" sz="2000" dirty="0"/>
-              <a:t>上的大多数命令都是编写的，多数都需要用到系统调用。</a:t>
-            </a:r>
-            <a:endParaRPr lang="en-US" altLang="zh-CN" sz="2000" dirty="0"/>
-          </a:p>
-          <a:p>
-            <a:endParaRPr lang="en-US" altLang="zh-CN" sz="2000" dirty="0"/>
-          </a:p>
-          <a:p>
-            <a:r>
-              <a:rPr lang="en-US" altLang="zh-CN" sz="2000" dirty="0"/>
-              <a:t>man 2 [system call name]</a:t>
-            </a:r>
-            <a:r>
-              <a:rPr lang="zh-CN" altLang="en-US" sz="2000" dirty="0"/>
-              <a:t>查看系统接口文档，</a:t>
-            </a:r>
-            <a:r>
-              <a:rPr lang="en-US" altLang="zh-CN" sz="2000" dirty="0"/>
-              <a:t>man  3  [lib function] </a:t>
-            </a:r>
-            <a:r>
-              <a:rPr lang="zh-CN" altLang="en-US" sz="2000" dirty="0"/>
-              <a:t>查看程序库的函数文档。文档开头都会说明需要引入的头文件，函数声明等信息。</a:t>
-            </a:r>
-            <a:endParaRPr lang="en-US" altLang="zh-CN" sz="2000" dirty="0"/>
-          </a:p>
-          <a:p>
-            <a:endParaRPr lang="en-US" altLang="zh-CN" sz="2000" dirty="0"/>
-          </a:p>
-          <a:p>
-            <a:endParaRPr lang="en-US" altLang="zh-CN" sz="2000" dirty="0"/>
-          </a:p>
-          <a:p>
-            <a:r>
-              <a:rPr lang="en-US" altLang="zh-CN" sz="2000" dirty="0"/>
-              <a:t>man  </a:t>
-            </a:r>
-            <a:r>
-              <a:rPr lang="en-US" altLang="zh-CN" sz="2000" dirty="0" err="1"/>
-              <a:t>syscalls</a:t>
-            </a:r>
-            <a:r>
-              <a:rPr lang="zh-CN" altLang="en-US" sz="2000" dirty="0"/>
-              <a:t>查看所有系统调用（</a:t>
-            </a:r>
-            <a:r>
-              <a:rPr lang="en-US" altLang="zh-CN" sz="2000" dirty="0"/>
-              <a:t>API</a:t>
-            </a:r>
-            <a:r>
-              <a:rPr lang="zh-CN" altLang="en-US" sz="2000" dirty="0"/>
-              <a:t>）。</a:t>
-            </a:r>
-            <a:endParaRPr lang="en-US" altLang="zh-CN" sz="2000" dirty="0"/>
-          </a:p>
-        </p:txBody>
-      </p:sp>
-    </p:spTree>
-    <p:extLst>
-      <p:ext uri="{BB962C8B-B14F-4D97-AF65-F5344CB8AC3E}">
-        <p14:creationId xmlns:p14="http://schemas.microsoft.com/office/powerpoint/2010/main" val="83696498"/>
-      </p:ext>
-    </p:extLst>
-  </p:cSld>
-  <p:clrMapOvr>
-    <a:masterClrMapping/>
-  </p:clrMapOvr>
-</p:sld>
-</file>
-
-<file path=ppt/slides/slide18.xml><?xml version="1.0" encoding="utf-8"?>
-<p:sld xmlns:a="http://schemas.openxmlformats.org/drawingml/2006/main" xmlns:r="http://schemas.openxmlformats.org/officeDocument/2006/relationships" xmlns:p="http://schemas.openxmlformats.org/presentationml/2006/main">
-  <p:cSld>
-    <p:spTree>
-      <p:nvGrpSpPr>
-        <p:cNvPr id="1" name=""/>
-        <p:cNvGrpSpPr/>
-        <p:nvPr/>
-      </p:nvGrpSpPr>
-      <p:grpSpPr>
-        <a:xfrm>
-          <a:off x="0" y="0"/>
-          <a:ext cx="0" cy="0"/>
-          <a:chOff x="0" y="0"/>
-          <a:chExt cx="0" cy="0"/>
-        </a:xfrm>
-      </p:grpSpPr>
-      <p:sp>
-        <p:nvSpPr>
-          <p:cNvPr id="4" name="标题 3">
-            <a:extLst>
-              <a:ext uri="{FF2B5EF4-FFF2-40B4-BE49-F238E27FC236}">
-                <a16:creationId xmlns:a16="http://schemas.microsoft.com/office/drawing/2014/main" id="{2729939D-814A-4BD2-9922-3F8EA865938B}"/>
-              </a:ext>
-            </a:extLst>
-          </p:cNvPr>
-          <p:cNvSpPr>
-            <a:spLocks noGrp="1"/>
-          </p:cNvSpPr>
-          <p:nvPr>
-            <p:ph type="title"/>
-          </p:nvPr>
-        </p:nvSpPr>
-        <p:spPr>
-          <a:xfrm>
-            <a:off x="838200" y="683581"/>
-            <a:ext cx="10515600" cy="736846"/>
-          </a:xfrm>
-        </p:spPr>
-        <p:txBody>
-          <a:bodyPr/>
-          <a:lstStyle/>
-          <a:p>
-            <a:r>
-              <a:rPr lang="zh-CN" altLang="en-US" dirty="0"/>
-              <a:t>获取自己的</a:t>
-            </a:r>
-            <a:r>
-              <a:rPr lang="en-US" altLang="zh-CN" dirty="0"/>
-              <a:t>PID</a:t>
-            </a:r>
-            <a:endParaRPr lang="zh-CN" altLang="en-US" dirty="0"/>
-          </a:p>
-        </p:txBody>
-      </p:sp>
-      <p:sp>
-        <p:nvSpPr>
-          <p:cNvPr id="6" name="内容占位符 5">
-            <a:extLst>
-              <a:ext uri="{FF2B5EF4-FFF2-40B4-BE49-F238E27FC236}">
-                <a16:creationId xmlns:a16="http://schemas.microsoft.com/office/drawing/2014/main" id="{B83E9AD4-C606-4679-B884-01F71CC97E44}"/>
-              </a:ext>
-            </a:extLst>
-          </p:cNvPr>
-          <p:cNvSpPr>
-            <a:spLocks noGrp="1"/>
-          </p:cNvSpPr>
-          <p:nvPr>
-            <p:ph idx="1"/>
-          </p:nvPr>
-        </p:nvSpPr>
-        <p:spPr>
-          <a:xfrm>
-            <a:off x="838200" y="1656500"/>
-            <a:ext cx="10515600" cy="4850832"/>
-          </a:xfrm>
-        </p:spPr>
-        <p:txBody>
-          <a:bodyPr>
-            <a:normAutofit/>
-          </a:bodyPr>
-          <a:lstStyle/>
-          <a:p>
-            <a:r>
-              <a:rPr lang="zh-CN" altLang="en-US" sz="2000" dirty="0"/>
-              <a:t>系统调用：</a:t>
-            </a:r>
-            <a:r>
-              <a:rPr lang="en-US" altLang="zh-CN" sz="2000" dirty="0" err="1"/>
-              <a:t>pid_t</a:t>
-            </a:r>
-            <a:r>
-              <a:rPr lang="en-US" altLang="zh-CN" sz="2000" dirty="0"/>
-              <a:t>  </a:t>
-            </a:r>
-            <a:r>
-              <a:rPr lang="en-US" altLang="zh-CN" sz="2000" dirty="0" err="1"/>
-              <a:t>getpid</a:t>
-            </a:r>
-            <a:r>
-              <a:rPr lang="en-US" altLang="zh-CN" sz="2000" dirty="0"/>
-              <a:t>();</a:t>
-            </a:r>
-          </a:p>
-          <a:p>
-            <a:r>
-              <a:rPr lang="zh-CN" altLang="en-US" sz="2000" dirty="0"/>
-              <a:t>示例：</a:t>
-            </a:r>
-            <a:endParaRPr lang="en-US" altLang="zh-CN" sz="2000" dirty="0"/>
-          </a:p>
-          <a:p>
-            <a:pPr marL="457200" lvl="1" indent="0">
-              <a:buNone/>
-            </a:pPr>
-            <a:r>
-              <a:rPr lang="en-US" altLang="zh-CN" sz="1600" dirty="0"/>
-              <a:t>#include &lt;</a:t>
-            </a:r>
-            <a:r>
-              <a:rPr lang="en-US" altLang="zh-CN" sz="1600" dirty="0" err="1"/>
-              <a:t>stdio.h</a:t>
-            </a:r>
-            <a:r>
-              <a:rPr lang="en-US" altLang="zh-CN" sz="1600" dirty="0"/>
-              <a:t>&gt;</a:t>
-            </a:r>
-          </a:p>
-          <a:p>
-            <a:pPr marL="457200" lvl="1" indent="0">
-              <a:buNone/>
-            </a:pPr>
-            <a:r>
-              <a:rPr lang="en-US" altLang="zh-CN" sz="1600" dirty="0"/>
-              <a:t>#include &lt;sys/</a:t>
-            </a:r>
-            <a:r>
-              <a:rPr lang="en-US" altLang="zh-CN" sz="1600" dirty="0" err="1"/>
-              <a:t>types.h</a:t>
-            </a:r>
-            <a:r>
-              <a:rPr lang="en-US" altLang="zh-CN" sz="1600" dirty="0"/>
-              <a:t>&gt;</a:t>
-            </a:r>
-          </a:p>
-          <a:p>
-            <a:pPr marL="457200" lvl="1" indent="0">
-              <a:buNone/>
-            </a:pPr>
-            <a:r>
-              <a:rPr lang="en-US" altLang="zh-CN" sz="1600" dirty="0"/>
-              <a:t>#include &lt;</a:t>
-            </a:r>
-            <a:r>
-              <a:rPr lang="en-US" altLang="zh-CN" sz="1600" dirty="0" err="1"/>
-              <a:t>unistd.h</a:t>
-            </a:r>
-            <a:r>
-              <a:rPr lang="en-US" altLang="zh-CN" sz="1600" dirty="0"/>
-              <a:t>&gt;</a:t>
-            </a:r>
-          </a:p>
-          <a:p>
-            <a:pPr marL="457200" lvl="1" indent="0">
-              <a:buNone/>
-            </a:pPr>
-            <a:endParaRPr lang="en-US" altLang="zh-CN" sz="1600" dirty="0"/>
-          </a:p>
-          <a:p>
-            <a:pPr marL="457200" lvl="1" indent="0">
-              <a:buNone/>
-            </a:pPr>
-            <a:r>
-              <a:rPr lang="en-US" altLang="zh-CN" sz="1600" dirty="0" err="1"/>
-              <a:t>int</a:t>
-            </a:r>
-            <a:r>
-              <a:rPr lang="en-US" altLang="zh-CN" sz="1600" dirty="0"/>
-              <a:t> main(</a:t>
-            </a:r>
-            <a:r>
-              <a:rPr lang="en-US" altLang="zh-CN" sz="1600" dirty="0" err="1"/>
-              <a:t>int</a:t>
-            </a:r>
-            <a:r>
-              <a:rPr lang="en-US" altLang="zh-CN" sz="1600" dirty="0"/>
-              <a:t> </a:t>
-            </a:r>
-            <a:r>
-              <a:rPr lang="en-US" altLang="zh-CN" sz="1600" dirty="0" err="1"/>
-              <a:t>argc</a:t>
-            </a:r>
-            <a:r>
-              <a:rPr lang="en-US" altLang="zh-CN" sz="1600" dirty="0"/>
-              <a:t>, char *</a:t>
-            </a:r>
-            <a:r>
-              <a:rPr lang="en-US" altLang="zh-CN" sz="1600" dirty="0" err="1"/>
-              <a:t>argv</a:t>
-            </a:r>
-            <a:r>
-              <a:rPr lang="en-US" altLang="zh-CN" sz="1600" dirty="0"/>
-              <a:t>[]) {</a:t>
-            </a:r>
-          </a:p>
-          <a:p>
-            <a:pPr marL="457200" lvl="1" indent="0">
-              <a:buNone/>
-            </a:pPr>
-            <a:r>
-              <a:rPr lang="en-US" altLang="zh-CN" sz="1600" dirty="0"/>
-              <a:t>	</a:t>
-            </a:r>
-            <a:r>
-              <a:rPr lang="en-US" altLang="zh-CN" sz="1600" dirty="0" err="1"/>
-              <a:t>printf</a:t>
-            </a:r>
-            <a:r>
-              <a:rPr lang="en-US" altLang="zh-CN" sz="1600" dirty="0"/>
-              <a:t>(“%d\n”, </a:t>
-            </a:r>
-            <a:r>
-              <a:rPr lang="en-US" altLang="zh-CN" sz="1600" dirty="0" err="1"/>
-              <a:t>getpid</a:t>
-            </a:r>
-            <a:r>
-              <a:rPr lang="en-US" altLang="zh-CN" sz="1600" dirty="0"/>
-              <a:t>() );</a:t>
-            </a:r>
-          </a:p>
-          <a:p>
-            <a:pPr marL="457200" lvl="1" indent="0">
-              <a:buNone/>
-            </a:pPr>
-            <a:r>
-              <a:rPr lang="en-US" altLang="zh-CN" sz="1600" dirty="0"/>
-              <a:t>	return 0;</a:t>
-            </a:r>
-          </a:p>
-          <a:p>
-            <a:pPr marL="457200" lvl="1" indent="0">
-              <a:buNone/>
-            </a:pPr>
-            <a:r>
-              <a:rPr lang="en-US" altLang="zh-CN" sz="1600" dirty="0"/>
-              <a:t>}</a:t>
-            </a:r>
-          </a:p>
-        </p:txBody>
-      </p:sp>
-    </p:spTree>
-    <p:extLst>
-      <p:ext uri="{BB962C8B-B14F-4D97-AF65-F5344CB8AC3E}">
-        <p14:creationId xmlns:p14="http://schemas.microsoft.com/office/powerpoint/2010/main" val="220644065"/>
-      </p:ext>
-    </p:extLst>
-  </p:cSld>
-  <p:clrMapOvr>
-    <a:masterClrMapping/>
-  </p:clrMapOvr>
-</p:sld>
-</file>
-
-<file path=ppt/slides/slide19.xml><?xml version="1.0" encoding="utf-8"?>
-<p:sld xmlns:a="http://schemas.openxmlformats.org/drawingml/2006/main" xmlns:r="http://schemas.openxmlformats.org/officeDocument/2006/relationships" xmlns:p="http://schemas.openxmlformats.org/presentationml/2006/main">
-  <p:cSld>
-    <p:spTree>
-      <p:nvGrpSpPr>
-        <p:cNvPr id="1" name=""/>
-        <p:cNvGrpSpPr/>
-        <p:nvPr/>
-      </p:nvGrpSpPr>
-      <p:grpSpPr>
-        <a:xfrm>
-          <a:off x="0" y="0"/>
-          <a:ext cx="0" cy="0"/>
-          <a:chOff x="0" y="0"/>
-          <a:chExt cx="0" cy="0"/>
-        </a:xfrm>
-      </p:grpSpPr>
-      <p:sp>
-        <p:nvSpPr>
-          <p:cNvPr id="4" name="标题 3">
-            <a:extLst>
-              <a:ext uri="{FF2B5EF4-FFF2-40B4-BE49-F238E27FC236}">
-                <a16:creationId xmlns:a16="http://schemas.microsoft.com/office/drawing/2014/main" id="{2729939D-814A-4BD2-9922-3F8EA865938B}"/>
-              </a:ext>
-            </a:extLst>
-          </p:cNvPr>
-          <p:cNvSpPr>
-            <a:spLocks noGrp="1"/>
-          </p:cNvSpPr>
-          <p:nvPr>
-            <p:ph type="title"/>
-          </p:nvPr>
-        </p:nvSpPr>
-        <p:spPr>
-          <a:xfrm>
-            <a:off x="838200" y="683581"/>
-            <a:ext cx="10515600" cy="736846"/>
-          </a:xfrm>
-        </p:spPr>
-        <p:txBody>
-          <a:bodyPr/>
-          <a:lstStyle/>
-          <a:p>
-            <a:r>
-              <a:rPr lang="zh-CN" altLang="en-US" dirty="0"/>
-              <a:t>用</a:t>
-            </a:r>
-            <a:r>
-              <a:rPr lang="en-US" altLang="zh-CN" dirty="0"/>
-              <a:t>fork</a:t>
-            </a:r>
-            <a:r>
-              <a:rPr lang="zh-CN" altLang="en-US" dirty="0"/>
-              <a:t>创建子进程</a:t>
-            </a:r>
-          </a:p>
-        </p:txBody>
-      </p:sp>
-      <p:sp>
-        <p:nvSpPr>
-          <p:cNvPr id="6" name="内容占位符 5">
-            <a:extLst>
-              <a:ext uri="{FF2B5EF4-FFF2-40B4-BE49-F238E27FC236}">
-                <a16:creationId xmlns:a16="http://schemas.microsoft.com/office/drawing/2014/main" id="{B83E9AD4-C606-4679-B884-01F71CC97E44}"/>
-              </a:ext>
-            </a:extLst>
-          </p:cNvPr>
-          <p:cNvSpPr>
-            <a:spLocks noGrp="1"/>
-          </p:cNvSpPr>
-          <p:nvPr>
-            <p:ph idx="1"/>
-          </p:nvPr>
-        </p:nvSpPr>
-        <p:spPr>
-          <a:xfrm>
-            <a:off x="838200" y="1656500"/>
-            <a:ext cx="10515600" cy="4850832"/>
-          </a:xfrm>
-        </p:spPr>
-        <p:txBody>
-          <a:bodyPr>
-            <a:normAutofit/>
-          </a:bodyPr>
-          <a:lstStyle/>
-          <a:p>
-            <a:r>
-              <a:rPr lang="zh-CN" altLang="en-US" sz="2000" dirty="0"/>
-              <a:t>系统调用：</a:t>
-            </a:r>
-            <a:r>
-              <a:rPr lang="en-US" altLang="zh-CN" sz="2000" dirty="0" err="1"/>
-              <a:t>pid_t</a:t>
-            </a:r>
-            <a:r>
-              <a:rPr lang="en-US" altLang="zh-CN" sz="2000" dirty="0"/>
-              <a:t>  fork();</a:t>
-            </a:r>
-          </a:p>
-          <a:p>
-            <a:endParaRPr lang="en-US" altLang="zh-CN" sz="2000" dirty="0"/>
-          </a:p>
-          <a:p>
-            <a:r>
-              <a:rPr lang="en-US" altLang="zh-CN" sz="2000" dirty="0"/>
-              <a:t>fork</a:t>
-            </a:r>
-            <a:r>
-              <a:rPr lang="zh-CN" altLang="en-US" sz="2000" dirty="0"/>
-              <a:t>会创建子进程，调用</a:t>
-            </a:r>
-            <a:r>
-              <a:rPr lang="en-US" altLang="zh-CN" sz="2000" dirty="0"/>
-              <a:t>fork</a:t>
-            </a:r>
-            <a:r>
-              <a:rPr lang="zh-CN" altLang="en-US" sz="2000" dirty="0"/>
-              <a:t>，内核会分配内存，分配新的进程描述符。并标记父进程为创建它的进程。子进程创建后就开始运行。</a:t>
-            </a:r>
-            <a:endParaRPr lang="en-US" altLang="zh-CN" sz="2000" dirty="0"/>
-          </a:p>
-          <a:p>
-            <a:endParaRPr lang="en-US" altLang="zh-CN" sz="2000" dirty="0"/>
-          </a:p>
-          <a:p>
-            <a:r>
-              <a:rPr lang="en-US" altLang="zh-CN" sz="2000" dirty="0"/>
-              <a:t>fork</a:t>
-            </a:r>
-            <a:r>
-              <a:rPr lang="zh-CN" altLang="en-US" sz="2000" dirty="0"/>
-              <a:t>出错返回</a:t>
-            </a:r>
-            <a:r>
-              <a:rPr lang="en-US" altLang="zh-CN" sz="2000" dirty="0"/>
-              <a:t>-1</a:t>
-            </a:r>
-            <a:r>
-              <a:rPr lang="zh-CN" altLang="en-US" sz="2000" dirty="0"/>
-              <a:t>并且不会创建新的进程；正确则在父进程返回创建子进程的</a:t>
-            </a:r>
-            <a:r>
-              <a:rPr lang="en-US" altLang="zh-CN" sz="2000" dirty="0"/>
-              <a:t>PID</a:t>
-            </a:r>
-            <a:r>
-              <a:rPr lang="zh-CN" altLang="en-US" sz="2000" dirty="0"/>
-              <a:t>，在子进程返回</a:t>
-            </a:r>
-            <a:r>
-              <a:rPr lang="en-US" altLang="zh-CN" sz="2000" dirty="0"/>
-              <a:t>0</a:t>
-            </a:r>
-            <a:r>
-              <a:rPr lang="zh-CN" altLang="en-US" sz="2000" dirty="0"/>
-              <a:t>。</a:t>
-            </a:r>
-            <a:endParaRPr lang="en-US" altLang="zh-CN" sz="2000" dirty="0"/>
-          </a:p>
-          <a:p>
-            <a:endParaRPr lang="en-US" altLang="zh-CN" sz="2000" dirty="0"/>
-          </a:p>
-          <a:p>
-            <a:r>
-              <a:rPr lang="zh-CN" altLang="en-US" sz="2000" dirty="0"/>
-              <a:t>子进程会在</a:t>
-            </a:r>
-            <a:r>
-              <a:rPr lang="en-US" altLang="zh-CN" sz="2000" dirty="0"/>
-              <a:t>fork</a:t>
-            </a:r>
-            <a:r>
-              <a:rPr lang="zh-CN" altLang="en-US" sz="2000" dirty="0"/>
-              <a:t>调用后继续执行后面的代码，由于父进程和子进程不同的返回值。可以通过返回值判断控制父进程和子进程执行不同的代码。</a:t>
-            </a:r>
-            <a:endParaRPr lang="en-US" altLang="zh-CN" sz="2000" dirty="0"/>
-          </a:p>
-        </p:txBody>
-      </p:sp>
-    </p:spTree>
-    <p:extLst>
-      <p:ext uri="{BB962C8B-B14F-4D97-AF65-F5344CB8AC3E}">
-        <p14:creationId xmlns:p14="http://schemas.microsoft.com/office/powerpoint/2010/main" val="2364192601"/>
-      </p:ext>
-    </p:extLst>
-  </p:cSld>
-  <p:clrMapOvr>
-    <a:masterClrMapping/>
-  </p:clrMapOvr>
-</p:sld>
-</file>
-
-<file path=ppt/slides/slide2.xml><?xml version="1.0" encoding="utf-8"?>
-<p:sld xmlns:a="http://schemas.openxmlformats.org/drawingml/2006/main" xmlns:r="http://schemas.openxmlformats.org/officeDocument/2006/relationships" xmlns:p="http://schemas.openxmlformats.org/presentationml/2006/main">
-  <p:cSld>
-    <p:spTree>
-      <p:nvGrpSpPr>
-        <p:cNvPr id="1" name=""/>
-        <p:cNvGrpSpPr/>
-        <p:nvPr/>
-      </p:nvGrpSpPr>
-      <p:grpSpPr>
-        <a:xfrm>
-          <a:off x="0" y="0"/>
-          <a:ext cx="0" cy="0"/>
-          <a:chOff x="0" y="0"/>
-          <a:chExt cx="0" cy="0"/>
-        </a:xfrm>
-      </p:grpSpPr>
-      <p:sp>
-        <p:nvSpPr>
-          <p:cNvPr id="4" name="标题 3">
-            <a:extLst>
-              <a:ext uri="{FF2B5EF4-FFF2-40B4-BE49-F238E27FC236}">
-                <a16:creationId xmlns:a16="http://schemas.microsoft.com/office/drawing/2014/main" id="{2729939D-814A-4BD2-9922-3F8EA865938B}"/>
-              </a:ext>
-            </a:extLst>
-          </p:cNvPr>
-          <p:cNvSpPr>
-            <a:spLocks noGrp="1"/>
-          </p:cNvSpPr>
-          <p:nvPr>
-            <p:ph type="title"/>
-          </p:nvPr>
-        </p:nvSpPr>
-        <p:spPr>
-          <a:xfrm>
-            <a:off x="838200" y="683581"/>
-            <a:ext cx="10515600" cy="736846"/>
-          </a:xfrm>
-        </p:spPr>
-        <p:txBody>
-          <a:bodyPr/>
-          <a:lstStyle/>
-          <a:p>
-            <a:r>
-              <a:rPr lang="zh-CN" altLang="en-US" dirty="0"/>
-              <a:t>目录</a:t>
-            </a:r>
-          </a:p>
-        </p:txBody>
-      </p:sp>
-      <p:graphicFrame>
-        <p:nvGraphicFramePr>
-          <p:cNvPr id="8" name="内容占位符 7">
-            <a:extLst>
-              <a:ext uri="{FF2B5EF4-FFF2-40B4-BE49-F238E27FC236}">
-                <a16:creationId xmlns:a16="http://schemas.microsoft.com/office/drawing/2014/main" id="{E297281D-D602-49CD-B5A2-49E27DF0DF4B}"/>
-              </a:ext>
-            </a:extLst>
-          </p:cNvPr>
-          <p:cNvGraphicFramePr>
-            <a:graphicFrameLocks noGrp="1"/>
-          </p:cNvGraphicFramePr>
-          <p:nvPr>
-            <p:ph idx="1"/>
-            <p:extLst>
-              <p:ext uri="{D42A27DB-BD31-4B8C-83A1-F6EECF244321}">
-                <p14:modId xmlns:p14="http://schemas.microsoft.com/office/powerpoint/2010/main" val="1856237526"/>
-              </p:ext>
-            </p:extLst>
-          </p:nvPr>
-        </p:nvGraphicFramePr>
-        <p:xfrm>
-          <a:off x="870012" y="2317072"/>
-          <a:ext cx="10483788" cy="2223819"/>
-        </p:xfrm>
-        <a:graphic>
-          <a:graphicData uri="http://schemas.openxmlformats.org/drawingml/2006/table">
-            <a:tbl>
-              <a:tblPr firstRow="1" bandRow="1">
-                <a:tableStyleId>{8799B23B-EC83-4686-B30A-512413B5E67A}</a:tableStyleId>
-              </a:tblPr>
-              <a:tblGrid>
-                <a:gridCol w="10483788">
-                  <a:extLst>
-                    <a:ext uri="{9D8B030D-6E8A-4147-A177-3AD203B41FA5}">
-                      <a16:colId xmlns:a16="http://schemas.microsoft.com/office/drawing/2014/main" val="2172453955"/>
-                    </a:ext>
-                  </a:extLst>
-                </a:gridCol>
-              </a:tblGrid>
-              <a:tr h="741273">
-                <a:tc>
-                  <a:txBody>
-                    <a:bodyPr/>
-                    <a:lstStyle/>
-                    <a:p>
-                      <a:pPr lvl="4" algn="l"/>
-                      <a:r>
-                        <a:rPr lang="en-US" altLang="zh-CN" sz="2000" b="0" dirty="0">
-                          <a:latin typeface="汉仪家书简" panose="02010609000101010101" pitchFamily="49" charset="-122"/>
-                          <a:ea typeface="汉仪家书简" panose="02010609000101010101" pitchFamily="49" charset="-122"/>
-                        </a:rPr>
-                        <a:t>vim</a:t>
-                      </a:r>
-                      <a:r>
-                        <a:rPr lang="zh-CN" altLang="en-US" sz="2000" b="0" dirty="0">
-                          <a:latin typeface="汉仪家书简" panose="02010609000101010101" pitchFamily="49" charset="-122"/>
-                          <a:ea typeface="汉仪家书简" panose="02010609000101010101" pitchFamily="49" charset="-122"/>
-                        </a:rPr>
-                        <a:t>配置</a:t>
-                      </a:r>
-                    </a:p>
-                  </a:txBody>
-                  <a:tcPr anchor="ctr">
-                    <a:lnL w="12700" cmpd="sng">
-                      <a:noFill/>
-                    </a:lnL>
-                    <a:lnR w="12700" cmpd="sng">
-                      <a:noFill/>
-                    </a:lnR>
-                    <a:lnT w="12700" cmpd="sng">
-                      <a:noFill/>
-                    </a:lnT>
-                    <a:lnB w="25400" cmpd="sng">
-                      <a:noFill/>
-                    </a:lnB>
-                    <a:lnTlToBr w="12700" cmpd="sng">
-                      <a:noFill/>
-                      <a:prstDash val="solid"/>
-                    </a:lnTlToBr>
-                    <a:lnBlToTr w="12700" cmpd="sng">
-                      <a:noFill/>
-                      <a:prstDash val="solid"/>
-                    </a:lnBlToTr>
-                    <a:solidFill>
-                      <a:schemeClr val="accent1">
-                        <a:lumMod val="20000"/>
-                        <a:lumOff val="80000"/>
-                      </a:schemeClr>
-                    </a:solidFill>
-                  </a:tcPr>
-                </a:tc>
-                <a:extLst>
-                  <a:ext uri="{0D108BD9-81ED-4DB2-BD59-A6C34878D82A}">
-                    <a16:rowId xmlns:a16="http://schemas.microsoft.com/office/drawing/2014/main" val="2767275421"/>
-                  </a:ext>
-                </a:extLst>
-              </a:tr>
-              <a:tr h="741273">
-                <a:tc>
-                  <a:txBody>
-                    <a:bodyPr/>
-                    <a:lstStyle/>
-                    <a:p>
-                      <a:pPr lvl="4" algn="l"/>
-                      <a:r>
-                        <a:rPr lang="zh-CN" altLang="en-US" sz="2000" dirty="0">
-                          <a:latin typeface="汉仪家书简" panose="02010609000101010101" pitchFamily="49" charset="-122"/>
-                          <a:ea typeface="汉仪家书简" panose="02010609000101010101" pitchFamily="49" charset="-122"/>
-                        </a:rPr>
-                        <a:t>深入理解</a:t>
-                      </a:r>
-                      <a:r>
-                        <a:rPr lang="en-US" altLang="zh-CN" sz="2000" dirty="0">
-                          <a:latin typeface="汉仪家书简" panose="02010609000101010101" pitchFamily="49" charset="-122"/>
-                          <a:ea typeface="汉仪家书简" panose="02010609000101010101" pitchFamily="49" charset="-122"/>
-                        </a:rPr>
-                        <a:t>Linux</a:t>
-                      </a:r>
-                      <a:r>
-                        <a:rPr lang="zh-CN" altLang="en-US" sz="2000" dirty="0">
-                          <a:latin typeface="汉仪家书简" panose="02010609000101010101" pitchFamily="49" charset="-122"/>
-                          <a:ea typeface="汉仪家书简" panose="02010609000101010101" pitchFamily="49" charset="-122"/>
-                        </a:rPr>
-                        <a:t>的进程</a:t>
-                      </a:r>
-                    </a:p>
-                  </a:txBody>
-                  <a:tcPr anchor="ctr">
-                    <a:lnL w="12700" cmpd="sng">
-                      <a:noFill/>
-                    </a:lnL>
-                    <a:lnR w="12700" cmpd="sng">
-                      <a:noFill/>
-                    </a:lnR>
-                    <a:lnT w="25400" cmpd="sng">
-                      <a:noFill/>
-                    </a:lnT>
-                    <a:lnB w="12700" cmpd="sng">
-                      <a:noFill/>
-                    </a:lnB>
-                    <a:lnTlToBr w="12700" cmpd="sng">
-                      <a:noFill/>
-                      <a:prstDash val="solid"/>
-                    </a:lnTlToBr>
-                    <a:lnBlToTr w="12700" cmpd="sng">
-                      <a:noFill/>
-                      <a:prstDash val="solid"/>
-                    </a:lnBlToTr>
-                    <a:solidFill>
-                      <a:schemeClr val="accent1">
-                        <a:lumMod val="20000"/>
-                        <a:lumOff val="80000"/>
-                      </a:schemeClr>
-                    </a:solidFill>
-                  </a:tcPr>
-                </a:tc>
-                <a:extLst>
-                  <a:ext uri="{0D108BD9-81ED-4DB2-BD59-A6C34878D82A}">
-                    <a16:rowId xmlns:a16="http://schemas.microsoft.com/office/drawing/2014/main" val="994305771"/>
-                  </a:ext>
-                </a:extLst>
-              </a:tr>
-              <a:tr h="741273">
-                <a:tc>
-                  <a:txBody>
-                    <a:bodyPr/>
-                    <a:lstStyle/>
-                    <a:p>
-                      <a:pPr lvl="4" algn="l"/>
-                      <a:r>
-                        <a:rPr lang="en-US" altLang="zh-CN" sz="2000" dirty="0">
-                          <a:latin typeface="汉仪家书简" panose="02010609000101010101" pitchFamily="49" charset="-122"/>
-                          <a:ea typeface="汉仪家书简" panose="02010609000101010101" pitchFamily="49" charset="-122"/>
-                        </a:rPr>
-                        <a:t>Linux</a:t>
-                      </a:r>
-                      <a:r>
-                        <a:rPr lang="zh-CN" altLang="en-US" sz="2000" dirty="0">
-                          <a:latin typeface="汉仪家书简" panose="02010609000101010101" pitchFamily="49" charset="-122"/>
-                          <a:ea typeface="汉仪家书简" panose="02010609000101010101" pitchFamily="49" charset="-122"/>
-                        </a:rPr>
-                        <a:t>系统编程基础</a:t>
-                      </a:r>
-                    </a:p>
-                  </a:txBody>
-                  <a:tcPr anchor="ctr">
-                    <a:lnL w="12700" cmpd="sng">
-                      <a:noFill/>
-                    </a:lnL>
-                    <a:lnR w="12700" cmpd="sng">
-                      <a:noFill/>
-                    </a:lnR>
-                    <a:lnT w="12700" cmpd="sng">
-                      <a:noFill/>
-                    </a:lnT>
-                    <a:lnB w="12700" cmpd="sng">
-                      <a:noFill/>
-                    </a:lnB>
-                    <a:lnTlToBr w="12700" cmpd="sng">
-                      <a:noFill/>
-                      <a:prstDash val="solid"/>
-                    </a:lnTlToBr>
-                    <a:lnBlToTr w="12700" cmpd="sng">
-                      <a:noFill/>
-                      <a:prstDash val="solid"/>
-                    </a:lnBlToTr>
-                    <a:solidFill>
-                      <a:schemeClr val="accent1">
-                        <a:lumMod val="20000"/>
-                        <a:lumOff val="80000"/>
-                      </a:schemeClr>
-                    </a:solidFill>
-                  </a:tcPr>
-                </a:tc>
-                <a:extLst>
-                  <a:ext uri="{0D108BD9-81ED-4DB2-BD59-A6C34878D82A}">
-                    <a16:rowId xmlns:a16="http://schemas.microsoft.com/office/drawing/2014/main" val="3453593494"/>
-                  </a:ext>
-                </a:extLst>
-              </a:tr>
-            </a:tbl>
-          </a:graphicData>
-        </a:graphic>
-      </p:graphicFrame>
-    </p:spTree>
-    <p:extLst>
-      <p:ext uri="{BB962C8B-B14F-4D97-AF65-F5344CB8AC3E}">
-        <p14:creationId xmlns:p14="http://schemas.microsoft.com/office/powerpoint/2010/main" val="3581785050"/>
-      </p:ext>
-    </p:extLst>
-  </p:cSld>
-  <p:clrMapOvr>
-    <a:masterClrMapping/>
-  </p:clrMapOvr>
-</p:sld>
-</file>
-
-<file path=ppt/slides/slide20.xml><?xml version="1.0" encoding="utf-8"?>
-<p:sld xmlns:a="http://schemas.openxmlformats.org/drawingml/2006/main" xmlns:r="http://schemas.openxmlformats.org/officeDocument/2006/relationships" xmlns:p="http://schemas.openxmlformats.org/presentationml/2006/main">
-  <p:cSld>
-    <p:spTree>
-      <p:nvGrpSpPr>
-        <p:cNvPr id="1" name=""/>
-        <p:cNvGrpSpPr/>
-        <p:nvPr/>
-      </p:nvGrpSpPr>
-      <p:grpSpPr>
-        <a:xfrm>
-          <a:off x="0" y="0"/>
-          <a:ext cx="0" cy="0"/>
-          <a:chOff x="0" y="0"/>
-          <a:chExt cx="0" cy="0"/>
-        </a:xfrm>
-      </p:grpSpPr>
-      <p:sp>
-        <p:nvSpPr>
-          <p:cNvPr id="4" name="标题 3">
-            <a:extLst>
-              <a:ext uri="{FF2B5EF4-FFF2-40B4-BE49-F238E27FC236}">
-                <a16:creationId xmlns:a16="http://schemas.microsoft.com/office/drawing/2014/main" id="{2729939D-814A-4BD2-9922-3F8EA865938B}"/>
-              </a:ext>
-            </a:extLst>
-          </p:cNvPr>
-          <p:cNvSpPr>
-            <a:spLocks noGrp="1"/>
-          </p:cNvSpPr>
-          <p:nvPr>
-            <p:ph type="title"/>
-          </p:nvPr>
-        </p:nvSpPr>
-        <p:spPr>
-          <a:xfrm>
-            <a:off x="838200" y="683581"/>
-            <a:ext cx="10515600" cy="736846"/>
-          </a:xfrm>
-        </p:spPr>
-        <p:txBody>
-          <a:bodyPr/>
-          <a:lstStyle/>
-          <a:p>
-            <a:r>
               <a:rPr lang="zh-CN" altLang="en-US" dirty="0"/>
               <a:t>等待子进程退出</a:t>
             </a:r>
@@ -7673,7 +6025,7 @@
 </p:sld>
 </file>
 
-<file path=ppt/slides/slide21.xml><?xml version="1.0" encoding="utf-8"?>
+<file path=ppt/slides/slide16.xml><?xml version="1.0" encoding="utf-8"?>
 <p:sld xmlns:a="http://schemas.openxmlformats.org/drawingml/2006/main" xmlns:r="http://schemas.openxmlformats.org/officeDocument/2006/relationships" xmlns:p="http://schemas.openxmlformats.org/presentationml/2006/main">
   <p:cSld>
     <p:spTree>
@@ -8025,7 +6377,7 @@
 </p:sld>
 </file>
 
-<file path=ppt/slides/slide22.xml><?xml version="1.0" encoding="utf-8"?>
+<file path=ppt/slides/slide17.xml><?xml version="1.0" encoding="utf-8"?>
 <p:sld xmlns:a="http://schemas.openxmlformats.org/drawingml/2006/main" xmlns:r="http://schemas.openxmlformats.org/officeDocument/2006/relationships" xmlns:p="http://schemas.openxmlformats.org/presentationml/2006/main">
   <p:cSld>
     <p:spTree>
@@ -8230,7 +6582,7 @@
 </p:sld>
 </file>
 
-<file path=ppt/slides/slide23.xml><?xml version="1.0" encoding="utf-8"?>
+<file path=ppt/slides/slide18.xml><?xml version="1.0" encoding="utf-8"?>
 <p:sld xmlns:a="http://schemas.openxmlformats.org/drawingml/2006/main" xmlns:r="http://schemas.openxmlformats.org/officeDocument/2006/relationships" xmlns:p="http://schemas.openxmlformats.org/presentationml/2006/main">
   <p:cSld>
     <p:spTree>
@@ -8520,6 +6872,229 @@
     <p:extLst>
       <p:ext uri="{BB962C8B-B14F-4D97-AF65-F5344CB8AC3E}">
         <p14:creationId xmlns:p14="http://schemas.microsoft.com/office/powerpoint/2010/main" val="302101281"/>
+      </p:ext>
+    </p:extLst>
+  </p:cSld>
+  <p:clrMapOvr>
+    <a:masterClrMapping/>
+  </p:clrMapOvr>
+</p:sld>
+</file>
+
+<file path=ppt/slides/slide2.xml><?xml version="1.0" encoding="utf-8"?>
+<p:sld xmlns:a="http://schemas.openxmlformats.org/drawingml/2006/main" xmlns:r="http://schemas.openxmlformats.org/officeDocument/2006/relationships" xmlns:p="http://schemas.openxmlformats.org/presentationml/2006/main">
+  <p:cSld>
+    <p:spTree>
+      <p:nvGrpSpPr>
+        <p:cNvPr id="1" name=""/>
+        <p:cNvGrpSpPr/>
+        <p:nvPr/>
+      </p:nvGrpSpPr>
+      <p:grpSpPr>
+        <a:xfrm>
+          <a:off x="0" y="0"/>
+          <a:ext cx="0" cy="0"/>
+          <a:chOff x="0" y="0"/>
+          <a:chExt cx="0" cy="0"/>
+        </a:xfrm>
+      </p:grpSpPr>
+      <p:sp>
+        <p:nvSpPr>
+          <p:cNvPr id="4" name="标题 3">
+            <a:extLst>
+              <a:ext uri="{FF2B5EF4-FFF2-40B4-BE49-F238E27FC236}">
+                <a16:creationId xmlns:a16="http://schemas.microsoft.com/office/drawing/2014/main" id="{2729939D-814A-4BD2-9922-3F8EA865938B}"/>
+              </a:ext>
+            </a:extLst>
+          </p:cNvPr>
+          <p:cNvSpPr>
+            <a:spLocks noGrp="1"/>
+          </p:cNvSpPr>
+          <p:nvPr>
+            <p:ph type="title"/>
+          </p:nvPr>
+        </p:nvSpPr>
+        <p:spPr>
+          <a:xfrm>
+            <a:off x="838200" y="683581"/>
+            <a:ext cx="10515600" cy="736846"/>
+          </a:xfrm>
+        </p:spPr>
+        <p:txBody>
+          <a:bodyPr/>
+          <a:lstStyle/>
+          <a:p>
+            <a:r>
+              <a:rPr lang="zh-CN" altLang="en-US" dirty="0"/>
+              <a:t>目录</a:t>
+            </a:r>
+          </a:p>
+        </p:txBody>
+      </p:sp>
+      <p:graphicFrame>
+        <p:nvGraphicFramePr>
+          <p:cNvPr id="8" name="内容占位符 7">
+            <a:extLst>
+              <a:ext uri="{FF2B5EF4-FFF2-40B4-BE49-F238E27FC236}">
+                <a16:creationId xmlns:a16="http://schemas.microsoft.com/office/drawing/2014/main" id="{E297281D-D602-49CD-B5A2-49E27DF0DF4B}"/>
+              </a:ext>
+            </a:extLst>
+          </p:cNvPr>
+          <p:cNvGraphicFramePr>
+            <a:graphicFrameLocks noGrp="1"/>
+          </p:cNvGraphicFramePr>
+          <p:nvPr>
+            <p:ph idx="1"/>
+            <p:extLst>
+              <p:ext uri="{D42A27DB-BD31-4B8C-83A1-F6EECF244321}">
+                <p14:modId xmlns:p14="http://schemas.microsoft.com/office/powerpoint/2010/main" val="190946047"/>
+              </p:ext>
+            </p:extLst>
+          </p:nvPr>
+        </p:nvGraphicFramePr>
+        <p:xfrm>
+          <a:off x="870012" y="2317072"/>
+          <a:ext cx="10483788" cy="1482546"/>
+        </p:xfrm>
+        <a:graphic>
+          <a:graphicData uri="http://schemas.openxmlformats.org/drawingml/2006/table">
+            <a:tbl>
+              <a:tblPr firstRow="1" bandRow="1">
+                <a:tableStyleId>{8799B23B-EC83-4686-B30A-512413B5E67A}</a:tableStyleId>
+              </a:tblPr>
+              <a:tblGrid>
+                <a:gridCol w="10483788">
+                  <a:extLst>
+                    <a:ext uri="{9D8B030D-6E8A-4147-A177-3AD203B41FA5}">
+                      <a16:colId xmlns:a16="http://schemas.microsoft.com/office/drawing/2014/main" val="2172453955"/>
+                    </a:ext>
+                  </a:extLst>
+                </a:gridCol>
+              </a:tblGrid>
+              <a:tr h="741273">
+                <a:tc>
+                  <a:txBody>
+                    <a:bodyPr/>
+                    <a:lstStyle/>
+                    <a:p>
+                      <a:pPr lvl="4" algn="l"/>
+                      <a:r>
+                        <a:rPr lang="en-US" altLang="zh-CN" sz="2000" b="0" dirty="0">
+                          <a:latin typeface="汉仪家书简" panose="02010609000101010101" pitchFamily="49" charset="-122"/>
+                          <a:ea typeface="汉仪家书简" panose="02010609000101010101" pitchFamily="49" charset="-122"/>
+                        </a:rPr>
+                        <a:t>vim</a:t>
+                      </a:r>
+                      <a:r>
+                        <a:rPr lang="zh-CN" altLang="en-US" sz="2000" b="0" dirty="0">
+                          <a:latin typeface="汉仪家书简" panose="02010609000101010101" pitchFamily="49" charset="-122"/>
+                          <a:ea typeface="汉仪家书简" panose="02010609000101010101" pitchFamily="49" charset="-122"/>
+                        </a:rPr>
+                        <a:t>配置</a:t>
+                      </a:r>
+                    </a:p>
+                  </a:txBody>
+                  <a:tcPr anchor="ctr">
+                    <a:lnL w="12700" cmpd="sng">
+                      <a:noFill/>
+                    </a:lnL>
+                    <a:lnR w="12700" cmpd="sng">
+                      <a:noFill/>
+                    </a:lnR>
+                    <a:lnT w="12700" cmpd="sng">
+                      <a:noFill/>
+                    </a:lnT>
+                    <a:lnB w="25400" cmpd="sng">
+                      <a:noFill/>
+                    </a:lnB>
+                    <a:lnTlToBr w="12700" cmpd="sng">
+                      <a:noFill/>
+                      <a:prstDash val="solid"/>
+                    </a:lnTlToBr>
+                    <a:lnBlToTr w="12700" cmpd="sng">
+                      <a:noFill/>
+                      <a:prstDash val="solid"/>
+                    </a:lnBlToTr>
+                    <a:solidFill>
+                      <a:schemeClr val="accent1">
+                        <a:lumMod val="20000"/>
+                        <a:lumOff val="80000"/>
+                      </a:schemeClr>
+                    </a:solidFill>
+                  </a:tcPr>
+                </a:tc>
+                <a:extLst>
+                  <a:ext uri="{0D108BD9-81ED-4DB2-BD59-A6C34878D82A}">
+                    <a16:rowId xmlns:a16="http://schemas.microsoft.com/office/drawing/2014/main" val="2767275421"/>
+                  </a:ext>
+                </a:extLst>
+              </a:tr>
+              <a:tr h="741273">
+                <a:tc>
+                  <a:txBody>
+                    <a:bodyPr/>
+                    <a:lstStyle/>
+                    <a:p>
+                      <a:pPr lvl="4" algn="l"/>
+                      <a:r>
+                        <a:rPr lang="en-US" altLang="zh-CN" sz="2000" dirty="0">
+                          <a:latin typeface="汉仪家书简" panose="02010609000101010101" pitchFamily="49" charset="-122"/>
+                          <a:ea typeface="汉仪家书简" panose="02010609000101010101" pitchFamily="49" charset="-122"/>
+                        </a:rPr>
+                        <a:t>Linux</a:t>
+                      </a:r>
+                      <a:r>
+                        <a:rPr lang="zh-CN" altLang="en-US" sz="2000" dirty="0">
+                          <a:latin typeface="汉仪家书简" panose="02010609000101010101" pitchFamily="49" charset="-122"/>
+                          <a:ea typeface="汉仪家书简" panose="02010609000101010101" pitchFamily="49" charset="-122"/>
+                        </a:rPr>
+                        <a:t>系统编程基础</a:t>
+                      </a:r>
+                    </a:p>
+                  </a:txBody>
+                  <a:tcPr anchor="ctr">
+                    <a:lnL w="12700" cmpd="sng">
+                      <a:noFill/>
+                    </a:lnL>
+                    <a:lnR w="12700" cmpd="sng">
+                      <a:noFill/>
+                    </a:lnR>
+                    <a:lnT w="12700" cmpd="sng">
+                      <a:noFill/>
+                    </a:lnT>
+                    <a:lnB w="12700" cmpd="sng">
+                      <a:noFill/>
+                    </a:lnB>
+                    <a:lnTlToBr w="12700" cmpd="sng">
+                      <a:noFill/>
+                      <a:prstDash val="solid"/>
+                    </a:lnTlToBr>
+                    <a:lnBlToTr w="12700" cmpd="sng">
+                      <a:noFill/>
+                      <a:prstDash val="solid"/>
+                    </a:lnBlToTr>
+                    <a:solidFill>
+                      <a:schemeClr val="accent1">
+                        <a:lumMod val="20000"/>
+                        <a:lumOff val="80000"/>
+                      </a:schemeClr>
+                    </a:solidFill>
+                  </a:tcPr>
+                </a:tc>
+                <a:extLst>
+                  <a:ext uri="{0D108BD9-81ED-4DB2-BD59-A6C34878D82A}">
+                    <a16:rowId xmlns:a16="http://schemas.microsoft.com/office/drawing/2014/main" val="3453593494"/>
+                  </a:ext>
+                </a:extLst>
+              </a:tr>
+            </a:tbl>
+          </a:graphicData>
+        </a:graphic>
+      </p:graphicFrame>
+    </p:spTree>
+    <p:extLst>
+      <p:ext uri="{BB962C8B-B14F-4D97-AF65-F5344CB8AC3E}">
+        <p14:creationId xmlns:p14="http://schemas.microsoft.com/office/powerpoint/2010/main" val="3581785050"/>
       </p:ext>
     </p:extLst>
   </p:cSld>
